--- a/präsi.pptx
+++ b/präsi.pptx
@@ -27,6 +27,12 @@
     <p:sldId id="270" r:id="rId20"/>
     <p:sldId id="271" r:id="rId21"/>
     <p:sldId id="272" r:id="rId22"/>
+    <p:sldId id="273" r:id="rId23"/>
+    <p:sldId id="274" r:id="rId24"/>
+    <p:sldId id="275" r:id="rId25"/>
+    <p:sldId id="276" r:id="rId26"/>
+    <p:sldId id="277" r:id="rId27"/>
+    <p:sldId id="278" r:id="rId28"/>
   </p:sldIdLst>
   <p:sldSz cx="13004800" cy="9753600"/>
   <p:notesSz cx="6858000" cy="9144000"/>
@@ -52,7 +58,7 @@
       </p:grpSpPr>
       <p:sp>
         <p:nvSpPr>
-          <p:cNvPr id="111" name="PlaceHolder 1"/>
+          <p:cNvPr id="108" name="PlaceHolder 1"/>
           <p:cNvSpPr>
             <a:spLocks noGrp="1"/>
           </p:cNvSpPr>
@@ -84,7 +90,7 @@
       </p:sp>
       <p:sp>
         <p:nvSpPr>
-          <p:cNvPr id="112" name="PlaceHolder 2"/>
+          <p:cNvPr id="109" name="PlaceHolder 2"/>
           <p:cNvSpPr>
             <a:spLocks noGrp="1"/>
           </p:cNvSpPr>
@@ -116,7 +122,7 @@
       </p:sp>
       <p:sp>
         <p:nvSpPr>
-          <p:cNvPr id="113" name="PlaceHolder 3"/>
+          <p:cNvPr id="110" name="PlaceHolder 3"/>
           <p:cNvSpPr>
             <a:spLocks noGrp="1"/>
           </p:cNvSpPr>
@@ -149,7 +155,7 @@
       </p:sp>
       <p:sp>
         <p:nvSpPr>
-          <p:cNvPr id="114" name="PlaceHolder 4"/>
+          <p:cNvPr id="111" name="PlaceHolder 4"/>
           <p:cNvSpPr>
             <a:spLocks noGrp="1"/>
           </p:cNvSpPr>
@@ -181,7 +187,7 @@
       </p:sp>
       <p:sp>
         <p:nvSpPr>
-          <p:cNvPr id="115" name="PlaceHolder 5"/>
+          <p:cNvPr id="112" name="PlaceHolder 5"/>
           <p:cNvSpPr>
             <a:spLocks noGrp="1"/>
           </p:cNvSpPr>
@@ -202,7 +208,7 @@
           <a:bodyPr lIns="0" rIns="0" tIns="0" bIns="0" anchor="b"/>
           <a:p>
             <a:pPr algn="r"/>
-            <a:fld id="{2FF7AA98-8BE6-41E1-B01F-95E6C52497D0}" type="slidenum">
+            <a:fld id="{1EE1CFE5-701E-4CF8-9E34-6DCEBC9460BB}" type="slidenum">
               <a:rPr lang="en-GB" sz="1400">
                 <a:latin typeface="Times New Roman"/>
               </a:rPr>
@@ -216,350 +222,6 @@
   </p:cSld>
   <p:clrMap bg1="lt1" bg2="lt2" tx1="dk1" tx2="dk2" accent1="accent1" accent2="accent2" accent3="accent3" accent4="accent4" accent5="accent5" accent6="accent6" hlink="hlink" folHlink="folHlink"/>
 </p:notesMaster>
-</file>
-
-<file path=ppt/notesSlides/notesSlide10.xml><?xml version="1.0" encoding="utf-8"?>
-<p:notes xmlns:a="http://schemas.openxmlformats.org/drawingml/2006/main" xmlns:p="http://schemas.openxmlformats.org/presentationml/2006/main" xmlns:r="http://schemas.openxmlformats.org/officeDocument/2006/relationships">
-  <p:cSld>
-    <p:spTree>
-      <p:nvGrpSpPr>
-        <p:cNvPr id="1" name=""/>
-        <p:cNvGrpSpPr/>
-        <p:nvPr/>
-      </p:nvGrpSpPr>
-      <p:grpSpPr>
-        <a:xfrm>
-          <a:off x="0" y="0"/>
-          <a:ext cx="0" cy="0"/>
-          <a:chOff x="0" y="0"/>
-          <a:chExt cx="0" cy="0"/>
-        </a:xfrm>
-      </p:grpSpPr>
-      <p:sp>
-        <p:nvSpPr>
-          <p:cNvPr id="172" name="PlaceHolder 1"/>
-          <p:cNvSpPr>
-            <a:spLocks noGrp="1"/>
-          </p:cNvSpPr>
-          <p:nvPr>
-            <p:ph type="body"/>
-          </p:nvPr>
-        </p:nvSpPr>
-        <p:spPr>
-          <a:xfrm>
-            <a:off x="914400" y="4343400"/>
-            <a:ext cx="5028840" cy="4114440"/>
-          </a:xfrm>
-          <a:prstGeom prst="rect">
-            <a:avLst/>
-          </a:prstGeom>
-        </p:spPr>
-        <p:txBody>
-          <a:bodyPr lIns="90000" rIns="90000" tIns="45000" bIns="45000"/>
-          <a:p>
-            <a:pPr>
-              <a:lnSpc>
-                <a:spcPct val="100000"/>
-              </a:lnSpc>
-            </a:pPr>
-            <a:r>
-              <a:rPr lang="en-GB" sz="2200">
-                <a:latin typeface="Arial"/>
-              </a:rPr>
-              <a:t>Caches are faster then a DB query. advantage of idea: „Recently requested data is likely to be requested again.“</a:t>
-            </a:r>
-            <a:endParaRPr/>
-          </a:p>
-          <a:p>
-            <a:pPr>
-              <a:lnSpc>
-                <a:spcPct val="100000"/>
-              </a:lnSpc>
-            </a:pPr>
-            <a:endParaRPr/>
-          </a:p>
-          <a:p>
-            <a:pPr>
-              <a:lnSpc>
-                <a:spcPct val="100000"/>
-              </a:lnSpc>
-            </a:pPr>
-            <a:r>
-              <a:rPr lang="en-GB" sz="2200">
-                <a:latin typeface="Arial"/>
-              </a:rPr>
-              <a:t>But what if we need more servers?</a:t>
-            </a:r>
-            <a:endParaRPr/>
-          </a:p>
-        </p:txBody>
-      </p:sp>
-    </p:spTree>
-  </p:cSld>
-</p:notes>
-</file>
-
-<file path=ppt/notesSlides/notesSlide11.xml><?xml version="1.0" encoding="utf-8"?>
-<p:notes xmlns:a="http://schemas.openxmlformats.org/drawingml/2006/main" xmlns:p="http://schemas.openxmlformats.org/presentationml/2006/main" xmlns:r="http://schemas.openxmlformats.org/officeDocument/2006/relationships">
-  <p:cSld>
-    <p:spTree>
-      <p:nvGrpSpPr>
-        <p:cNvPr id="1" name=""/>
-        <p:cNvGrpSpPr/>
-        <p:nvPr/>
-      </p:nvGrpSpPr>
-      <p:grpSpPr>
-        <a:xfrm>
-          <a:off x="0" y="0"/>
-          <a:ext cx="0" cy="0"/>
-          <a:chOff x="0" y="0"/>
-          <a:chExt cx="0" cy="0"/>
-        </a:xfrm>
-      </p:grpSpPr>
-      <p:sp>
-        <p:nvSpPr>
-          <p:cNvPr id="173" name="PlaceHolder 1"/>
-          <p:cNvSpPr>
-            <a:spLocks noGrp="1"/>
-          </p:cNvSpPr>
-          <p:nvPr>
-            <p:ph type="body"/>
-          </p:nvPr>
-        </p:nvSpPr>
-        <p:spPr>
-          <a:xfrm>
-            <a:off x="914400" y="4343400"/>
-            <a:ext cx="5028840" cy="4114440"/>
-          </a:xfrm>
-          <a:prstGeom prst="rect">
-            <a:avLst/>
-          </a:prstGeom>
-        </p:spPr>
-        <p:txBody>
-          <a:bodyPr lIns="90000" rIns="90000" tIns="45000" bIns="45000"/>
-          <a:p>
-            <a:pPr>
-              <a:lnSpc>
-                <a:spcPct val="100000"/>
-              </a:lnSpc>
-            </a:pPr>
-            <a:r>
-              <a:rPr lang="en-GB" sz="1400">
-                <a:latin typeface="Arial"/>
-              </a:rPr>
-              <a:t>Load Balancer distributes request -&gt; same request different node.</a:t>
-            </a:r>
-            <a:endParaRPr/>
-          </a:p>
-          <a:p>
-            <a:pPr>
-              <a:lnSpc>
-                <a:spcPct val="100000"/>
-              </a:lnSpc>
-            </a:pPr>
-            <a:r>
-              <a:rPr lang="en-GB" sz="1400">
-                <a:latin typeface="Arial"/>
-              </a:rPr>
-              <a:t>—</a:t>
-            </a:r>
-            <a:r>
-              <a:rPr lang="en-GB" sz="1400">
-                <a:latin typeface="Arial"/>
-              </a:rPr>
-              <a:t>&gt; would have cache misses </a:t>
-            </a:r>
-            <a:endParaRPr/>
-          </a:p>
-          <a:p>
-            <a:pPr>
-              <a:lnSpc>
-                <a:spcPct val="100000"/>
-              </a:lnSpc>
-            </a:pPr>
-            <a:r>
-              <a:rPr lang="en-GB" sz="1400">
-                <a:latin typeface="Arial"/>
-              </a:rPr>
-              <a:t>two strategies: Global and Distributed Caches. </a:t>
-            </a:r>
-            <a:endParaRPr/>
-          </a:p>
-          <a:p>
-            <a:pPr>
-              <a:lnSpc>
-                <a:spcPct val="100000"/>
-              </a:lnSpc>
-            </a:pPr>
-            <a:endParaRPr/>
-          </a:p>
-        </p:txBody>
-      </p:sp>
-    </p:spTree>
-  </p:cSld>
-</p:notes>
-</file>
-
-<file path=ppt/notesSlides/notesSlide12.xml><?xml version="1.0" encoding="utf-8"?>
-<p:notes xmlns:a="http://schemas.openxmlformats.org/drawingml/2006/main" xmlns:p="http://schemas.openxmlformats.org/presentationml/2006/main" xmlns:r="http://schemas.openxmlformats.org/officeDocument/2006/relationships">
-  <p:cSld>
-    <p:spTree>
-      <p:nvGrpSpPr>
-        <p:cNvPr id="1" name=""/>
-        <p:cNvGrpSpPr/>
-        <p:nvPr/>
-      </p:nvGrpSpPr>
-      <p:grpSpPr>
-        <a:xfrm>
-          <a:off x="0" y="0"/>
-          <a:ext cx="0" cy="0"/>
-          <a:chOff x="0" y="0"/>
-          <a:chExt cx="0" cy="0"/>
-        </a:xfrm>
-      </p:grpSpPr>
-      <p:sp>
-        <p:nvSpPr>
-          <p:cNvPr id="174" name="PlaceHolder 1"/>
-          <p:cNvSpPr>
-            <a:spLocks noGrp="1"/>
-          </p:cNvSpPr>
-          <p:nvPr>
-            <p:ph type="body"/>
-          </p:nvPr>
-        </p:nvSpPr>
-        <p:spPr>
-          <a:xfrm>
-            <a:off x="914400" y="4343400"/>
-            <a:ext cx="5028840" cy="4114440"/>
-          </a:xfrm>
-          <a:prstGeom prst="rect">
-            <a:avLst/>
-          </a:prstGeom>
-        </p:spPr>
-        <p:txBody>
-          <a:bodyPr lIns="90000" rIns="90000" tIns="45000" bIns="45000"/>
-          <a:p>
-            <a:pPr>
-              <a:lnSpc>
-                <a:spcPct val="100000"/>
-              </a:lnSpc>
-            </a:pPr>
-            <a:r>
-              <a:rPr lang="en-GB" sz="1500">
-                <a:latin typeface="Arial"/>
-              </a:rPr>
-              <a:t>all servers-&gt; one cache</a:t>
-            </a:r>
-            <a:endParaRPr/>
-          </a:p>
-          <a:p>
-            <a:pPr>
-              <a:lnSpc>
-                <a:spcPct val="100000"/>
-              </a:lnSpc>
-            </a:pPr>
-            <a:r>
-              <a:rPr lang="en-GB" sz="1500">
-                <a:latin typeface="Arial"/>
-              </a:rPr>
-              <a:t>cache pulls the data</a:t>
-            </a:r>
-            <a:endParaRPr/>
-          </a:p>
-          <a:p>
-            <a:pPr>
-              <a:lnSpc>
-                <a:spcPct val="100000"/>
-              </a:lnSpc>
-            </a:pPr>
-            <a:endParaRPr/>
-          </a:p>
-          <a:p>
-            <a:pPr>
-              <a:lnSpc>
-                <a:spcPct val="100000"/>
-              </a:lnSpc>
-            </a:pPr>
-            <a:endParaRPr/>
-          </a:p>
-          <a:p>
-            <a:pPr>
-              <a:lnSpc>
-                <a:spcPct val="100000"/>
-              </a:lnSpc>
-            </a:pPr>
-            <a:r>
-              <a:rPr lang="en-GB" sz="1500">
-                <a:latin typeface="Arial"/>
-              </a:rPr>
-              <a:t>(specialized hardware that make the cache very fast, or a fixed data sheet that is cached. )</a:t>
-            </a:r>
-            <a:endParaRPr/>
-          </a:p>
-        </p:txBody>
-      </p:sp>
-    </p:spTree>
-  </p:cSld>
-</p:notes>
-</file>
-
-<file path=ppt/notesSlides/notesSlide13.xml><?xml version="1.0" encoding="utf-8"?>
-<p:notes xmlns:a="http://schemas.openxmlformats.org/drawingml/2006/main" xmlns:p="http://schemas.openxmlformats.org/presentationml/2006/main" xmlns:r="http://schemas.openxmlformats.org/officeDocument/2006/relationships">
-  <p:cSld>
-    <p:spTree>
-      <p:nvGrpSpPr>
-        <p:cNvPr id="1" name=""/>
-        <p:cNvGrpSpPr/>
-        <p:nvPr/>
-      </p:nvGrpSpPr>
-      <p:grpSpPr>
-        <a:xfrm>
-          <a:off x="0" y="0"/>
-          <a:ext cx="0" cy="0"/>
-          <a:chOff x="0" y="0"/>
-          <a:chExt cx="0" cy="0"/>
-        </a:xfrm>
-      </p:grpSpPr>
-      <p:sp>
-        <p:nvSpPr>
-          <p:cNvPr id="175" name="PlaceHolder 1"/>
-          <p:cNvSpPr>
-            <a:spLocks noGrp="1"/>
-          </p:cNvSpPr>
-          <p:nvPr>
-            <p:ph type="body"/>
-          </p:nvPr>
-        </p:nvSpPr>
-        <p:spPr>
-          <a:xfrm>
-            <a:off x="914400" y="4343400"/>
-            <a:ext cx="5028840" cy="4114440"/>
-          </a:xfrm>
-          <a:prstGeom prst="rect">
-            <a:avLst/>
-          </a:prstGeom>
-        </p:spPr>
-        <p:txBody>
-          <a:bodyPr lIns="90000" rIns="90000" tIns="45000" bIns="45000"/>
-          <a:p>
-            <a:pPr>
-              <a:lnSpc>
-                <a:spcPct val="100000"/>
-              </a:lnSpc>
-            </a:pPr>
-            <a:r>
-              <a:rPr lang="en-GB" sz="1400">
-                <a:latin typeface="Arial"/>
-              </a:rPr>
-              <a:t>Server requests the Data </a:t>
-            </a:r>
-            <a:endParaRPr/>
-          </a:p>
-        </p:txBody>
-      </p:sp>
-    </p:spTree>
-  </p:cSld>
-</p:notes>
 </file>
 
 <file path=ppt/notesSlides/notesSlide14.xml><?xml version="1.0" encoding="utf-8"?>
@@ -581,7 +243,7 @@
       </p:grpSpPr>
       <p:sp>
         <p:nvSpPr>
-          <p:cNvPr id="176" name="PlaceHolder 1"/>
+          <p:cNvPr id="191" name="PlaceHolder 1"/>
           <p:cNvSpPr>
             <a:spLocks noGrp="1"/>
           </p:cNvSpPr>
@@ -592,7 +254,7 @@
         <p:spPr>
           <a:xfrm>
             <a:off x="914400" y="4343400"/>
-            <a:ext cx="5028840" cy="4114440"/>
+            <a:ext cx="5028480" cy="4114080"/>
           </a:xfrm>
           <a:prstGeom prst="rect">
             <a:avLst/>
@@ -607,10 +269,32 @@
               </a:lnSpc>
             </a:pPr>
             <a:r>
-              <a:rPr lang="en-GB" sz="1500">
+              <a:rPr lang="en-GB" sz="2200">
                 <a:latin typeface="Arial"/>
               </a:rPr>
-              <a:t>every node has its own part of the cache. the</a:t>
+              <a:t>Caches are faster then a DB query. advantage of idea: „Recently requested data is likely to be requested again.“</a:t>
+            </a:r>
+            <a:endParaRPr/>
+          </a:p>
+          <a:p>
+            <a:pPr>
+              <a:lnSpc>
+                <a:spcPct val="100000"/>
+              </a:lnSpc>
+            </a:pPr>
+            <a:endParaRPr/>
+          </a:p>
+          <a:p>
+            <a:pPr>
+              <a:lnSpc>
+                <a:spcPct val="100000"/>
+              </a:lnSpc>
+            </a:pPr>
+            <a:r>
+              <a:rPr lang="en-GB" sz="2200">
+                <a:latin typeface="Arial"/>
+              </a:rPr>
+              <a:t>But what if we need more servers?</a:t>
             </a:r>
             <a:endParaRPr/>
           </a:p>
@@ -640,7 +324,7 @@
       </p:grpSpPr>
       <p:sp>
         <p:nvSpPr>
-          <p:cNvPr id="177" name="PlaceHolder 1"/>
+          <p:cNvPr id="192" name="PlaceHolder 1"/>
           <p:cNvSpPr>
             <a:spLocks noGrp="1"/>
           </p:cNvSpPr>
@@ -651,7 +335,7 @@
         <p:spPr>
           <a:xfrm>
             <a:off x="914400" y="4343400"/>
-            <a:ext cx="5028840" cy="4114440"/>
+            <a:ext cx="5028480" cy="4114080"/>
           </a:xfrm>
           <a:prstGeom prst="rect">
             <a:avLst/>
@@ -669,7 +353,7 @@
               <a:rPr lang="en-GB" sz="1400">
                 <a:latin typeface="Arial"/>
               </a:rPr>
-              <a:t>writing data, saving some into a database</a:t>
+              <a:t>Load Balancer distributes request -&gt; same request different node.</a:t>
             </a:r>
             <a:endParaRPr/>
           </a:p>
@@ -683,21 +367,13 @@
               <a:rPr lang="en-GB" sz="1400">
                 <a:latin typeface="Arial"/>
               </a:rPr>
-              <a:t>small systems-&gt; no problem</a:t>
-            </a:r>
-            <a:endParaRPr/>
-          </a:p>
-          <a:p>
-            <a:pPr>
-              <a:lnSpc>
-                <a:spcPct val="100000"/>
-              </a:lnSpc>
-            </a:pPr>
+              <a:t>—</a:t>
+            </a:r>
             <a:r>
               <a:rPr lang="en-GB" sz="1400">
                 <a:latin typeface="Arial"/>
               </a:rPr>
-              <a:t>Client waits for response. he is not working </a:t>
+              <a:t>&gt; would have cache misses </a:t>
             </a:r>
             <a:endParaRPr/>
           </a:p>
@@ -711,44 +387,16 @@
               <a:rPr lang="en-GB" sz="1400">
                 <a:latin typeface="Arial"/>
               </a:rPr>
-              <a:t>under load -&gt; performance client</a:t>
-            </a:r>
-            <a:endParaRPr/>
-          </a:p>
-          <a:p>
-            <a:pPr>
-              <a:lnSpc>
-                <a:spcPct val="100000"/>
-              </a:lnSpc>
-            </a:pPr>
-            <a:r>
-              <a:rPr lang="en-GB" sz="1400">
-                <a:latin typeface="Arial"/>
-              </a:rPr>
-              <a:t>synchronized </a:t>
-            </a:r>
-            <a:endParaRPr/>
-          </a:p>
-          <a:p>
-            <a:pPr>
-              <a:lnSpc>
-                <a:spcPct val="100000"/>
-              </a:lnSpc>
-            </a:pPr>
-            <a:endParaRPr/>
-          </a:p>
-          <a:p>
-            <a:pPr>
-              <a:lnSpc>
-                <a:spcPct val="100000"/>
-              </a:lnSpc>
-            </a:pPr>
-            <a:r>
-              <a:rPr lang="en-GB" sz="1400">
-                <a:latin typeface="Arial"/>
-              </a:rPr>
-              <a:t>(written in several places or indexes)</a:t>
-            </a:r>
+              <a:t>two strategies: Global and Distributed Caches. </a:t>
+            </a:r>
+            <a:endParaRPr/>
+          </a:p>
+          <a:p>
+            <a:pPr>
+              <a:lnSpc>
+                <a:spcPct val="100000"/>
+              </a:lnSpc>
+            </a:pPr>
             <a:endParaRPr/>
           </a:p>
         </p:txBody>
@@ -777,7 +425,7 @@
       </p:grpSpPr>
       <p:sp>
         <p:nvSpPr>
-          <p:cNvPr id="178" name="PlaceHolder 1"/>
+          <p:cNvPr id="193" name="PlaceHolder 1"/>
           <p:cNvSpPr>
             <a:spLocks noGrp="1"/>
           </p:cNvSpPr>
@@ -788,7 +436,110 @@
         <p:spPr>
           <a:xfrm>
             <a:off x="914400" y="4343400"/>
-            <a:ext cx="5028840" cy="4114440"/>
+            <a:ext cx="5028480" cy="4114080"/>
+          </a:xfrm>
+          <a:prstGeom prst="rect">
+            <a:avLst/>
+          </a:prstGeom>
+        </p:spPr>
+        <p:txBody>
+          <a:bodyPr lIns="90000" rIns="90000" tIns="45000" bIns="45000"/>
+          <a:p>
+            <a:pPr>
+              <a:lnSpc>
+                <a:spcPct val="100000"/>
+              </a:lnSpc>
+            </a:pPr>
+            <a:r>
+              <a:rPr lang="en-GB" sz="1500">
+                <a:latin typeface="Arial"/>
+              </a:rPr>
+              <a:t>all servers-&gt; one cache</a:t>
+            </a:r>
+            <a:endParaRPr/>
+          </a:p>
+          <a:p>
+            <a:pPr>
+              <a:lnSpc>
+                <a:spcPct val="100000"/>
+              </a:lnSpc>
+            </a:pPr>
+            <a:r>
+              <a:rPr lang="en-GB" sz="1500">
+                <a:latin typeface="Arial"/>
+              </a:rPr>
+              <a:t>cache pulls the data</a:t>
+            </a:r>
+            <a:endParaRPr/>
+          </a:p>
+          <a:p>
+            <a:pPr>
+              <a:lnSpc>
+                <a:spcPct val="100000"/>
+              </a:lnSpc>
+            </a:pPr>
+            <a:endParaRPr/>
+          </a:p>
+          <a:p>
+            <a:pPr>
+              <a:lnSpc>
+                <a:spcPct val="100000"/>
+              </a:lnSpc>
+            </a:pPr>
+            <a:endParaRPr/>
+          </a:p>
+          <a:p>
+            <a:pPr>
+              <a:lnSpc>
+                <a:spcPct val="100000"/>
+              </a:lnSpc>
+            </a:pPr>
+            <a:r>
+              <a:rPr lang="en-GB" sz="1500">
+                <a:latin typeface="Arial"/>
+              </a:rPr>
+              <a:t>(specialized hardware that make the cache very fast, or a fixed data sheet that is cached. )</a:t>
+            </a:r>
+            <a:endParaRPr/>
+          </a:p>
+        </p:txBody>
+      </p:sp>
+    </p:spTree>
+  </p:cSld>
+</p:notes>
+</file>
+
+<file path=ppt/notesSlides/notesSlide17.xml><?xml version="1.0" encoding="utf-8"?>
+<p:notes xmlns:a="http://schemas.openxmlformats.org/drawingml/2006/main" xmlns:p="http://schemas.openxmlformats.org/presentationml/2006/main" xmlns:r="http://schemas.openxmlformats.org/officeDocument/2006/relationships">
+  <p:cSld>
+    <p:spTree>
+      <p:nvGrpSpPr>
+        <p:cNvPr id="1" name=""/>
+        <p:cNvGrpSpPr/>
+        <p:nvPr/>
+      </p:nvGrpSpPr>
+      <p:grpSpPr>
+        <a:xfrm>
+          <a:off x="0" y="0"/>
+          <a:ext cx="0" cy="0"/>
+          <a:chOff x="0" y="0"/>
+          <a:chExt cx="0" cy="0"/>
+        </a:xfrm>
+      </p:grpSpPr>
+      <p:sp>
+        <p:nvSpPr>
+          <p:cNvPr id="194" name="PlaceHolder 1"/>
+          <p:cNvSpPr>
+            <a:spLocks noGrp="1"/>
+          </p:cNvSpPr>
+          <p:nvPr>
+            <p:ph type="body"/>
+          </p:nvPr>
+        </p:nvSpPr>
+        <p:spPr>
+          <a:xfrm>
+            <a:off x="914400" y="4343400"/>
+            <a:ext cx="5028480" cy="4114080"/>
           </a:xfrm>
           <a:prstGeom prst="rect">
             <a:avLst/>
@@ -806,18 +557,114 @@
               <a:rPr lang="en-GB" sz="1400">
                 <a:latin typeface="Arial"/>
               </a:rPr>
-              <a:t>solution-&gt;queue</a:t>
-            </a:r>
-            <a:endParaRPr/>
-          </a:p>
-          <a:p>
-            <a:pPr>
-              <a:lnSpc>
-                <a:spcPct val="100000"/>
-              </a:lnSpc>
-            </a:pPr>
-            <a:endParaRPr/>
-          </a:p>
+              <a:t>Server requests the Data </a:t>
+            </a:r>
+            <a:endParaRPr/>
+          </a:p>
+        </p:txBody>
+      </p:sp>
+    </p:spTree>
+  </p:cSld>
+</p:notes>
+</file>
+
+<file path=ppt/notesSlides/notesSlide18.xml><?xml version="1.0" encoding="utf-8"?>
+<p:notes xmlns:a="http://schemas.openxmlformats.org/drawingml/2006/main" xmlns:p="http://schemas.openxmlformats.org/presentationml/2006/main" xmlns:r="http://schemas.openxmlformats.org/officeDocument/2006/relationships">
+  <p:cSld>
+    <p:spTree>
+      <p:nvGrpSpPr>
+        <p:cNvPr id="1" name=""/>
+        <p:cNvGrpSpPr/>
+        <p:nvPr/>
+      </p:nvGrpSpPr>
+      <p:grpSpPr>
+        <a:xfrm>
+          <a:off x="0" y="0"/>
+          <a:ext cx="0" cy="0"/>
+          <a:chOff x="0" y="0"/>
+          <a:chExt cx="0" cy="0"/>
+        </a:xfrm>
+      </p:grpSpPr>
+      <p:sp>
+        <p:nvSpPr>
+          <p:cNvPr id="195" name="PlaceHolder 1"/>
+          <p:cNvSpPr>
+            <a:spLocks noGrp="1"/>
+          </p:cNvSpPr>
+          <p:nvPr>
+            <p:ph type="body"/>
+          </p:nvPr>
+        </p:nvSpPr>
+        <p:spPr>
+          <a:xfrm>
+            <a:off x="914400" y="4343400"/>
+            <a:ext cx="5028480" cy="4114080"/>
+          </a:xfrm>
+          <a:prstGeom prst="rect">
+            <a:avLst/>
+          </a:prstGeom>
+        </p:spPr>
+        <p:txBody>
+          <a:bodyPr lIns="90000" rIns="90000" tIns="45000" bIns="45000"/>
+          <a:p>
+            <a:pPr>
+              <a:lnSpc>
+                <a:spcPct val="100000"/>
+              </a:lnSpc>
+            </a:pPr>
+            <a:r>
+              <a:rPr lang="en-GB" sz="1500">
+                <a:latin typeface="Arial"/>
+              </a:rPr>
+              <a:t>every node has its own part of the cache. the</a:t>
+            </a:r>
+            <a:endParaRPr/>
+          </a:p>
+        </p:txBody>
+      </p:sp>
+    </p:spTree>
+  </p:cSld>
+</p:notes>
+</file>
+
+<file path=ppt/notesSlides/notesSlide19.xml><?xml version="1.0" encoding="utf-8"?>
+<p:notes xmlns:a="http://schemas.openxmlformats.org/drawingml/2006/main" xmlns:p="http://schemas.openxmlformats.org/presentationml/2006/main" xmlns:r="http://schemas.openxmlformats.org/officeDocument/2006/relationships">
+  <p:cSld>
+    <p:spTree>
+      <p:nvGrpSpPr>
+        <p:cNvPr id="1" name=""/>
+        <p:cNvGrpSpPr/>
+        <p:nvPr/>
+      </p:nvGrpSpPr>
+      <p:grpSpPr>
+        <a:xfrm>
+          <a:off x="0" y="0"/>
+          <a:ext cx="0" cy="0"/>
+          <a:chOff x="0" y="0"/>
+          <a:chExt cx="0" cy="0"/>
+        </a:xfrm>
+      </p:grpSpPr>
+      <p:sp>
+        <p:nvSpPr>
+          <p:cNvPr id="196" name="PlaceHolder 1"/>
+          <p:cNvSpPr>
+            <a:spLocks noGrp="1"/>
+          </p:cNvSpPr>
+          <p:nvPr>
+            <p:ph type="body"/>
+          </p:nvPr>
+        </p:nvSpPr>
+        <p:spPr>
+          <a:xfrm>
+            <a:off x="914400" y="4343400"/>
+            <a:ext cx="5028480" cy="4114080"/>
+          </a:xfrm>
+          <a:prstGeom prst="rect">
+            <a:avLst/>
+          </a:prstGeom>
+        </p:spPr>
+        <p:txBody>
+          <a:bodyPr lIns="90000" rIns="90000" tIns="45000" bIns="45000"/>
           <a:p>
             <a:pPr>
               <a:lnSpc>
@@ -828,7 +675,7 @@
               <a:rPr lang="en-GB" sz="1400">
                 <a:latin typeface="Arial"/>
               </a:rPr>
-              <a:t>tasks are in a queu. abstraction between the client’s request and the actual work performed </a:t>
+              <a:t>writing data, saving some into a database</a:t>
             </a:r>
             <a:endParaRPr/>
           </a:p>
@@ -842,7 +689,7 @@
               <a:rPr lang="en-GB" sz="1400">
                 <a:latin typeface="Arial"/>
               </a:rPr>
-              <a:t>acknowledgement and asks periodically</a:t>
+              <a:t>small systems-&gt; no problem</a:t>
             </a:r>
             <a:endParaRPr/>
           </a:p>
@@ -856,16 +703,8 @@
               <a:rPr lang="en-GB" sz="1400">
                 <a:latin typeface="Arial"/>
               </a:rPr>
-              <a:t>protection outages failure -&gt; easy robust queue, retry </a:t>
-            </a:r>
-            <a:endParaRPr/>
-          </a:p>
-          <a:p>
-            <a:pPr>
-              <a:lnSpc>
-                <a:spcPct val="100000"/>
-              </a:lnSpc>
-            </a:pPr>
+              <a:t>Client waits for response. he is not working </a:t>
+            </a:r>
             <a:endParaRPr/>
           </a:p>
           <a:p>
@@ -878,24 +717,44 @@
               <a:rPr lang="en-GB" sz="1400">
                 <a:latin typeface="Arial"/>
               </a:rPr>
-              <a:t>Multiple Queue Scheduling !!!!!!!</a:t>
-            </a:r>
-            <a:endParaRPr/>
-          </a:p>
-          <a:p>
-            <a:pPr>
-              <a:lnSpc>
-                <a:spcPct val="100000"/>
-              </a:lnSpc>
-            </a:pPr>
-            <a:endParaRPr/>
-          </a:p>
-          <a:p>
-            <a:pPr>
-              <a:lnSpc>
-                <a:spcPct val="100000"/>
-              </a:lnSpc>
-            </a:pPr>
+              <a:t>under load -&gt; performance client</a:t>
+            </a:r>
+            <a:endParaRPr/>
+          </a:p>
+          <a:p>
+            <a:pPr>
+              <a:lnSpc>
+                <a:spcPct val="100000"/>
+              </a:lnSpc>
+            </a:pPr>
+            <a:r>
+              <a:rPr lang="en-GB" sz="1400">
+                <a:latin typeface="Arial"/>
+              </a:rPr>
+              <a:t>synchronized </a:t>
+            </a:r>
+            <a:endParaRPr/>
+          </a:p>
+          <a:p>
+            <a:pPr>
+              <a:lnSpc>
+                <a:spcPct val="100000"/>
+              </a:lnSpc>
+            </a:pPr>
+            <a:endParaRPr/>
+          </a:p>
+          <a:p>
+            <a:pPr>
+              <a:lnSpc>
+                <a:spcPct val="100000"/>
+              </a:lnSpc>
+            </a:pPr>
+            <a:r>
+              <a:rPr lang="en-GB" sz="1400">
+                <a:latin typeface="Arial"/>
+              </a:rPr>
+              <a:t>(written in several places or indexes)</a:t>
+            </a:r>
             <a:endParaRPr/>
           </a:p>
         </p:txBody>
@@ -924,7 +783,7 @@
       </p:grpSpPr>
       <p:sp>
         <p:nvSpPr>
-          <p:cNvPr id="170" name="PlaceHolder 1"/>
+          <p:cNvPr id="189" name="PlaceHolder 1"/>
           <p:cNvSpPr>
             <a:spLocks noGrp="1"/>
           </p:cNvSpPr>
@@ -935,7 +794,7 @@
         <p:spPr>
           <a:xfrm>
             <a:off x="914400" y="4343400"/>
-            <a:ext cx="5028840" cy="4114440"/>
+            <a:ext cx="5028480" cy="4114080"/>
           </a:xfrm>
           <a:prstGeom prst="rect">
             <a:avLst/>
@@ -1011,6 +870,153 @@
               </a:rPr>
               <a:t>security: since the Load Balancer is front end, easy point to protect from malicious users., security features</a:t>
             </a:r>
+            <a:endParaRPr/>
+          </a:p>
+        </p:txBody>
+      </p:sp>
+    </p:spTree>
+  </p:cSld>
+</p:notes>
+</file>
+
+<file path=ppt/notesSlides/notesSlide20.xml><?xml version="1.0" encoding="utf-8"?>
+<p:notes xmlns:a="http://schemas.openxmlformats.org/drawingml/2006/main" xmlns:p="http://schemas.openxmlformats.org/presentationml/2006/main" xmlns:r="http://schemas.openxmlformats.org/officeDocument/2006/relationships">
+  <p:cSld>
+    <p:spTree>
+      <p:nvGrpSpPr>
+        <p:cNvPr id="1" name=""/>
+        <p:cNvGrpSpPr/>
+        <p:nvPr/>
+      </p:nvGrpSpPr>
+      <p:grpSpPr>
+        <a:xfrm>
+          <a:off x="0" y="0"/>
+          <a:ext cx="0" cy="0"/>
+          <a:chOff x="0" y="0"/>
+          <a:chExt cx="0" cy="0"/>
+        </a:xfrm>
+      </p:grpSpPr>
+      <p:sp>
+        <p:nvSpPr>
+          <p:cNvPr id="197" name="PlaceHolder 1"/>
+          <p:cNvSpPr>
+            <a:spLocks noGrp="1"/>
+          </p:cNvSpPr>
+          <p:nvPr>
+            <p:ph type="body"/>
+          </p:nvPr>
+        </p:nvSpPr>
+        <p:spPr>
+          <a:xfrm>
+            <a:off x="914400" y="4343400"/>
+            <a:ext cx="5028480" cy="4114080"/>
+          </a:xfrm>
+          <a:prstGeom prst="rect">
+            <a:avLst/>
+          </a:prstGeom>
+        </p:spPr>
+        <p:txBody>
+          <a:bodyPr lIns="90000" rIns="90000" tIns="45000" bIns="45000"/>
+          <a:p>
+            <a:pPr>
+              <a:lnSpc>
+                <a:spcPct val="100000"/>
+              </a:lnSpc>
+            </a:pPr>
+            <a:r>
+              <a:rPr lang="en-GB" sz="1400">
+                <a:latin typeface="Arial"/>
+              </a:rPr>
+              <a:t>solution-&gt;queue</a:t>
+            </a:r>
+            <a:endParaRPr/>
+          </a:p>
+          <a:p>
+            <a:pPr>
+              <a:lnSpc>
+                <a:spcPct val="100000"/>
+              </a:lnSpc>
+            </a:pPr>
+            <a:endParaRPr/>
+          </a:p>
+          <a:p>
+            <a:pPr>
+              <a:lnSpc>
+                <a:spcPct val="100000"/>
+              </a:lnSpc>
+            </a:pPr>
+            <a:r>
+              <a:rPr lang="en-GB" sz="1400">
+                <a:latin typeface="Arial"/>
+              </a:rPr>
+              <a:t>tasks are in a queu. abstraction between the client’s request and the actual work performed </a:t>
+            </a:r>
+            <a:endParaRPr/>
+          </a:p>
+          <a:p>
+            <a:pPr>
+              <a:lnSpc>
+                <a:spcPct val="100000"/>
+              </a:lnSpc>
+            </a:pPr>
+            <a:r>
+              <a:rPr lang="en-GB" sz="1400">
+                <a:latin typeface="Arial"/>
+              </a:rPr>
+              <a:t>acknowledgement and asks periodically</a:t>
+            </a:r>
+            <a:endParaRPr/>
+          </a:p>
+          <a:p>
+            <a:pPr>
+              <a:lnSpc>
+                <a:spcPct val="100000"/>
+              </a:lnSpc>
+            </a:pPr>
+            <a:r>
+              <a:rPr lang="en-GB" sz="1400">
+                <a:latin typeface="Arial"/>
+              </a:rPr>
+              <a:t>protection outages failure -&gt; easy robust queue, retry </a:t>
+            </a:r>
+            <a:endParaRPr/>
+          </a:p>
+          <a:p>
+            <a:pPr>
+              <a:lnSpc>
+                <a:spcPct val="100000"/>
+              </a:lnSpc>
+            </a:pPr>
+            <a:endParaRPr/>
+          </a:p>
+          <a:p>
+            <a:pPr>
+              <a:lnSpc>
+                <a:spcPct val="100000"/>
+              </a:lnSpc>
+            </a:pPr>
+            <a:r>
+              <a:rPr lang="en-GB" sz="1400">
+                <a:latin typeface="Arial"/>
+              </a:rPr>
+              <a:t>Multiple Queue Scheduling !!!!!!!</a:t>
+            </a:r>
+            <a:endParaRPr/>
+          </a:p>
+          <a:p>
+            <a:pPr>
+              <a:lnSpc>
+                <a:spcPct val="100000"/>
+              </a:lnSpc>
+            </a:pPr>
+            <a:endParaRPr/>
+          </a:p>
+          <a:p>
+            <a:pPr>
+              <a:lnSpc>
+                <a:spcPct val="100000"/>
+              </a:lnSpc>
+            </a:pPr>
             <a:endParaRPr/>
           </a:p>
         </p:txBody>
@@ -1039,7 +1045,7 @@
       </p:grpSpPr>
       <p:sp>
         <p:nvSpPr>
-          <p:cNvPr id="171" name="PlaceHolder 1"/>
+          <p:cNvPr id="190" name="PlaceHolder 1"/>
           <p:cNvSpPr>
             <a:spLocks noGrp="1"/>
           </p:cNvSpPr>
@@ -1050,7 +1056,7 @@
         <p:spPr>
           <a:xfrm>
             <a:off x="914400" y="4343400"/>
-            <a:ext cx="5028840" cy="4114440"/>
+            <a:ext cx="5028480" cy="4114080"/>
           </a:xfrm>
           <a:prstGeom prst="rect">
             <a:avLst/>
@@ -1162,7 +1168,7 @@
       </p:grpSpPr>
       <p:sp>
         <p:nvSpPr>
-          <p:cNvPr id="24" name="PlaceHolder 1"/>
+          <p:cNvPr id="23" name="PlaceHolder 1"/>
           <p:cNvSpPr>
             <a:spLocks noGrp="1"/>
           </p:cNvSpPr>
@@ -1173,7 +1179,7 @@
         <p:spPr>
           <a:xfrm>
             <a:off x="952560" y="444600"/>
-            <a:ext cx="11099520" cy="2158920"/>
+            <a:ext cx="11099160" cy="2158920"/>
           </a:xfrm>
           <a:prstGeom prst="rect">
             <a:avLst/>
@@ -1189,7 +1195,7 @@
       </p:sp>
       <p:sp>
         <p:nvSpPr>
-          <p:cNvPr id="25" name="PlaceHolder 2"/>
+          <p:cNvPr id="24" name="PlaceHolder 2"/>
           <p:cNvSpPr>
             <a:spLocks noGrp="1"/>
           </p:cNvSpPr>
@@ -1200,7 +1206,7 @@
         <p:spPr>
           <a:xfrm>
             <a:off x="952560" y="2603520"/>
-            <a:ext cx="11099520" cy="2998440"/>
+            <a:ext cx="11099160" cy="2998080"/>
           </a:xfrm>
           <a:prstGeom prst="rect">
             <a:avLst/>
@@ -1215,7 +1221,7 @@
       </p:sp>
       <p:sp>
         <p:nvSpPr>
-          <p:cNvPr id="26" name="PlaceHolder 3"/>
+          <p:cNvPr id="25" name="PlaceHolder 3"/>
           <p:cNvSpPr>
             <a:spLocks noGrp="1"/>
           </p:cNvSpPr>
@@ -1225,8 +1231,8 @@
         </p:nvSpPr>
         <p:spPr>
           <a:xfrm>
-            <a:off x="952560" y="5887080"/>
-            <a:ext cx="11099520" cy="2998440"/>
+            <a:off x="952560" y="5886720"/>
+            <a:ext cx="11099160" cy="2998080"/>
           </a:xfrm>
           <a:prstGeom prst="rect">
             <a:avLst/>
@@ -1263,7 +1269,7 @@
       </p:grpSpPr>
       <p:sp>
         <p:nvSpPr>
-          <p:cNvPr id="27" name="PlaceHolder 1"/>
+          <p:cNvPr id="26" name="PlaceHolder 1"/>
           <p:cNvSpPr>
             <a:spLocks noGrp="1"/>
           </p:cNvSpPr>
@@ -1274,7 +1280,7 @@
         <p:spPr>
           <a:xfrm>
             <a:off x="952560" y="444600"/>
-            <a:ext cx="11099520" cy="2158920"/>
+            <a:ext cx="11099160" cy="2158920"/>
           </a:xfrm>
           <a:prstGeom prst="rect">
             <a:avLst/>
@@ -1290,7 +1296,7 @@
       </p:sp>
       <p:sp>
         <p:nvSpPr>
-          <p:cNvPr id="28" name="PlaceHolder 2"/>
+          <p:cNvPr id="27" name="PlaceHolder 2"/>
           <p:cNvSpPr>
             <a:spLocks noGrp="1"/>
           </p:cNvSpPr>
@@ -1301,7 +1307,7 @@
         <p:spPr>
           <a:xfrm>
             <a:off x="952560" y="2603520"/>
-            <a:ext cx="5416560" cy="2998440"/>
+            <a:ext cx="5416200" cy="2998080"/>
           </a:xfrm>
           <a:prstGeom prst="rect">
             <a:avLst/>
@@ -1316,7 +1322,7 @@
       </p:sp>
       <p:sp>
         <p:nvSpPr>
-          <p:cNvPr id="29" name="PlaceHolder 3"/>
+          <p:cNvPr id="28" name="PlaceHolder 3"/>
           <p:cNvSpPr>
             <a:spLocks noGrp="1"/>
           </p:cNvSpPr>
@@ -1326,8 +1332,8 @@
         </p:nvSpPr>
         <p:spPr>
           <a:xfrm>
-            <a:off x="6640200" y="2603520"/>
-            <a:ext cx="5416560" cy="2998440"/>
+            <a:off x="6639840" y="2603520"/>
+            <a:ext cx="5416200" cy="2998080"/>
           </a:xfrm>
           <a:prstGeom prst="rect">
             <a:avLst/>
@@ -1342,7 +1348,7 @@
       </p:sp>
       <p:sp>
         <p:nvSpPr>
-          <p:cNvPr id="30" name="PlaceHolder 4"/>
+          <p:cNvPr id="29" name="PlaceHolder 4"/>
           <p:cNvSpPr>
             <a:spLocks noGrp="1"/>
           </p:cNvSpPr>
@@ -1352,8 +1358,8 @@
         </p:nvSpPr>
         <p:spPr>
           <a:xfrm>
-            <a:off x="6640200" y="5887080"/>
-            <a:ext cx="5416560" cy="2998440"/>
+            <a:off x="6639840" y="5886720"/>
+            <a:ext cx="5416200" cy="2998080"/>
           </a:xfrm>
           <a:prstGeom prst="rect">
             <a:avLst/>
@@ -1368,7 +1374,7 @@
       </p:sp>
       <p:sp>
         <p:nvSpPr>
-          <p:cNvPr id="31" name="PlaceHolder 5"/>
+          <p:cNvPr id="30" name="PlaceHolder 5"/>
           <p:cNvSpPr>
             <a:spLocks noGrp="1"/>
           </p:cNvSpPr>
@@ -1378,8 +1384,8 @@
         </p:nvSpPr>
         <p:spPr>
           <a:xfrm>
-            <a:off x="952560" y="5887080"/>
-            <a:ext cx="5416560" cy="2998440"/>
+            <a:off x="952560" y="5886720"/>
+            <a:ext cx="5416200" cy="2998080"/>
           </a:xfrm>
           <a:prstGeom prst="rect">
             <a:avLst/>
@@ -1416,7 +1422,7 @@
       </p:grpSpPr>
       <p:sp>
         <p:nvSpPr>
-          <p:cNvPr id="32" name="PlaceHolder 1"/>
+          <p:cNvPr id="31" name="PlaceHolder 1"/>
           <p:cNvSpPr>
             <a:spLocks noGrp="1"/>
           </p:cNvSpPr>
@@ -1427,7 +1433,7 @@
         <p:spPr>
           <a:xfrm>
             <a:off x="952560" y="444600"/>
-            <a:ext cx="11099520" cy="2158920"/>
+            <a:ext cx="11099160" cy="2158920"/>
           </a:xfrm>
           <a:prstGeom prst="rect">
             <a:avLst/>
@@ -1443,7 +1449,7 @@
       </p:sp>
       <p:sp>
         <p:nvSpPr>
-          <p:cNvPr id="33" name="PlaceHolder 2"/>
+          <p:cNvPr id="32" name="PlaceHolder 2"/>
           <p:cNvSpPr>
             <a:spLocks noGrp="1"/>
           </p:cNvSpPr>
@@ -1454,7 +1460,7 @@
         <p:spPr>
           <a:xfrm>
             <a:off x="952560" y="2603520"/>
-            <a:ext cx="11099520" cy="6286320"/>
+            <a:ext cx="11099160" cy="6285960"/>
           </a:xfrm>
           <a:prstGeom prst="rect">
             <a:avLst/>
@@ -1469,7 +1475,7 @@
       </p:sp>
       <p:sp>
         <p:nvSpPr>
-          <p:cNvPr id="34" name="PlaceHolder 3"/>
+          <p:cNvPr id="33" name="PlaceHolder 3"/>
           <p:cNvSpPr>
             <a:spLocks noGrp="1"/>
           </p:cNvSpPr>
@@ -1480,7 +1486,7 @@
         <p:spPr>
           <a:xfrm>
             <a:off x="952560" y="2603520"/>
-            <a:ext cx="11099520" cy="6286320"/>
+            <a:ext cx="11099160" cy="6285960"/>
           </a:xfrm>
           <a:prstGeom prst="rect">
             <a:avLst/>
@@ -1495,7 +1501,7 @@
       </p:sp>
       <p:pic>
         <p:nvPicPr>
-          <p:cNvPr id="35" name="" descr=""/>
+          <p:cNvPr id="34" name="" descr=""/>
           <p:cNvPicPr/>
           <p:nvPr/>
         </p:nvPicPr>
@@ -1507,8 +1513,8 @@
         </p:blipFill>
         <p:spPr>
           <a:xfrm>
-            <a:off x="2562840" y="2603520"/>
-            <a:ext cx="7878600" cy="6286320"/>
+            <a:off x="2562840" y="2603160"/>
+            <a:ext cx="7878240" cy="6285960"/>
           </a:xfrm>
           <a:prstGeom prst="rect">
             <a:avLst/>
@@ -1520,7 +1526,7 @@
       </p:pic>
       <p:pic>
         <p:nvPicPr>
-          <p:cNvPr id="36" name="" descr=""/>
+          <p:cNvPr id="35" name="" descr=""/>
           <p:cNvPicPr/>
           <p:nvPr/>
         </p:nvPicPr>
@@ -1532,8 +1538,8 @@
         </p:blipFill>
         <p:spPr>
           <a:xfrm>
-            <a:off x="2562840" y="2603520"/>
-            <a:ext cx="7878600" cy="6286320"/>
+            <a:off x="2562840" y="2603160"/>
+            <a:ext cx="7878240" cy="6285960"/>
           </a:xfrm>
           <a:prstGeom prst="rect">
             <a:avLst/>
@@ -1589,7 +1595,7 @@
       </p:grpSpPr>
       <p:sp>
         <p:nvSpPr>
-          <p:cNvPr id="40" name="PlaceHolder 1"/>
+          <p:cNvPr id="38" name="PlaceHolder 1"/>
           <p:cNvSpPr>
             <a:spLocks noGrp="1"/>
           </p:cNvSpPr>
@@ -1600,7 +1606,7 @@
         <p:spPr>
           <a:xfrm>
             <a:off x="952560" y="444600"/>
-            <a:ext cx="11099520" cy="2158920"/>
+            <a:ext cx="11099160" cy="2158920"/>
           </a:xfrm>
           <a:prstGeom prst="rect">
             <a:avLst/>
@@ -1616,7 +1622,7 @@
       </p:sp>
       <p:sp>
         <p:nvSpPr>
-          <p:cNvPr id="41" name="PlaceHolder 2"/>
+          <p:cNvPr id="39" name="PlaceHolder 2"/>
           <p:cNvSpPr>
             <a:spLocks noGrp="1"/>
           </p:cNvSpPr>
@@ -1627,7 +1633,7 @@
         <p:spPr>
           <a:xfrm>
             <a:off x="952560" y="2603520"/>
-            <a:ext cx="11099520" cy="6286680"/>
+            <a:ext cx="11099160" cy="6286320"/>
           </a:xfrm>
           <a:prstGeom prst="rect">
             <a:avLst/>
@@ -1665,7 +1671,7 @@
       </p:grpSpPr>
       <p:sp>
         <p:nvSpPr>
-          <p:cNvPr id="42" name="PlaceHolder 1"/>
+          <p:cNvPr id="40" name="PlaceHolder 1"/>
           <p:cNvSpPr>
             <a:spLocks noGrp="1"/>
           </p:cNvSpPr>
@@ -1676,7 +1682,7 @@
         <p:spPr>
           <a:xfrm>
             <a:off x="952560" y="444600"/>
-            <a:ext cx="11099520" cy="2158920"/>
+            <a:ext cx="11099160" cy="2158920"/>
           </a:xfrm>
           <a:prstGeom prst="rect">
             <a:avLst/>
@@ -1692,7 +1698,7 @@
       </p:sp>
       <p:sp>
         <p:nvSpPr>
-          <p:cNvPr id="43" name="PlaceHolder 2"/>
+          <p:cNvPr id="41" name="PlaceHolder 2"/>
           <p:cNvSpPr>
             <a:spLocks noGrp="1"/>
           </p:cNvSpPr>
@@ -1703,7 +1709,7 @@
         <p:spPr>
           <a:xfrm>
             <a:off x="952560" y="2603520"/>
-            <a:ext cx="11099520" cy="6286320"/>
+            <a:ext cx="11099160" cy="6285960"/>
           </a:xfrm>
           <a:prstGeom prst="rect">
             <a:avLst/>
@@ -1740,7 +1746,7 @@
       </p:grpSpPr>
       <p:sp>
         <p:nvSpPr>
-          <p:cNvPr id="44" name="PlaceHolder 1"/>
+          <p:cNvPr id="42" name="PlaceHolder 1"/>
           <p:cNvSpPr>
             <a:spLocks noGrp="1"/>
           </p:cNvSpPr>
@@ -1751,7 +1757,7 @@
         <p:spPr>
           <a:xfrm>
             <a:off x="952560" y="444600"/>
-            <a:ext cx="11099520" cy="2158920"/>
+            <a:ext cx="11099160" cy="2158920"/>
           </a:xfrm>
           <a:prstGeom prst="rect">
             <a:avLst/>
@@ -1767,7 +1773,7 @@
       </p:sp>
       <p:sp>
         <p:nvSpPr>
-          <p:cNvPr id="45" name="PlaceHolder 2"/>
+          <p:cNvPr id="43" name="PlaceHolder 2"/>
           <p:cNvSpPr>
             <a:spLocks noGrp="1"/>
           </p:cNvSpPr>
@@ -1778,7 +1784,7 @@
         <p:spPr>
           <a:xfrm>
             <a:off x="952560" y="2603520"/>
-            <a:ext cx="5416560" cy="6286320"/>
+            <a:ext cx="5416200" cy="6285960"/>
           </a:xfrm>
           <a:prstGeom prst="rect">
             <a:avLst/>
@@ -1793,7 +1799,7 @@
       </p:sp>
       <p:sp>
         <p:nvSpPr>
-          <p:cNvPr id="46" name="PlaceHolder 3"/>
+          <p:cNvPr id="44" name="PlaceHolder 3"/>
           <p:cNvSpPr>
             <a:spLocks noGrp="1"/>
           </p:cNvSpPr>
@@ -1803,8 +1809,8 @@
         </p:nvSpPr>
         <p:spPr>
           <a:xfrm>
-            <a:off x="6640200" y="2603520"/>
-            <a:ext cx="5416560" cy="6286320"/>
+            <a:off x="6639840" y="2603520"/>
+            <a:ext cx="5416200" cy="6285960"/>
           </a:xfrm>
           <a:prstGeom prst="rect">
             <a:avLst/>
@@ -1841,7 +1847,7 @@
       </p:grpSpPr>
       <p:sp>
         <p:nvSpPr>
-          <p:cNvPr id="47" name="PlaceHolder 1"/>
+          <p:cNvPr id="45" name="PlaceHolder 1"/>
           <p:cNvSpPr>
             <a:spLocks noGrp="1"/>
           </p:cNvSpPr>
@@ -1852,7 +1858,7 @@
         <p:spPr>
           <a:xfrm>
             <a:off x="952560" y="444600"/>
-            <a:ext cx="11099520" cy="2158920"/>
+            <a:ext cx="11099160" cy="2158920"/>
           </a:xfrm>
           <a:prstGeom prst="rect">
             <a:avLst/>
@@ -1890,7 +1896,7 @@
       </p:grpSpPr>
       <p:sp>
         <p:nvSpPr>
-          <p:cNvPr id="48" name="PlaceHolder 1"/>
+          <p:cNvPr id="46" name="PlaceHolder 1"/>
           <p:cNvSpPr>
             <a:spLocks noGrp="1"/>
           </p:cNvSpPr>
@@ -1901,7 +1907,7 @@
         <p:spPr>
           <a:xfrm>
             <a:off x="952560" y="444600"/>
-            <a:ext cx="11099520" cy="10007280"/>
+            <a:ext cx="11099160" cy="10007280"/>
           </a:xfrm>
           <a:prstGeom prst="rect">
             <a:avLst/>
@@ -1939,7 +1945,7 @@
       </p:grpSpPr>
       <p:sp>
         <p:nvSpPr>
-          <p:cNvPr id="49" name="PlaceHolder 1"/>
+          <p:cNvPr id="47" name="PlaceHolder 1"/>
           <p:cNvSpPr>
             <a:spLocks noGrp="1"/>
           </p:cNvSpPr>
@@ -1950,7 +1956,7 @@
         <p:spPr>
           <a:xfrm>
             <a:off x="952560" y="444600"/>
-            <a:ext cx="11099520" cy="2158920"/>
+            <a:ext cx="11099160" cy="2158920"/>
           </a:xfrm>
           <a:prstGeom prst="rect">
             <a:avLst/>
@@ -1966,7 +1972,7 @@
       </p:sp>
       <p:sp>
         <p:nvSpPr>
-          <p:cNvPr id="50" name="PlaceHolder 2"/>
+          <p:cNvPr id="48" name="PlaceHolder 2"/>
           <p:cNvSpPr>
             <a:spLocks noGrp="1"/>
           </p:cNvSpPr>
@@ -1977,7 +1983,7 @@
         <p:spPr>
           <a:xfrm>
             <a:off x="952560" y="2603520"/>
-            <a:ext cx="5416560" cy="2998440"/>
+            <a:ext cx="5416200" cy="2998080"/>
           </a:xfrm>
           <a:prstGeom prst="rect">
             <a:avLst/>
@@ -1992,7 +1998,7 @@
       </p:sp>
       <p:sp>
         <p:nvSpPr>
-          <p:cNvPr id="51" name="PlaceHolder 3"/>
+          <p:cNvPr id="49" name="PlaceHolder 3"/>
           <p:cNvSpPr>
             <a:spLocks noGrp="1"/>
           </p:cNvSpPr>
@@ -2002,8 +2008,8 @@
         </p:nvSpPr>
         <p:spPr>
           <a:xfrm>
-            <a:off x="952560" y="5887080"/>
-            <a:ext cx="5416560" cy="2998440"/>
+            <a:off x="952560" y="5886720"/>
+            <a:ext cx="5416200" cy="2998080"/>
           </a:xfrm>
           <a:prstGeom prst="rect">
             <a:avLst/>
@@ -2018,7 +2024,7 @@
       </p:sp>
       <p:sp>
         <p:nvSpPr>
-          <p:cNvPr id="52" name="PlaceHolder 4"/>
+          <p:cNvPr id="50" name="PlaceHolder 4"/>
           <p:cNvSpPr>
             <a:spLocks noGrp="1"/>
           </p:cNvSpPr>
@@ -2028,8 +2034,8 @@
         </p:nvSpPr>
         <p:spPr>
           <a:xfrm>
-            <a:off x="6640200" y="2603520"/>
-            <a:ext cx="5416560" cy="6286320"/>
+            <a:off x="6639840" y="2603520"/>
+            <a:ext cx="5416200" cy="6285960"/>
           </a:xfrm>
           <a:prstGeom prst="rect">
             <a:avLst/>
@@ -2066,7 +2072,7 @@
       </p:grpSpPr>
       <p:sp>
         <p:nvSpPr>
-          <p:cNvPr id="3" name="PlaceHolder 1"/>
+          <p:cNvPr id="2" name="PlaceHolder 1"/>
           <p:cNvSpPr>
             <a:spLocks noGrp="1"/>
           </p:cNvSpPr>
@@ -2077,7 +2083,7 @@
         <p:spPr>
           <a:xfrm>
             <a:off x="952560" y="444600"/>
-            <a:ext cx="11099520" cy="2158920"/>
+            <a:ext cx="11099160" cy="2158920"/>
           </a:xfrm>
           <a:prstGeom prst="rect">
             <a:avLst/>
@@ -2093,7 +2099,7 @@
       </p:sp>
       <p:sp>
         <p:nvSpPr>
-          <p:cNvPr id="4" name="PlaceHolder 2"/>
+          <p:cNvPr id="3" name="PlaceHolder 2"/>
           <p:cNvSpPr>
             <a:spLocks noGrp="1"/>
           </p:cNvSpPr>
@@ -2104,7 +2110,7 @@
         <p:spPr>
           <a:xfrm>
             <a:off x="952560" y="2603520"/>
-            <a:ext cx="11099520" cy="6286680"/>
+            <a:ext cx="11099160" cy="6286320"/>
           </a:xfrm>
           <a:prstGeom prst="rect">
             <a:avLst/>
@@ -2142,7 +2148,7 @@
       </p:grpSpPr>
       <p:sp>
         <p:nvSpPr>
-          <p:cNvPr id="53" name="PlaceHolder 1"/>
+          <p:cNvPr id="51" name="PlaceHolder 1"/>
           <p:cNvSpPr>
             <a:spLocks noGrp="1"/>
           </p:cNvSpPr>
@@ -2153,7 +2159,7 @@
         <p:spPr>
           <a:xfrm>
             <a:off x="952560" y="444600"/>
-            <a:ext cx="11099520" cy="2158920"/>
+            <a:ext cx="11099160" cy="2158920"/>
           </a:xfrm>
           <a:prstGeom prst="rect">
             <a:avLst/>
@@ -2169,7 +2175,7 @@
       </p:sp>
       <p:sp>
         <p:nvSpPr>
-          <p:cNvPr id="54" name="PlaceHolder 2"/>
+          <p:cNvPr id="52" name="PlaceHolder 2"/>
           <p:cNvSpPr>
             <a:spLocks noGrp="1"/>
           </p:cNvSpPr>
@@ -2180,7 +2186,7 @@
         <p:spPr>
           <a:xfrm>
             <a:off x="952560" y="2603520"/>
-            <a:ext cx="5416560" cy="6286320"/>
+            <a:ext cx="5416200" cy="6285960"/>
           </a:xfrm>
           <a:prstGeom prst="rect">
             <a:avLst/>
@@ -2195,7 +2201,7 @@
       </p:sp>
       <p:sp>
         <p:nvSpPr>
-          <p:cNvPr id="55" name="PlaceHolder 3"/>
+          <p:cNvPr id="53" name="PlaceHolder 3"/>
           <p:cNvSpPr>
             <a:spLocks noGrp="1"/>
           </p:cNvSpPr>
@@ -2205,8 +2211,8 @@
         </p:nvSpPr>
         <p:spPr>
           <a:xfrm>
-            <a:off x="6640200" y="2603520"/>
-            <a:ext cx="5416560" cy="2998440"/>
+            <a:off x="6639840" y="2603520"/>
+            <a:ext cx="5416200" cy="2998080"/>
           </a:xfrm>
           <a:prstGeom prst="rect">
             <a:avLst/>
@@ -2221,7 +2227,7 @@
       </p:sp>
       <p:sp>
         <p:nvSpPr>
-          <p:cNvPr id="56" name="PlaceHolder 4"/>
+          <p:cNvPr id="54" name="PlaceHolder 4"/>
           <p:cNvSpPr>
             <a:spLocks noGrp="1"/>
           </p:cNvSpPr>
@@ -2231,8 +2237,8 @@
         </p:nvSpPr>
         <p:spPr>
           <a:xfrm>
-            <a:off x="6640200" y="5887080"/>
-            <a:ext cx="5416560" cy="2998440"/>
+            <a:off x="6639840" y="5886720"/>
+            <a:ext cx="5416200" cy="2998080"/>
           </a:xfrm>
           <a:prstGeom prst="rect">
             <a:avLst/>
@@ -2269,7 +2275,7 @@
       </p:grpSpPr>
       <p:sp>
         <p:nvSpPr>
-          <p:cNvPr id="57" name="PlaceHolder 1"/>
+          <p:cNvPr id="55" name="PlaceHolder 1"/>
           <p:cNvSpPr>
             <a:spLocks noGrp="1"/>
           </p:cNvSpPr>
@@ -2280,7 +2286,7 @@
         <p:spPr>
           <a:xfrm>
             <a:off x="952560" y="444600"/>
-            <a:ext cx="11099520" cy="2158920"/>
+            <a:ext cx="11099160" cy="2158920"/>
           </a:xfrm>
           <a:prstGeom prst="rect">
             <a:avLst/>
@@ -2296,7 +2302,7 @@
       </p:sp>
       <p:sp>
         <p:nvSpPr>
-          <p:cNvPr id="58" name="PlaceHolder 2"/>
+          <p:cNvPr id="56" name="PlaceHolder 2"/>
           <p:cNvSpPr>
             <a:spLocks noGrp="1"/>
           </p:cNvSpPr>
@@ -2307,7 +2313,7 @@
         <p:spPr>
           <a:xfrm>
             <a:off x="952560" y="2603520"/>
-            <a:ext cx="5416560" cy="2998440"/>
+            <a:ext cx="5416200" cy="2998080"/>
           </a:xfrm>
           <a:prstGeom prst="rect">
             <a:avLst/>
@@ -2322,7 +2328,7 @@
       </p:sp>
       <p:sp>
         <p:nvSpPr>
-          <p:cNvPr id="59" name="PlaceHolder 3"/>
+          <p:cNvPr id="57" name="PlaceHolder 3"/>
           <p:cNvSpPr>
             <a:spLocks noGrp="1"/>
           </p:cNvSpPr>
@@ -2332,8 +2338,8 @@
         </p:nvSpPr>
         <p:spPr>
           <a:xfrm>
-            <a:off x="6640200" y="2603520"/>
-            <a:ext cx="5416560" cy="2998440"/>
+            <a:off x="6639840" y="2603520"/>
+            <a:ext cx="5416200" cy="2998080"/>
           </a:xfrm>
           <a:prstGeom prst="rect">
             <a:avLst/>
@@ -2348,7 +2354,7 @@
       </p:sp>
       <p:sp>
         <p:nvSpPr>
-          <p:cNvPr id="60" name="PlaceHolder 4"/>
+          <p:cNvPr id="58" name="PlaceHolder 4"/>
           <p:cNvSpPr>
             <a:spLocks noGrp="1"/>
           </p:cNvSpPr>
@@ -2358,8 +2364,8 @@
         </p:nvSpPr>
         <p:spPr>
           <a:xfrm>
-            <a:off x="952560" y="5887080"/>
-            <a:ext cx="11099520" cy="2998440"/>
+            <a:off x="952560" y="5886720"/>
+            <a:ext cx="11099160" cy="2998080"/>
           </a:xfrm>
           <a:prstGeom prst="rect">
             <a:avLst/>
@@ -2396,7 +2402,7 @@
       </p:grpSpPr>
       <p:sp>
         <p:nvSpPr>
-          <p:cNvPr id="61" name="PlaceHolder 1"/>
+          <p:cNvPr id="59" name="PlaceHolder 1"/>
           <p:cNvSpPr>
             <a:spLocks noGrp="1"/>
           </p:cNvSpPr>
@@ -2407,7 +2413,7 @@
         <p:spPr>
           <a:xfrm>
             <a:off x="952560" y="444600"/>
-            <a:ext cx="11099520" cy="2158920"/>
+            <a:ext cx="11099160" cy="2158920"/>
           </a:xfrm>
           <a:prstGeom prst="rect">
             <a:avLst/>
@@ -2423,7 +2429,7 @@
       </p:sp>
       <p:sp>
         <p:nvSpPr>
-          <p:cNvPr id="62" name="PlaceHolder 2"/>
+          <p:cNvPr id="60" name="PlaceHolder 2"/>
           <p:cNvSpPr>
             <a:spLocks noGrp="1"/>
           </p:cNvSpPr>
@@ -2434,7 +2440,7 @@
         <p:spPr>
           <a:xfrm>
             <a:off x="952560" y="2603520"/>
-            <a:ext cx="11099520" cy="2998440"/>
+            <a:ext cx="11099160" cy="2998080"/>
           </a:xfrm>
           <a:prstGeom prst="rect">
             <a:avLst/>
@@ -2449,7 +2455,7 @@
       </p:sp>
       <p:sp>
         <p:nvSpPr>
-          <p:cNvPr id="63" name="PlaceHolder 3"/>
+          <p:cNvPr id="61" name="PlaceHolder 3"/>
           <p:cNvSpPr>
             <a:spLocks noGrp="1"/>
           </p:cNvSpPr>
@@ -2459,8 +2465,8 @@
         </p:nvSpPr>
         <p:spPr>
           <a:xfrm>
-            <a:off x="952560" y="5887080"/>
-            <a:ext cx="11099520" cy="2998440"/>
+            <a:off x="952560" y="5886720"/>
+            <a:ext cx="11099160" cy="2998080"/>
           </a:xfrm>
           <a:prstGeom prst="rect">
             <a:avLst/>
@@ -2497,7 +2503,7 @@
       </p:grpSpPr>
       <p:sp>
         <p:nvSpPr>
-          <p:cNvPr id="64" name="PlaceHolder 1"/>
+          <p:cNvPr id="62" name="PlaceHolder 1"/>
           <p:cNvSpPr>
             <a:spLocks noGrp="1"/>
           </p:cNvSpPr>
@@ -2508,7 +2514,7 @@
         <p:spPr>
           <a:xfrm>
             <a:off x="952560" y="444600"/>
-            <a:ext cx="11099520" cy="2158920"/>
+            <a:ext cx="11099160" cy="2158920"/>
           </a:xfrm>
           <a:prstGeom prst="rect">
             <a:avLst/>
@@ -2524,7 +2530,7 @@
       </p:sp>
       <p:sp>
         <p:nvSpPr>
-          <p:cNvPr id="65" name="PlaceHolder 2"/>
+          <p:cNvPr id="63" name="PlaceHolder 2"/>
           <p:cNvSpPr>
             <a:spLocks noGrp="1"/>
           </p:cNvSpPr>
@@ -2535,7 +2541,7 @@
         <p:spPr>
           <a:xfrm>
             <a:off x="952560" y="2603520"/>
-            <a:ext cx="5416560" cy="2998440"/>
+            <a:ext cx="5416200" cy="2998080"/>
           </a:xfrm>
           <a:prstGeom prst="rect">
             <a:avLst/>
@@ -2550,7 +2556,7 @@
       </p:sp>
       <p:sp>
         <p:nvSpPr>
-          <p:cNvPr id="66" name="PlaceHolder 3"/>
+          <p:cNvPr id="64" name="PlaceHolder 3"/>
           <p:cNvSpPr>
             <a:spLocks noGrp="1"/>
           </p:cNvSpPr>
@@ -2560,8 +2566,8 @@
         </p:nvSpPr>
         <p:spPr>
           <a:xfrm>
-            <a:off x="6640200" y="2603520"/>
-            <a:ext cx="5416560" cy="2998440"/>
+            <a:off x="6639840" y="2603520"/>
+            <a:ext cx="5416200" cy="2998080"/>
           </a:xfrm>
           <a:prstGeom prst="rect">
             <a:avLst/>
@@ -2576,7 +2582,7 @@
       </p:sp>
       <p:sp>
         <p:nvSpPr>
-          <p:cNvPr id="67" name="PlaceHolder 4"/>
+          <p:cNvPr id="65" name="PlaceHolder 4"/>
           <p:cNvSpPr>
             <a:spLocks noGrp="1"/>
           </p:cNvSpPr>
@@ -2586,8 +2592,8 @@
         </p:nvSpPr>
         <p:spPr>
           <a:xfrm>
-            <a:off x="6640200" y="5887080"/>
-            <a:ext cx="5416560" cy="2998440"/>
+            <a:off x="6639840" y="5886720"/>
+            <a:ext cx="5416200" cy="2998080"/>
           </a:xfrm>
           <a:prstGeom prst="rect">
             <a:avLst/>
@@ -2602,7 +2608,7 @@
       </p:sp>
       <p:sp>
         <p:nvSpPr>
-          <p:cNvPr id="68" name="PlaceHolder 5"/>
+          <p:cNvPr id="66" name="PlaceHolder 5"/>
           <p:cNvSpPr>
             <a:spLocks noGrp="1"/>
           </p:cNvSpPr>
@@ -2612,8 +2618,8 @@
         </p:nvSpPr>
         <p:spPr>
           <a:xfrm>
-            <a:off x="952560" y="5887080"/>
-            <a:ext cx="5416560" cy="2998440"/>
+            <a:off x="952560" y="5886720"/>
+            <a:ext cx="5416200" cy="2998080"/>
           </a:xfrm>
           <a:prstGeom prst="rect">
             <a:avLst/>
@@ -2650,7 +2656,7 @@
       </p:grpSpPr>
       <p:sp>
         <p:nvSpPr>
-          <p:cNvPr id="69" name="PlaceHolder 1"/>
+          <p:cNvPr id="67" name="PlaceHolder 1"/>
           <p:cNvSpPr>
             <a:spLocks noGrp="1"/>
           </p:cNvSpPr>
@@ -2661,7 +2667,7 @@
         <p:spPr>
           <a:xfrm>
             <a:off x="952560" y="444600"/>
-            <a:ext cx="11099520" cy="2158920"/>
+            <a:ext cx="11099160" cy="2158920"/>
           </a:xfrm>
           <a:prstGeom prst="rect">
             <a:avLst/>
@@ -2677,7 +2683,7 @@
       </p:sp>
       <p:sp>
         <p:nvSpPr>
-          <p:cNvPr id="70" name="PlaceHolder 2"/>
+          <p:cNvPr id="68" name="PlaceHolder 2"/>
           <p:cNvSpPr>
             <a:spLocks noGrp="1"/>
           </p:cNvSpPr>
@@ -2688,7 +2694,7 @@
         <p:spPr>
           <a:xfrm>
             <a:off x="952560" y="2603520"/>
-            <a:ext cx="11099520" cy="6286320"/>
+            <a:ext cx="11099160" cy="6285960"/>
           </a:xfrm>
           <a:prstGeom prst="rect">
             <a:avLst/>
@@ -2703,7 +2709,7 @@
       </p:sp>
       <p:sp>
         <p:nvSpPr>
-          <p:cNvPr id="71" name="PlaceHolder 3"/>
+          <p:cNvPr id="69" name="PlaceHolder 3"/>
           <p:cNvSpPr>
             <a:spLocks noGrp="1"/>
           </p:cNvSpPr>
@@ -2714,7 +2720,7 @@
         <p:spPr>
           <a:xfrm>
             <a:off x="952560" y="2603520"/>
-            <a:ext cx="11099520" cy="6286320"/>
+            <a:ext cx="11099160" cy="6285960"/>
           </a:xfrm>
           <a:prstGeom prst="rect">
             <a:avLst/>
@@ -2729,7 +2735,7 @@
       </p:sp>
       <p:pic>
         <p:nvPicPr>
-          <p:cNvPr id="72" name="" descr=""/>
+          <p:cNvPr id="70" name="" descr=""/>
           <p:cNvPicPr/>
           <p:nvPr/>
         </p:nvPicPr>
@@ -2741,8 +2747,8 @@
         </p:blipFill>
         <p:spPr>
           <a:xfrm>
-            <a:off x="2562840" y="2603520"/>
-            <a:ext cx="7878600" cy="6286320"/>
+            <a:off x="2562840" y="2603160"/>
+            <a:ext cx="7878240" cy="6285960"/>
           </a:xfrm>
           <a:prstGeom prst="rect">
             <a:avLst/>
@@ -2754,7 +2760,7 @@
       </p:pic>
       <p:pic>
         <p:nvPicPr>
-          <p:cNvPr id="73" name="" descr=""/>
+          <p:cNvPr id="71" name="" descr=""/>
           <p:cNvPicPr/>
           <p:nvPr/>
         </p:nvPicPr>
@@ -2766,8 +2772,8 @@
         </p:blipFill>
         <p:spPr>
           <a:xfrm>
-            <a:off x="2562840" y="2603520"/>
-            <a:ext cx="7878600" cy="6286320"/>
+            <a:off x="2562840" y="2603160"/>
+            <a:ext cx="7878240" cy="6285960"/>
           </a:xfrm>
           <a:prstGeom prst="rect">
             <a:avLst/>
@@ -2823,7 +2829,7 @@
       </p:grpSpPr>
       <p:sp>
         <p:nvSpPr>
-          <p:cNvPr id="77" name="PlaceHolder 1"/>
+          <p:cNvPr id="74" name="PlaceHolder 1"/>
           <p:cNvSpPr>
             <a:spLocks noGrp="1"/>
           </p:cNvSpPr>
@@ -2834,7 +2840,7 @@
         <p:spPr>
           <a:xfrm>
             <a:off x="952560" y="444600"/>
-            <a:ext cx="11099520" cy="2158920"/>
+            <a:ext cx="11099160" cy="2158920"/>
           </a:xfrm>
           <a:prstGeom prst="rect">
             <a:avLst/>
@@ -2850,7 +2856,7 @@
       </p:sp>
       <p:sp>
         <p:nvSpPr>
-          <p:cNvPr id="78" name="PlaceHolder 2"/>
+          <p:cNvPr id="75" name="PlaceHolder 2"/>
           <p:cNvSpPr>
             <a:spLocks noGrp="1"/>
           </p:cNvSpPr>
@@ -2861,7 +2867,7 @@
         <p:spPr>
           <a:xfrm>
             <a:off x="952560" y="2603520"/>
-            <a:ext cx="11099520" cy="6286680"/>
+            <a:ext cx="11099160" cy="6286320"/>
           </a:xfrm>
           <a:prstGeom prst="rect">
             <a:avLst/>
@@ -2899,7 +2905,7 @@
       </p:grpSpPr>
       <p:sp>
         <p:nvSpPr>
-          <p:cNvPr id="79" name="PlaceHolder 1"/>
+          <p:cNvPr id="76" name="PlaceHolder 1"/>
           <p:cNvSpPr>
             <a:spLocks noGrp="1"/>
           </p:cNvSpPr>
@@ -2910,7 +2916,7 @@
         <p:spPr>
           <a:xfrm>
             <a:off x="952560" y="444600"/>
-            <a:ext cx="11099520" cy="2158920"/>
+            <a:ext cx="11099160" cy="2158920"/>
           </a:xfrm>
           <a:prstGeom prst="rect">
             <a:avLst/>
@@ -2926,7 +2932,7 @@
       </p:sp>
       <p:sp>
         <p:nvSpPr>
-          <p:cNvPr id="80" name="PlaceHolder 2"/>
+          <p:cNvPr id="77" name="PlaceHolder 2"/>
           <p:cNvSpPr>
             <a:spLocks noGrp="1"/>
           </p:cNvSpPr>
@@ -2937,7 +2943,7 @@
         <p:spPr>
           <a:xfrm>
             <a:off x="952560" y="2603520"/>
-            <a:ext cx="11099520" cy="6286320"/>
+            <a:ext cx="11099160" cy="6285960"/>
           </a:xfrm>
           <a:prstGeom prst="rect">
             <a:avLst/>
@@ -2974,7 +2980,7 @@
       </p:grpSpPr>
       <p:sp>
         <p:nvSpPr>
-          <p:cNvPr id="81" name="PlaceHolder 1"/>
+          <p:cNvPr id="78" name="PlaceHolder 1"/>
           <p:cNvSpPr>
             <a:spLocks noGrp="1"/>
           </p:cNvSpPr>
@@ -2985,7 +2991,7 @@
         <p:spPr>
           <a:xfrm>
             <a:off x="952560" y="444600"/>
-            <a:ext cx="11099520" cy="2158920"/>
+            <a:ext cx="11099160" cy="2158920"/>
           </a:xfrm>
           <a:prstGeom prst="rect">
             <a:avLst/>
@@ -3001,7 +3007,7 @@
       </p:sp>
       <p:sp>
         <p:nvSpPr>
-          <p:cNvPr id="82" name="PlaceHolder 2"/>
+          <p:cNvPr id="79" name="PlaceHolder 2"/>
           <p:cNvSpPr>
             <a:spLocks noGrp="1"/>
           </p:cNvSpPr>
@@ -3012,7 +3018,7 @@
         <p:spPr>
           <a:xfrm>
             <a:off x="952560" y="2603520"/>
-            <a:ext cx="5416560" cy="6286320"/>
+            <a:ext cx="5416200" cy="6285960"/>
           </a:xfrm>
           <a:prstGeom prst="rect">
             <a:avLst/>
@@ -3027,7 +3033,7 @@
       </p:sp>
       <p:sp>
         <p:nvSpPr>
-          <p:cNvPr id="83" name="PlaceHolder 3"/>
+          <p:cNvPr id="80" name="PlaceHolder 3"/>
           <p:cNvSpPr>
             <a:spLocks noGrp="1"/>
           </p:cNvSpPr>
@@ -3037,8 +3043,8 @@
         </p:nvSpPr>
         <p:spPr>
           <a:xfrm>
-            <a:off x="6640200" y="2603520"/>
-            <a:ext cx="5416560" cy="6286320"/>
+            <a:off x="6639840" y="2603520"/>
+            <a:ext cx="5416200" cy="6285960"/>
           </a:xfrm>
           <a:prstGeom prst="rect">
             <a:avLst/>
@@ -3075,7 +3081,7 @@
       </p:grpSpPr>
       <p:sp>
         <p:nvSpPr>
-          <p:cNvPr id="84" name="PlaceHolder 1"/>
+          <p:cNvPr id="81" name="PlaceHolder 1"/>
           <p:cNvSpPr>
             <a:spLocks noGrp="1"/>
           </p:cNvSpPr>
@@ -3086,7 +3092,7 @@
         <p:spPr>
           <a:xfrm>
             <a:off x="952560" y="444600"/>
-            <a:ext cx="11099520" cy="2158920"/>
+            <a:ext cx="11099160" cy="2158920"/>
           </a:xfrm>
           <a:prstGeom prst="rect">
             <a:avLst/>
@@ -3124,7 +3130,7 @@
       </p:grpSpPr>
       <p:sp>
         <p:nvSpPr>
-          <p:cNvPr id="5" name="PlaceHolder 1"/>
+          <p:cNvPr id="4" name="PlaceHolder 1"/>
           <p:cNvSpPr>
             <a:spLocks noGrp="1"/>
           </p:cNvSpPr>
@@ -3135,7 +3141,7 @@
         <p:spPr>
           <a:xfrm>
             <a:off x="952560" y="444600"/>
-            <a:ext cx="11099520" cy="2158920"/>
+            <a:ext cx="11099160" cy="2158920"/>
           </a:xfrm>
           <a:prstGeom prst="rect">
             <a:avLst/>
@@ -3151,7 +3157,7 @@
       </p:sp>
       <p:sp>
         <p:nvSpPr>
-          <p:cNvPr id="6" name="PlaceHolder 2"/>
+          <p:cNvPr id="5" name="PlaceHolder 2"/>
           <p:cNvSpPr>
             <a:spLocks noGrp="1"/>
           </p:cNvSpPr>
@@ -3162,7 +3168,7 @@
         <p:spPr>
           <a:xfrm>
             <a:off x="952560" y="2603520"/>
-            <a:ext cx="11099520" cy="6286320"/>
+            <a:ext cx="11099160" cy="6285960"/>
           </a:xfrm>
           <a:prstGeom prst="rect">
             <a:avLst/>
@@ -3199,7 +3205,7 @@
       </p:grpSpPr>
       <p:sp>
         <p:nvSpPr>
-          <p:cNvPr id="85" name="PlaceHolder 1"/>
+          <p:cNvPr id="82" name="PlaceHolder 1"/>
           <p:cNvSpPr>
             <a:spLocks noGrp="1"/>
           </p:cNvSpPr>
@@ -3210,7 +3216,7 @@
         <p:spPr>
           <a:xfrm>
             <a:off x="952560" y="444600"/>
-            <a:ext cx="11099520" cy="10007280"/>
+            <a:ext cx="11099160" cy="10007280"/>
           </a:xfrm>
           <a:prstGeom prst="rect">
             <a:avLst/>
@@ -3248,7 +3254,7 @@
       </p:grpSpPr>
       <p:sp>
         <p:nvSpPr>
-          <p:cNvPr id="86" name="PlaceHolder 1"/>
+          <p:cNvPr id="83" name="PlaceHolder 1"/>
           <p:cNvSpPr>
             <a:spLocks noGrp="1"/>
           </p:cNvSpPr>
@@ -3259,7 +3265,7 @@
         <p:spPr>
           <a:xfrm>
             <a:off x="952560" y="444600"/>
-            <a:ext cx="11099520" cy="2158920"/>
+            <a:ext cx="11099160" cy="2158920"/>
           </a:xfrm>
           <a:prstGeom prst="rect">
             <a:avLst/>
@@ -3275,7 +3281,7 @@
       </p:sp>
       <p:sp>
         <p:nvSpPr>
-          <p:cNvPr id="87" name="PlaceHolder 2"/>
+          <p:cNvPr id="84" name="PlaceHolder 2"/>
           <p:cNvSpPr>
             <a:spLocks noGrp="1"/>
           </p:cNvSpPr>
@@ -3286,7 +3292,7 @@
         <p:spPr>
           <a:xfrm>
             <a:off x="952560" y="2603520"/>
-            <a:ext cx="5416560" cy="2998440"/>
+            <a:ext cx="5416200" cy="2998080"/>
           </a:xfrm>
           <a:prstGeom prst="rect">
             <a:avLst/>
@@ -3301,7 +3307,7 @@
       </p:sp>
       <p:sp>
         <p:nvSpPr>
-          <p:cNvPr id="88" name="PlaceHolder 3"/>
+          <p:cNvPr id="85" name="PlaceHolder 3"/>
           <p:cNvSpPr>
             <a:spLocks noGrp="1"/>
           </p:cNvSpPr>
@@ -3311,8 +3317,8 @@
         </p:nvSpPr>
         <p:spPr>
           <a:xfrm>
-            <a:off x="952560" y="5887080"/>
-            <a:ext cx="5416560" cy="2998440"/>
+            <a:off x="952560" y="5886720"/>
+            <a:ext cx="5416200" cy="2998080"/>
           </a:xfrm>
           <a:prstGeom prst="rect">
             <a:avLst/>
@@ -3327,7 +3333,7 @@
       </p:sp>
       <p:sp>
         <p:nvSpPr>
-          <p:cNvPr id="89" name="PlaceHolder 4"/>
+          <p:cNvPr id="86" name="PlaceHolder 4"/>
           <p:cNvSpPr>
             <a:spLocks noGrp="1"/>
           </p:cNvSpPr>
@@ -3337,8 +3343,8 @@
         </p:nvSpPr>
         <p:spPr>
           <a:xfrm>
-            <a:off x="6640200" y="2603520"/>
-            <a:ext cx="5416560" cy="6286320"/>
+            <a:off x="6639840" y="2603520"/>
+            <a:ext cx="5416200" cy="6285960"/>
           </a:xfrm>
           <a:prstGeom prst="rect">
             <a:avLst/>
@@ -3375,7 +3381,7 @@
       </p:grpSpPr>
       <p:sp>
         <p:nvSpPr>
-          <p:cNvPr id="90" name="PlaceHolder 1"/>
+          <p:cNvPr id="87" name="PlaceHolder 1"/>
           <p:cNvSpPr>
             <a:spLocks noGrp="1"/>
           </p:cNvSpPr>
@@ -3386,7 +3392,7 @@
         <p:spPr>
           <a:xfrm>
             <a:off x="952560" y="444600"/>
-            <a:ext cx="11099520" cy="2158920"/>
+            <a:ext cx="11099160" cy="2158920"/>
           </a:xfrm>
           <a:prstGeom prst="rect">
             <a:avLst/>
@@ -3402,7 +3408,7 @@
       </p:sp>
       <p:sp>
         <p:nvSpPr>
-          <p:cNvPr id="91" name="PlaceHolder 2"/>
+          <p:cNvPr id="88" name="PlaceHolder 2"/>
           <p:cNvSpPr>
             <a:spLocks noGrp="1"/>
           </p:cNvSpPr>
@@ -3413,7 +3419,7 @@
         <p:spPr>
           <a:xfrm>
             <a:off x="952560" y="2603520"/>
-            <a:ext cx="5416560" cy="6286320"/>
+            <a:ext cx="5416200" cy="6285960"/>
           </a:xfrm>
           <a:prstGeom prst="rect">
             <a:avLst/>
@@ -3428,7 +3434,7 @@
       </p:sp>
       <p:sp>
         <p:nvSpPr>
-          <p:cNvPr id="92" name="PlaceHolder 3"/>
+          <p:cNvPr id="89" name="PlaceHolder 3"/>
           <p:cNvSpPr>
             <a:spLocks noGrp="1"/>
           </p:cNvSpPr>
@@ -3438,8 +3444,8 @@
         </p:nvSpPr>
         <p:spPr>
           <a:xfrm>
-            <a:off x="6640200" y="2603520"/>
-            <a:ext cx="5416560" cy="2998440"/>
+            <a:off x="6639840" y="2603520"/>
+            <a:ext cx="5416200" cy="2998080"/>
           </a:xfrm>
           <a:prstGeom prst="rect">
             <a:avLst/>
@@ -3454,7 +3460,7 @@
       </p:sp>
       <p:sp>
         <p:nvSpPr>
-          <p:cNvPr id="93" name="PlaceHolder 4"/>
+          <p:cNvPr id="90" name="PlaceHolder 4"/>
           <p:cNvSpPr>
             <a:spLocks noGrp="1"/>
           </p:cNvSpPr>
@@ -3464,8 +3470,8 @@
         </p:nvSpPr>
         <p:spPr>
           <a:xfrm>
-            <a:off x="6640200" y="5887080"/>
-            <a:ext cx="5416560" cy="2998440"/>
+            <a:off x="6639840" y="5886720"/>
+            <a:ext cx="5416200" cy="2998080"/>
           </a:xfrm>
           <a:prstGeom prst="rect">
             <a:avLst/>
@@ -3502,7 +3508,7 @@
       </p:grpSpPr>
       <p:sp>
         <p:nvSpPr>
-          <p:cNvPr id="94" name="PlaceHolder 1"/>
+          <p:cNvPr id="91" name="PlaceHolder 1"/>
           <p:cNvSpPr>
             <a:spLocks noGrp="1"/>
           </p:cNvSpPr>
@@ -3513,7 +3519,7 @@
         <p:spPr>
           <a:xfrm>
             <a:off x="952560" y="444600"/>
-            <a:ext cx="11099520" cy="2158920"/>
+            <a:ext cx="11099160" cy="2158920"/>
           </a:xfrm>
           <a:prstGeom prst="rect">
             <a:avLst/>
@@ -3529,7 +3535,7 @@
       </p:sp>
       <p:sp>
         <p:nvSpPr>
-          <p:cNvPr id="95" name="PlaceHolder 2"/>
+          <p:cNvPr id="92" name="PlaceHolder 2"/>
           <p:cNvSpPr>
             <a:spLocks noGrp="1"/>
           </p:cNvSpPr>
@@ -3540,7 +3546,7 @@
         <p:spPr>
           <a:xfrm>
             <a:off x="952560" y="2603520"/>
-            <a:ext cx="5416560" cy="2998440"/>
+            <a:ext cx="5416200" cy="2998080"/>
           </a:xfrm>
           <a:prstGeom prst="rect">
             <a:avLst/>
@@ -3555,7 +3561,7 @@
       </p:sp>
       <p:sp>
         <p:nvSpPr>
-          <p:cNvPr id="96" name="PlaceHolder 3"/>
+          <p:cNvPr id="93" name="PlaceHolder 3"/>
           <p:cNvSpPr>
             <a:spLocks noGrp="1"/>
           </p:cNvSpPr>
@@ -3565,8 +3571,8 @@
         </p:nvSpPr>
         <p:spPr>
           <a:xfrm>
-            <a:off x="6640200" y="2603520"/>
-            <a:ext cx="5416560" cy="2998440"/>
+            <a:off x="6639840" y="2603520"/>
+            <a:ext cx="5416200" cy="2998080"/>
           </a:xfrm>
           <a:prstGeom prst="rect">
             <a:avLst/>
@@ -3581,7 +3587,7 @@
       </p:sp>
       <p:sp>
         <p:nvSpPr>
-          <p:cNvPr id="97" name="PlaceHolder 4"/>
+          <p:cNvPr id="94" name="PlaceHolder 4"/>
           <p:cNvSpPr>
             <a:spLocks noGrp="1"/>
           </p:cNvSpPr>
@@ -3591,8 +3597,8 @@
         </p:nvSpPr>
         <p:spPr>
           <a:xfrm>
-            <a:off x="952560" y="5887080"/>
-            <a:ext cx="11099520" cy="2998440"/>
+            <a:off x="952560" y="5886720"/>
+            <a:ext cx="11099160" cy="2998080"/>
           </a:xfrm>
           <a:prstGeom prst="rect">
             <a:avLst/>
@@ -3629,7 +3635,7 @@
       </p:grpSpPr>
       <p:sp>
         <p:nvSpPr>
-          <p:cNvPr id="98" name="PlaceHolder 1"/>
+          <p:cNvPr id="95" name="PlaceHolder 1"/>
           <p:cNvSpPr>
             <a:spLocks noGrp="1"/>
           </p:cNvSpPr>
@@ -3640,7 +3646,7 @@
         <p:spPr>
           <a:xfrm>
             <a:off x="952560" y="444600"/>
-            <a:ext cx="11099520" cy="2158920"/>
+            <a:ext cx="11099160" cy="2158920"/>
           </a:xfrm>
           <a:prstGeom prst="rect">
             <a:avLst/>
@@ -3656,7 +3662,7 @@
       </p:sp>
       <p:sp>
         <p:nvSpPr>
-          <p:cNvPr id="99" name="PlaceHolder 2"/>
+          <p:cNvPr id="96" name="PlaceHolder 2"/>
           <p:cNvSpPr>
             <a:spLocks noGrp="1"/>
           </p:cNvSpPr>
@@ -3667,7 +3673,7 @@
         <p:spPr>
           <a:xfrm>
             <a:off x="952560" y="2603520"/>
-            <a:ext cx="11099520" cy="2998440"/>
+            <a:ext cx="11099160" cy="2998080"/>
           </a:xfrm>
           <a:prstGeom prst="rect">
             <a:avLst/>
@@ -3682,7 +3688,7 @@
       </p:sp>
       <p:sp>
         <p:nvSpPr>
-          <p:cNvPr id="100" name="PlaceHolder 3"/>
+          <p:cNvPr id="97" name="PlaceHolder 3"/>
           <p:cNvSpPr>
             <a:spLocks noGrp="1"/>
           </p:cNvSpPr>
@@ -3692,8 +3698,8 @@
         </p:nvSpPr>
         <p:spPr>
           <a:xfrm>
-            <a:off x="952560" y="5887080"/>
-            <a:ext cx="11099520" cy="2998440"/>
+            <a:off x="952560" y="5886720"/>
+            <a:ext cx="11099160" cy="2998080"/>
           </a:xfrm>
           <a:prstGeom prst="rect">
             <a:avLst/>
@@ -3730,7 +3736,7 @@
       </p:grpSpPr>
       <p:sp>
         <p:nvSpPr>
-          <p:cNvPr id="101" name="PlaceHolder 1"/>
+          <p:cNvPr id="98" name="PlaceHolder 1"/>
           <p:cNvSpPr>
             <a:spLocks noGrp="1"/>
           </p:cNvSpPr>
@@ -3741,7 +3747,7 @@
         <p:spPr>
           <a:xfrm>
             <a:off x="952560" y="444600"/>
-            <a:ext cx="11099520" cy="2158920"/>
+            <a:ext cx="11099160" cy="2158920"/>
           </a:xfrm>
           <a:prstGeom prst="rect">
             <a:avLst/>
@@ -3757,7 +3763,7 @@
       </p:sp>
       <p:sp>
         <p:nvSpPr>
-          <p:cNvPr id="102" name="PlaceHolder 2"/>
+          <p:cNvPr id="99" name="PlaceHolder 2"/>
           <p:cNvSpPr>
             <a:spLocks noGrp="1"/>
           </p:cNvSpPr>
@@ -3768,7 +3774,7 @@
         <p:spPr>
           <a:xfrm>
             <a:off x="952560" y="2603520"/>
-            <a:ext cx="5416560" cy="2998440"/>
+            <a:ext cx="5416200" cy="2998080"/>
           </a:xfrm>
           <a:prstGeom prst="rect">
             <a:avLst/>
@@ -3783,7 +3789,7 @@
       </p:sp>
       <p:sp>
         <p:nvSpPr>
-          <p:cNvPr id="103" name="PlaceHolder 3"/>
+          <p:cNvPr id="100" name="PlaceHolder 3"/>
           <p:cNvSpPr>
             <a:spLocks noGrp="1"/>
           </p:cNvSpPr>
@@ -3793,8 +3799,8 @@
         </p:nvSpPr>
         <p:spPr>
           <a:xfrm>
-            <a:off x="6640200" y="2603520"/>
-            <a:ext cx="5416560" cy="2998440"/>
+            <a:off x="6639840" y="2603520"/>
+            <a:ext cx="5416200" cy="2998080"/>
           </a:xfrm>
           <a:prstGeom prst="rect">
             <a:avLst/>
@@ -3809,7 +3815,7 @@
       </p:sp>
       <p:sp>
         <p:nvSpPr>
-          <p:cNvPr id="104" name="PlaceHolder 4"/>
+          <p:cNvPr id="101" name="PlaceHolder 4"/>
           <p:cNvSpPr>
             <a:spLocks noGrp="1"/>
           </p:cNvSpPr>
@@ -3819,8 +3825,8 @@
         </p:nvSpPr>
         <p:spPr>
           <a:xfrm>
-            <a:off x="6640200" y="5887080"/>
-            <a:ext cx="5416560" cy="2998440"/>
+            <a:off x="6639840" y="5886720"/>
+            <a:ext cx="5416200" cy="2998080"/>
           </a:xfrm>
           <a:prstGeom prst="rect">
             <a:avLst/>
@@ -3835,7 +3841,7 @@
       </p:sp>
       <p:sp>
         <p:nvSpPr>
-          <p:cNvPr id="105" name="PlaceHolder 5"/>
+          <p:cNvPr id="102" name="PlaceHolder 5"/>
           <p:cNvSpPr>
             <a:spLocks noGrp="1"/>
           </p:cNvSpPr>
@@ -3845,8 +3851,8 @@
         </p:nvSpPr>
         <p:spPr>
           <a:xfrm>
-            <a:off x="952560" y="5887080"/>
-            <a:ext cx="5416560" cy="2998440"/>
+            <a:off x="952560" y="5886720"/>
+            <a:ext cx="5416200" cy="2998080"/>
           </a:xfrm>
           <a:prstGeom prst="rect">
             <a:avLst/>
@@ -3883,7 +3889,7 @@
       </p:grpSpPr>
       <p:sp>
         <p:nvSpPr>
-          <p:cNvPr id="106" name="PlaceHolder 1"/>
+          <p:cNvPr id="103" name="PlaceHolder 1"/>
           <p:cNvSpPr>
             <a:spLocks noGrp="1"/>
           </p:cNvSpPr>
@@ -3894,7 +3900,7 @@
         <p:spPr>
           <a:xfrm>
             <a:off x="952560" y="444600"/>
-            <a:ext cx="11099520" cy="2158920"/>
+            <a:ext cx="11099160" cy="2158920"/>
           </a:xfrm>
           <a:prstGeom prst="rect">
             <a:avLst/>
@@ -3910,7 +3916,7 @@
       </p:sp>
       <p:sp>
         <p:nvSpPr>
-          <p:cNvPr id="107" name="PlaceHolder 2"/>
+          <p:cNvPr id="104" name="PlaceHolder 2"/>
           <p:cNvSpPr>
             <a:spLocks noGrp="1"/>
           </p:cNvSpPr>
@@ -3921,7 +3927,7 @@
         <p:spPr>
           <a:xfrm>
             <a:off x="952560" y="2603520"/>
-            <a:ext cx="11099520" cy="6286320"/>
+            <a:ext cx="11099160" cy="6285960"/>
           </a:xfrm>
           <a:prstGeom prst="rect">
             <a:avLst/>
@@ -3936,7 +3942,7 @@
       </p:sp>
       <p:sp>
         <p:nvSpPr>
-          <p:cNvPr id="108" name="PlaceHolder 3"/>
+          <p:cNvPr id="105" name="PlaceHolder 3"/>
           <p:cNvSpPr>
             <a:spLocks noGrp="1"/>
           </p:cNvSpPr>
@@ -3947,7 +3953,7 @@
         <p:spPr>
           <a:xfrm>
             <a:off x="952560" y="2603520"/>
-            <a:ext cx="11099520" cy="6286320"/>
+            <a:ext cx="11099160" cy="6285960"/>
           </a:xfrm>
           <a:prstGeom prst="rect">
             <a:avLst/>
@@ -3962,7 +3968,7 @@
       </p:sp>
       <p:pic>
         <p:nvPicPr>
-          <p:cNvPr id="109" name="" descr=""/>
+          <p:cNvPr id="106" name="" descr=""/>
           <p:cNvPicPr/>
           <p:nvPr/>
         </p:nvPicPr>
@@ -3974,8 +3980,8 @@
         </p:blipFill>
         <p:spPr>
           <a:xfrm>
-            <a:off x="2562840" y="2603520"/>
-            <a:ext cx="7878600" cy="6286320"/>
+            <a:off x="2562840" y="2603160"/>
+            <a:ext cx="7878240" cy="6285960"/>
           </a:xfrm>
           <a:prstGeom prst="rect">
             <a:avLst/>
@@ -3987,7 +3993,7 @@
       </p:pic>
       <p:pic>
         <p:nvPicPr>
-          <p:cNvPr id="110" name="" descr=""/>
+          <p:cNvPr id="107" name="" descr=""/>
           <p:cNvPicPr/>
           <p:nvPr/>
         </p:nvPicPr>
@@ -3999,8 +4005,8 @@
         </p:blipFill>
         <p:spPr>
           <a:xfrm>
-            <a:off x="2562840" y="2603520"/>
-            <a:ext cx="7878600" cy="6286320"/>
+            <a:off x="2562840" y="2603160"/>
+            <a:ext cx="7878240" cy="6285960"/>
           </a:xfrm>
           <a:prstGeom prst="rect">
             <a:avLst/>
@@ -4034,7 +4040,7 @@
       </p:grpSpPr>
       <p:sp>
         <p:nvSpPr>
-          <p:cNvPr id="7" name="PlaceHolder 1"/>
+          <p:cNvPr id="6" name="PlaceHolder 1"/>
           <p:cNvSpPr>
             <a:spLocks noGrp="1"/>
           </p:cNvSpPr>
@@ -4045,7 +4051,7 @@
         <p:spPr>
           <a:xfrm>
             <a:off x="952560" y="444600"/>
-            <a:ext cx="11099520" cy="2158920"/>
+            <a:ext cx="11099160" cy="2158920"/>
           </a:xfrm>
           <a:prstGeom prst="rect">
             <a:avLst/>
@@ -4061,7 +4067,7 @@
       </p:sp>
       <p:sp>
         <p:nvSpPr>
-          <p:cNvPr id="8" name="PlaceHolder 2"/>
+          <p:cNvPr id="7" name="PlaceHolder 2"/>
           <p:cNvSpPr>
             <a:spLocks noGrp="1"/>
           </p:cNvSpPr>
@@ -4072,7 +4078,7 @@
         <p:spPr>
           <a:xfrm>
             <a:off x="952560" y="2603520"/>
-            <a:ext cx="5416560" cy="6286320"/>
+            <a:ext cx="5416200" cy="6285960"/>
           </a:xfrm>
           <a:prstGeom prst="rect">
             <a:avLst/>
@@ -4087,7 +4093,7 @@
       </p:sp>
       <p:sp>
         <p:nvSpPr>
-          <p:cNvPr id="9" name="PlaceHolder 3"/>
+          <p:cNvPr id="8" name="PlaceHolder 3"/>
           <p:cNvSpPr>
             <a:spLocks noGrp="1"/>
           </p:cNvSpPr>
@@ -4097,8 +4103,8 @@
         </p:nvSpPr>
         <p:spPr>
           <a:xfrm>
-            <a:off x="6640200" y="2603520"/>
-            <a:ext cx="5416560" cy="6286320"/>
+            <a:off x="6639840" y="2603520"/>
+            <a:ext cx="5416200" cy="6285960"/>
           </a:xfrm>
           <a:prstGeom prst="rect">
             <a:avLst/>
@@ -4135,7 +4141,7 @@
       </p:grpSpPr>
       <p:sp>
         <p:nvSpPr>
-          <p:cNvPr id="10" name="PlaceHolder 1"/>
+          <p:cNvPr id="9" name="PlaceHolder 1"/>
           <p:cNvSpPr>
             <a:spLocks noGrp="1"/>
           </p:cNvSpPr>
@@ -4146,7 +4152,7 @@
         <p:spPr>
           <a:xfrm>
             <a:off x="952560" y="444600"/>
-            <a:ext cx="11099520" cy="2158920"/>
+            <a:ext cx="11099160" cy="2158920"/>
           </a:xfrm>
           <a:prstGeom prst="rect">
             <a:avLst/>
@@ -4184,7 +4190,7 @@
       </p:grpSpPr>
       <p:sp>
         <p:nvSpPr>
-          <p:cNvPr id="11" name="PlaceHolder 1"/>
+          <p:cNvPr id="10" name="PlaceHolder 1"/>
           <p:cNvSpPr>
             <a:spLocks noGrp="1"/>
           </p:cNvSpPr>
@@ -4195,7 +4201,7 @@
         <p:spPr>
           <a:xfrm>
             <a:off x="952560" y="444600"/>
-            <a:ext cx="11099520" cy="10007280"/>
+            <a:ext cx="11099160" cy="10007280"/>
           </a:xfrm>
           <a:prstGeom prst="rect">
             <a:avLst/>
@@ -4233,7 +4239,7 @@
       </p:grpSpPr>
       <p:sp>
         <p:nvSpPr>
-          <p:cNvPr id="12" name="PlaceHolder 1"/>
+          <p:cNvPr id="11" name="PlaceHolder 1"/>
           <p:cNvSpPr>
             <a:spLocks noGrp="1"/>
           </p:cNvSpPr>
@@ -4244,7 +4250,7 @@
         <p:spPr>
           <a:xfrm>
             <a:off x="952560" y="444600"/>
-            <a:ext cx="11099520" cy="2158920"/>
+            <a:ext cx="11099160" cy="2158920"/>
           </a:xfrm>
           <a:prstGeom prst="rect">
             <a:avLst/>
@@ -4260,7 +4266,7 @@
       </p:sp>
       <p:sp>
         <p:nvSpPr>
-          <p:cNvPr id="13" name="PlaceHolder 2"/>
+          <p:cNvPr id="12" name="PlaceHolder 2"/>
           <p:cNvSpPr>
             <a:spLocks noGrp="1"/>
           </p:cNvSpPr>
@@ -4271,7 +4277,7 @@
         <p:spPr>
           <a:xfrm>
             <a:off x="952560" y="2603520"/>
-            <a:ext cx="5416560" cy="2998440"/>
+            <a:ext cx="5416200" cy="2998080"/>
           </a:xfrm>
           <a:prstGeom prst="rect">
             <a:avLst/>
@@ -4286,7 +4292,7 @@
       </p:sp>
       <p:sp>
         <p:nvSpPr>
-          <p:cNvPr id="14" name="PlaceHolder 3"/>
+          <p:cNvPr id="13" name="PlaceHolder 3"/>
           <p:cNvSpPr>
             <a:spLocks noGrp="1"/>
           </p:cNvSpPr>
@@ -4296,8 +4302,8 @@
         </p:nvSpPr>
         <p:spPr>
           <a:xfrm>
-            <a:off x="952560" y="5887080"/>
-            <a:ext cx="5416560" cy="2998440"/>
+            <a:off x="952560" y="5886720"/>
+            <a:ext cx="5416200" cy="2998080"/>
           </a:xfrm>
           <a:prstGeom prst="rect">
             <a:avLst/>
@@ -4312,7 +4318,7 @@
       </p:sp>
       <p:sp>
         <p:nvSpPr>
-          <p:cNvPr id="15" name="PlaceHolder 4"/>
+          <p:cNvPr id="14" name="PlaceHolder 4"/>
           <p:cNvSpPr>
             <a:spLocks noGrp="1"/>
           </p:cNvSpPr>
@@ -4322,8 +4328,8 @@
         </p:nvSpPr>
         <p:spPr>
           <a:xfrm>
-            <a:off x="6640200" y="2603520"/>
-            <a:ext cx="5416560" cy="6286320"/>
+            <a:off x="6639840" y="2603520"/>
+            <a:ext cx="5416200" cy="6285960"/>
           </a:xfrm>
           <a:prstGeom prst="rect">
             <a:avLst/>
@@ -4360,7 +4366,7 @@
       </p:grpSpPr>
       <p:sp>
         <p:nvSpPr>
-          <p:cNvPr id="16" name="PlaceHolder 1"/>
+          <p:cNvPr id="15" name="PlaceHolder 1"/>
           <p:cNvSpPr>
             <a:spLocks noGrp="1"/>
           </p:cNvSpPr>
@@ -4371,7 +4377,7 @@
         <p:spPr>
           <a:xfrm>
             <a:off x="952560" y="444600"/>
-            <a:ext cx="11099520" cy="2158920"/>
+            <a:ext cx="11099160" cy="2158920"/>
           </a:xfrm>
           <a:prstGeom prst="rect">
             <a:avLst/>
@@ -4387,7 +4393,7 @@
       </p:sp>
       <p:sp>
         <p:nvSpPr>
-          <p:cNvPr id="17" name="PlaceHolder 2"/>
+          <p:cNvPr id="16" name="PlaceHolder 2"/>
           <p:cNvSpPr>
             <a:spLocks noGrp="1"/>
           </p:cNvSpPr>
@@ -4398,7 +4404,7 @@
         <p:spPr>
           <a:xfrm>
             <a:off x="952560" y="2603520"/>
-            <a:ext cx="5416560" cy="6286320"/>
+            <a:ext cx="5416200" cy="6285960"/>
           </a:xfrm>
           <a:prstGeom prst="rect">
             <a:avLst/>
@@ -4413,7 +4419,7 @@
       </p:sp>
       <p:sp>
         <p:nvSpPr>
-          <p:cNvPr id="18" name="PlaceHolder 3"/>
+          <p:cNvPr id="17" name="PlaceHolder 3"/>
           <p:cNvSpPr>
             <a:spLocks noGrp="1"/>
           </p:cNvSpPr>
@@ -4423,8 +4429,8 @@
         </p:nvSpPr>
         <p:spPr>
           <a:xfrm>
-            <a:off x="6640200" y="2603520"/>
-            <a:ext cx="5416560" cy="2998440"/>
+            <a:off x="6639840" y="2603520"/>
+            <a:ext cx="5416200" cy="2998080"/>
           </a:xfrm>
           <a:prstGeom prst="rect">
             <a:avLst/>
@@ -4439,7 +4445,7 @@
       </p:sp>
       <p:sp>
         <p:nvSpPr>
-          <p:cNvPr id="19" name="PlaceHolder 4"/>
+          <p:cNvPr id="18" name="PlaceHolder 4"/>
           <p:cNvSpPr>
             <a:spLocks noGrp="1"/>
           </p:cNvSpPr>
@@ -4449,8 +4455,8 @@
         </p:nvSpPr>
         <p:spPr>
           <a:xfrm>
-            <a:off x="6640200" y="5887080"/>
-            <a:ext cx="5416560" cy="2998440"/>
+            <a:off x="6639840" y="5886720"/>
+            <a:ext cx="5416200" cy="2998080"/>
           </a:xfrm>
           <a:prstGeom prst="rect">
             <a:avLst/>
@@ -4487,7 +4493,7 @@
       </p:grpSpPr>
       <p:sp>
         <p:nvSpPr>
-          <p:cNvPr id="20" name="PlaceHolder 1"/>
+          <p:cNvPr id="19" name="PlaceHolder 1"/>
           <p:cNvSpPr>
             <a:spLocks noGrp="1"/>
           </p:cNvSpPr>
@@ -4498,7 +4504,7 @@
         <p:spPr>
           <a:xfrm>
             <a:off x="952560" y="444600"/>
-            <a:ext cx="11099520" cy="2158920"/>
+            <a:ext cx="11099160" cy="2158920"/>
           </a:xfrm>
           <a:prstGeom prst="rect">
             <a:avLst/>
@@ -4514,7 +4520,7 @@
       </p:sp>
       <p:sp>
         <p:nvSpPr>
-          <p:cNvPr id="21" name="PlaceHolder 2"/>
+          <p:cNvPr id="20" name="PlaceHolder 2"/>
           <p:cNvSpPr>
             <a:spLocks noGrp="1"/>
           </p:cNvSpPr>
@@ -4525,7 +4531,7 @@
         <p:spPr>
           <a:xfrm>
             <a:off x="952560" y="2603520"/>
-            <a:ext cx="5416560" cy="2998440"/>
+            <a:ext cx="5416200" cy="2998080"/>
           </a:xfrm>
           <a:prstGeom prst="rect">
             <a:avLst/>
@@ -4540,7 +4546,7 @@
       </p:sp>
       <p:sp>
         <p:nvSpPr>
-          <p:cNvPr id="22" name="PlaceHolder 3"/>
+          <p:cNvPr id="21" name="PlaceHolder 3"/>
           <p:cNvSpPr>
             <a:spLocks noGrp="1"/>
           </p:cNvSpPr>
@@ -4550,8 +4556,8 @@
         </p:nvSpPr>
         <p:spPr>
           <a:xfrm>
-            <a:off x="6640200" y="2603520"/>
-            <a:ext cx="5416560" cy="2998440"/>
+            <a:off x="6639840" y="2603520"/>
+            <a:ext cx="5416200" cy="2998080"/>
           </a:xfrm>
           <a:prstGeom prst="rect">
             <a:avLst/>
@@ -4566,7 +4572,7 @@
       </p:sp>
       <p:sp>
         <p:nvSpPr>
-          <p:cNvPr id="23" name="PlaceHolder 4"/>
+          <p:cNvPr id="22" name="PlaceHolder 4"/>
           <p:cNvSpPr>
             <a:spLocks noGrp="1"/>
           </p:cNvSpPr>
@@ -4576,8 +4582,8 @@
         </p:nvSpPr>
         <p:spPr>
           <a:xfrm>
-            <a:off x="952560" y="5887080"/>
-            <a:ext cx="11099520" cy="2998440"/>
+            <a:off x="952560" y="5886720"/>
+            <a:ext cx="11099160" cy="2998080"/>
           </a:xfrm>
           <a:prstGeom prst="rect">
             <a:avLst/>
@@ -4631,27 +4637,21 @@
         </p:nvSpPr>
         <p:spPr>
           <a:xfrm>
-            <a:off x="1270080" y="1638360"/>
-            <a:ext cx="10464480" cy="3301560"/>
-          </a:xfrm>
-          <a:prstGeom prst="rect">
-            <a:avLst/>
-          </a:prstGeom>
-        </p:spPr>
-        <p:txBody>
-          <a:bodyPr lIns="0" rIns="0" tIns="0" bIns="0" anchor="b"/>
-          <a:p>
-            <a:pPr>
-              <a:lnSpc>
-                <a:spcPct val="100000"/>
-              </a:lnSpc>
-            </a:pPr>
-            <a:r>
-              <a:rPr lang="en-GB" sz="8000">
-                <a:latin typeface="Helvetica Light"/>
-                <a:ea typeface="Helvetica Light"/>
-              </a:rPr>
-              <a:t>Click to edit the title text formatTiteltext</a:t>
+            <a:off x="952560" y="444600"/>
+            <a:ext cx="11099160" cy="2158560"/>
+          </a:xfrm>
+          <a:prstGeom prst="rect">
+            <a:avLst/>
+          </a:prstGeom>
+        </p:spPr>
+        <p:txBody>
+          <a:bodyPr lIns="0" rIns="0" tIns="0" bIns="0" anchor="ctr"/>
+          <a:p>
+            <a:r>
+              <a:rPr lang="en-GB">
+                <a:latin typeface="Arial"/>
+              </a:rPr>
+              <a:t>Click to edit the title text format</a:t>
             </a:r>
             <a:endParaRPr/>
           </a:p>
@@ -4669,8 +4669,8 @@
         </p:nvSpPr>
         <p:spPr>
           <a:xfrm>
-            <a:off x="1270080" y="5029200"/>
-            <a:ext cx="10464480" cy="1130040"/>
+            <a:off x="952560" y="2603520"/>
+            <a:ext cx="11099160" cy="6285960"/>
           </a:xfrm>
           <a:prstGeom prst="rect">
             <a:avLst/>
@@ -4685,9 +4685,8 @@
               <a:buChar char=""/>
             </a:pPr>
             <a:r>
-              <a:rPr lang="en-GB" sz="3200">
-                <a:latin typeface="Helvetica Light"/>
-                <a:ea typeface="Helvetica Light"/>
+              <a:rPr lang="en-GB">
+                <a:latin typeface="Arial"/>
               </a:rPr>
               <a:t>Click to edit the outline text format</a:t>
             </a:r>
@@ -4700,9 +4699,8 @@
               <a:buChar char=""/>
             </a:pPr>
             <a:r>
-              <a:rPr lang="en-GB" sz="3200">
-                <a:latin typeface="Helvetica Light"/>
-                <a:ea typeface="Helvetica Light"/>
+              <a:rPr lang="en-GB">
+                <a:latin typeface="Arial"/>
               </a:rPr>
               <a:t>Second Outline Level</a:t>
             </a:r>
@@ -4715,9 +4713,8 @@
               <a:buChar char=""/>
             </a:pPr>
             <a:r>
-              <a:rPr lang="en-GB" sz="3200">
-                <a:latin typeface="Helvetica Light"/>
-                <a:ea typeface="Helvetica Light"/>
+              <a:rPr lang="en-GB">
+                <a:latin typeface="Arial"/>
               </a:rPr>
               <a:t>Third Outline Level</a:t>
             </a:r>
@@ -4730,9 +4727,8 @@
               <a:buChar char=""/>
             </a:pPr>
             <a:r>
-              <a:rPr lang="en-GB" sz="3200">
-                <a:latin typeface="Helvetica Light"/>
-                <a:ea typeface="Helvetica Light"/>
+              <a:rPr lang="en-GB">
+                <a:latin typeface="Arial"/>
               </a:rPr>
               <a:t>Fourth Outline Level</a:t>
             </a:r>
@@ -4745,9 +4741,8 @@
               <a:buChar char=""/>
             </a:pPr>
             <a:r>
-              <a:rPr lang="en-GB" sz="3200">
-                <a:latin typeface="Helvetica Light"/>
-                <a:ea typeface="Helvetica Light"/>
+              <a:rPr lang="en-GB">
+                <a:latin typeface="Arial"/>
               </a:rPr>
               <a:t>Fifth Outline Level</a:t>
             </a:r>
@@ -4760,93 +4755,25 @@
               <a:buChar char=""/>
             </a:pPr>
             <a:r>
-              <a:rPr lang="en-GB" sz="3200">
-                <a:latin typeface="Helvetica Light"/>
-                <a:ea typeface="Helvetica Light"/>
+              <a:rPr lang="en-GB">
+                <a:latin typeface="Arial"/>
               </a:rPr>
               <a:t>Sixth Outline Level</a:t>
             </a:r>
             <a:endParaRPr/>
           </a:p>
           <a:p>
-            <a:pPr>
-              <a:lnSpc>
-                <a:spcPct val="100000"/>
-              </a:lnSpc>
-            </a:pPr>
-            <a:r>
-              <a:rPr lang="en-GB" sz="3200">
-                <a:latin typeface="Helvetica Light"/>
-                <a:ea typeface="Helvetica Light"/>
-              </a:rPr>
-              <a:t>Seventh Outline LevelTextebene 1</a:t>
-            </a:r>
-            <a:endParaRPr/>
-          </a:p>
-          <a:p>
-            <a:r>
-              <a:rPr lang="en-GB" sz="3200">
-                <a:latin typeface="Helvetica Light"/>
-                <a:ea typeface="Helvetica Light"/>
-              </a:rPr>
-              <a:t>Textebene 2</a:t>
-            </a:r>
-            <a:endParaRPr/>
-          </a:p>
-          <a:p>
-            <a:r>
-              <a:rPr lang="en-GB" sz="3200">
-                <a:latin typeface="Helvetica Light"/>
-                <a:ea typeface="Helvetica Light"/>
-              </a:rPr>
-              <a:t>Textebene 3</a:t>
-            </a:r>
-            <a:endParaRPr/>
-          </a:p>
-          <a:p>
-            <a:r>
-              <a:rPr lang="en-GB" sz="3200">
-                <a:latin typeface="Helvetica Light"/>
-                <a:ea typeface="Helvetica Light"/>
-              </a:rPr>
-              <a:t>Textebene 4</a:t>
-            </a:r>
-            <a:endParaRPr/>
-          </a:p>
-          <a:p>
-            <a:r>
-              <a:rPr lang="en-GB" sz="3200">
-                <a:latin typeface="Helvetica Light"/>
-                <a:ea typeface="Helvetica Light"/>
-              </a:rPr>
-              <a:t>Textebene 5</a:t>
-            </a:r>
-            <a:endParaRPr/>
-          </a:p>
-        </p:txBody>
-      </p:sp>
-      <p:sp>
-        <p:nvSpPr>
-          <p:cNvPr id="2" name="PlaceHolder 3"/>
-          <p:cNvSpPr>
-            <a:spLocks noGrp="1"/>
-          </p:cNvSpPr>
-          <p:nvPr>
-            <p:ph type="sldNum"/>
-          </p:nvPr>
-        </p:nvSpPr>
-        <p:spPr>
-          <a:xfrm>
-            <a:off x="6311880" y="9252000"/>
-            <a:ext cx="368280" cy="380520"/>
-          </a:xfrm>
-          <a:prstGeom prst="rect">
-            <a:avLst/>
-          </a:prstGeom>
-        </p:spPr>
-        <p:txBody>
-          <a:bodyPr lIns="0" rIns="0" tIns="0" bIns="0"/>
-          <a:p>
+            <a:pPr lvl="6">
+              <a:buSzPct val="45000"/>
+              <a:buFont typeface="StarSymbol"/>
+              <a:buChar char=""/>
+            </a:pPr>
+            <a:r>
+              <a:rPr lang="en-GB">
+                <a:latin typeface="Arial"/>
+              </a:rPr>
+              <a:t>Seventh Outline Level</a:t>
+            </a:r>
             <a:endParaRPr/>
           </a:p>
         </p:txBody>
@@ -4897,7 +4824,7 @@
       </p:grpSpPr>
       <p:sp>
         <p:nvSpPr>
-          <p:cNvPr id="37" name="PlaceHolder 1"/>
+          <p:cNvPr id="36" name="PlaceHolder 1"/>
           <p:cNvSpPr>
             <a:spLocks noGrp="1"/>
           </p:cNvSpPr>
@@ -4908,7 +4835,7 @@
         <p:spPr>
           <a:xfrm>
             <a:off x="952560" y="444600"/>
-            <a:ext cx="11099520" cy="2158560"/>
+            <a:ext cx="11099160" cy="2158560"/>
           </a:xfrm>
           <a:prstGeom prst="rect">
             <a:avLst/>
@@ -4917,25 +4844,19 @@
         <p:txBody>
           <a:bodyPr lIns="0" rIns="0" tIns="0" bIns="0" anchor="ctr"/>
           <a:p>
-            <a:pPr>
-              <a:lnSpc>
-                <a:spcPct val="100000"/>
-              </a:lnSpc>
-            </a:pPr>
-            <a:r>
-              <a:rPr lang="en-GB" sz="8000">
-                <a:latin typeface="Helvetica Light"/>
-                <a:ea typeface="Helvetica Light"/>
-              </a:rPr>
-              <a:t>Click to edit the title text formatTiteltext</a:t>
-            </a:r>
-            <a:endParaRPr/>
-          </a:p>
-        </p:txBody>
-      </p:sp>
-      <p:sp>
-        <p:nvSpPr>
-          <p:cNvPr id="38" name="PlaceHolder 2"/>
+            <a:r>
+              <a:rPr lang="en-GB">
+                <a:latin typeface="Arial"/>
+              </a:rPr>
+              <a:t>Click to edit the title text format</a:t>
+            </a:r>
+            <a:endParaRPr/>
+          </a:p>
+        </p:txBody>
+      </p:sp>
+      <p:sp>
+        <p:nvSpPr>
+          <p:cNvPr id="37" name="PlaceHolder 2"/>
           <p:cNvSpPr>
             <a:spLocks noGrp="1"/>
           </p:cNvSpPr>
@@ -4946,7 +4867,7 @@
         <p:spPr>
           <a:xfrm>
             <a:off x="952560" y="2603520"/>
-            <a:ext cx="11099520" cy="6286320"/>
+            <a:ext cx="11099160" cy="6285960"/>
           </a:xfrm>
           <a:prstGeom prst="rect">
             <a:avLst/>
@@ -4961,9 +4882,8 @@
               <a:buChar char=""/>
             </a:pPr>
             <a:r>
-              <a:rPr lang="en-GB" sz="3600">
-                <a:latin typeface="Helvetica Light"/>
-                <a:ea typeface="Helvetica Light"/>
+              <a:rPr lang="en-GB">
+                <a:latin typeface="Arial"/>
               </a:rPr>
               <a:t>Click to edit the outline text format</a:t>
             </a:r>
@@ -4976,9 +4896,8 @@
               <a:buChar char=""/>
             </a:pPr>
             <a:r>
-              <a:rPr lang="en-GB" sz="3600">
-                <a:latin typeface="Helvetica Light"/>
-                <a:ea typeface="Helvetica Light"/>
+              <a:rPr lang="en-GB">
+                <a:latin typeface="Arial"/>
               </a:rPr>
               <a:t>Second Outline Level</a:t>
             </a:r>
@@ -4991,9 +4910,8 @@
               <a:buChar char=""/>
             </a:pPr>
             <a:r>
-              <a:rPr lang="en-GB" sz="3600">
-                <a:latin typeface="Helvetica Light"/>
-                <a:ea typeface="Helvetica Light"/>
+              <a:rPr lang="en-GB">
+                <a:latin typeface="Arial"/>
               </a:rPr>
               <a:t>Third Outline Level</a:t>
             </a:r>
@@ -5006,9 +4924,8 @@
               <a:buChar char=""/>
             </a:pPr>
             <a:r>
-              <a:rPr lang="en-GB" sz="3600">
-                <a:latin typeface="Helvetica Light"/>
-                <a:ea typeface="Helvetica Light"/>
+              <a:rPr lang="en-GB">
+                <a:latin typeface="Arial"/>
               </a:rPr>
               <a:t>Fourth Outline Level</a:t>
             </a:r>
@@ -5021,9 +4938,8 @@
               <a:buChar char=""/>
             </a:pPr>
             <a:r>
-              <a:rPr lang="en-GB" sz="3600">
-                <a:latin typeface="Helvetica Light"/>
-                <a:ea typeface="Helvetica Light"/>
+              <a:rPr lang="en-GB">
+                <a:latin typeface="Arial"/>
               </a:rPr>
               <a:t>Fifth Outline Level</a:t>
             </a:r>
@@ -5036,128 +4952,25 @@
               <a:buChar char=""/>
             </a:pPr>
             <a:r>
-              <a:rPr lang="en-GB" sz="3600">
-                <a:latin typeface="Helvetica Light"/>
-                <a:ea typeface="Helvetica Light"/>
+              <a:rPr lang="en-GB">
+                <a:latin typeface="Arial"/>
               </a:rPr>
               <a:t>Sixth Outline Level</a:t>
             </a:r>
             <a:endParaRPr/>
           </a:p>
           <a:p>
-            <a:pPr>
-              <a:lnSpc>
-                <a:spcPct val="100000"/>
-              </a:lnSpc>
-              <a:buSzPct val="75000"/>
+            <a:pPr lvl="6">
+              <a:buSzPct val="45000"/>
               <a:buFont typeface="StarSymbol"/>
-              <a:buChar char=""/>
-            </a:pPr>
-            <a:r>
-              <a:rPr lang="en-GB" sz="3600">
-                <a:latin typeface="Helvetica Light"/>
-                <a:ea typeface="Helvetica Light"/>
-              </a:rPr>
-              <a:t>Seventh Outline LevelTextebene 1</a:t>
-            </a:r>
-            <a:endParaRPr/>
-          </a:p>
-          <a:p>
-            <a:pPr lvl="1">
-              <a:lnSpc>
-                <a:spcPct val="100000"/>
-              </a:lnSpc>
-              <a:buSzPct val="75000"/>
-              <a:buFont typeface="StarSymbol"/>
-              <a:buChar char=""/>
-            </a:pPr>
-            <a:r>
-              <a:rPr lang="en-GB" sz="3600">
-                <a:latin typeface="Helvetica Light"/>
-                <a:ea typeface="Helvetica Light"/>
-              </a:rPr>
-              <a:t>Textebene 2</a:t>
-            </a:r>
-            <a:endParaRPr/>
-          </a:p>
-          <a:p>
-            <a:pPr lvl="2">
-              <a:lnSpc>
-                <a:spcPct val="100000"/>
-              </a:lnSpc>
-              <a:buSzPct val="75000"/>
-              <a:buFont typeface="StarSymbol"/>
-              <a:buChar char=""/>
-            </a:pPr>
-            <a:r>
-              <a:rPr lang="en-GB" sz="3600">
-                <a:latin typeface="Helvetica Light"/>
-                <a:ea typeface="Helvetica Light"/>
-              </a:rPr>
-              <a:t>Textebene 3</a:t>
-            </a:r>
-            <a:endParaRPr/>
-          </a:p>
-          <a:p>
-            <a:pPr lvl="3">
-              <a:lnSpc>
-                <a:spcPct val="100000"/>
-              </a:lnSpc>
-              <a:buSzPct val="75000"/>
-              <a:buFont typeface="StarSymbol"/>
-              <a:buChar char=""/>
-            </a:pPr>
-            <a:r>
-              <a:rPr lang="en-GB" sz="3600">
-                <a:latin typeface="Helvetica Light"/>
-                <a:ea typeface="Helvetica Light"/>
-              </a:rPr>
-              <a:t>Textebene 4</a:t>
-            </a:r>
-            <a:endParaRPr/>
-          </a:p>
-          <a:p>
-            <a:pPr lvl="4">
-              <a:lnSpc>
-                <a:spcPct val="100000"/>
-              </a:lnSpc>
-              <a:buSzPct val="75000"/>
-              <a:buFont typeface="StarSymbol"/>
-              <a:buChar char=""/>
-            </a:pPr>
-            <a:r>
-              <a:rPr lang="en-GB" sz="3600">
-                <a:latin typeface="Helvetica Light"/>
-                <a:ea typeface="Helvetica Light"/>
-              </a:rPr>
-              <a:t>Textebene 5</a:t>
-            </a:r>
-            <a:endParaRPr/>
-          </a:p>
-        </p:txBody>
-      </p:sp>
-      <p:sp>
-        <p:nvSpPr>
-          <p:cNvPr id="39" name="PlaceHolder 3"/>
-          <p:cNvSpPr>
-            <a:spLocks noGrp="1"/>
-          </p:cNvSpPr>
-          <p:nvPr>
-            <p:ph type="sldNum"/>
-          </p:nvPr>
-        </p:nvSpPr>
-        <p:spPr>
-          <a:xfrm>
-            <a:off x="6311880" y="9252000"/>
-            <a:ext cx="368280" cy="380520"/>
-          </a:xfrm>
-          <a:prstGeom prst="rect">
-            <a:avLst/>
-          </a:prstGeom>
-        </p:spPr>
-        <p:txBody>
-          <a:bodyPr lIns="0" rIns="0" tIns="0" bIns="0"/>
-          <a:p>
+              <a:buChar char=""/>
+            </a:pPr>
+            <a:r>
+              <a:rPr lang="en-GB">
+                <a:latin typeface="Arial"/>
+              </a:rPr>
+              <a:t>Seventh Outline Level</a:t>
+            </a:r>
             <a:endParaRPr/>
           </a:p>
         </p:txBody>
@@ -5208,7 +5021,7 @@
       </p:grpSpPr>
       <p:sp>
         <p:nvSpPr>
-          <p:cNvPr id="74" name="PlaceHolder 1"/>
+          <p:cNvPr id="72" name="PlaceHolder 1"/>
           <p:cNvSpPr>
             <a:spLocks noGrp="1"/>
           </p:cNvSpPr>
@@ -5219,7 +5032,7 @@
         <p:spPr>
           <a:xfrm>
             <a:off x="952560" y="444600"/>
-            <a:ext cx="11099520" cy="2158560"/>
+            <a:ext cx="11099160" cy="2158560"/>
           </a:xfrm>
           <a:prstGeom prst="rect">
             <a:avLst/>
@@ -5228,51 +5041,19 @@
         <p:txBody>
           <a:bodyPr lIns="0" rIns="0" tIns="0" bIns="0" anchor="ctr"/>
           <a:p>
-            <a:pPr>
-              <a:lnSpc>
-                <a:spcPct val="100000"/>
-              </a:lnSpc>
-            </a:pPr>
-            <a:r>
-              <a:rPr lang="en-GB" sz="8000">
-                <a:latin typeface="Helvetica Light"/>
-                <a:ea typeface="Helvetica Light"/>
-              </a:rPr>
-              <a:t>Click to edit the title text formatTiteltext</a:t>
-            </a:r>
-            <a:endParaRPr/>
-          </a:p>
-        </p:txBody>
-      </p:sp>
-      <p:sp>
-        <p:nvSpPr>
-          <p:cNvPr id="75" name="PlaceHolder 2"/>
-          <p:cNvSpPr>
-            <a:spLocks noGrp="1"/>
-          </p:cNvSpPr>
-          <p:nvPr>
-            <p:ph type="sldNum"/>
-          </p:nvPr>
-        </p:nvSpPr>
-        <p:spPr>
-          <a:xfrm>
-            <a:off x="6311880" y="9252000"/>
-            <a:ext cx="368280" cy="380520"/>
-          </a:xfrm>
-          <a:prstGeom prst="rect">
-            <a:avLst/>
-          </a:prstGeom>
-        </p:spPr>
-        <p:txBody>
-          <a:bodyPr lIns="0" rIns="0" tIns="0" bIns="0"/>
-          <a:p>
-            <a:endParaRPr/>
-          </a:p>
-        </p:txBody>
-      </p:sp>
-      <p:sp>
-        <p:nvSpPr>
-          <p:cNvPr id="76" name="PlaceHolder 3"/>
+            <a:r>
+              <a:rPr lang="en-GB">
+                <a:latin typeface="Arial"/>
+              </a:rPr>
+              <a:t>Click to edit the title text format</a:t>
+            </a:r>
+            <a:endParaRPr/>
+          </a:p>
+        </p:txBody>
+      </p:sp>
+      <p:sp>
+        <p:nvSpPr>
+          <p:cNvPr id="73" name="PlaceHolder 2"/>
           <p:cNvSpPr>
             <a:spLocks noGrp="1"/>
           </p:cNvSpPr>
@@ -5282,8 +5063,8 @@
         </p:nvSpPr>
         <p:spPr>
           <a:xfrm>
-            <a:off x="650160" y="2282040"/>
-            <a:ext cx="11703600" cy="5656320"/>
+            <a:off x="952560" y="2603520"/>
+            <a:ext cx="11099160" cy="6285960"/>
           </a:xfrm>
           <a:prstGeom prst="rect">
             <a:avLst/>
@@ -5298,8 +5079,8 @@
               <a:buChar char=""/>
             </a:pPr>
             <a:r>
-              <a:rPr lang="en-GB" sz="3600">
-                <a:latin typeface="Helvetica Light"/>
+              <a:rPr lang="en-GB">
+                <a:latin typeface="Arial"/>
               </a:rPr>
               <a:t>Click to edit the outline text format</a:t>
             </a:r>
@@ -5312,8 +5093,8 @@
               <a:buChar char=""/>
             </a:pPr>
             <a:r>
-              <a:rPr lang="en-GB" sz="3600">
-                <a:latin typeface="Helvetica Light"/>
+              <a:rPr lang="en-GB">
+                <a:latin typeface="Arial"/>
               </a:rPr>
               <a:t>Second Outline Level</a:t>
             </a:r>
@@ -5326,8 +5107,8 @@
               <a:buChar char=""/>
             </a:pPr>
             <a:r>
-              <a:rPr lang="en-GB" sz="3600">
-                <a:latin typeface="Helvetica Light"/>
+              <a:rPr lang="en-GB">
+                <a:latin typeface="Arial"/>
               </a:rPr>
               <a:t>Third Outline Level</a:t>
             </a:r>
@@ -5340,8 +5121,8 @@
               <a:buChar char=""/>
             </a:pPr>
             <a:r>
-              <a:rPr lang="en-GB" sz="3600">
-                <a:latin typeface="Helvetica Light"/>
+              <a:rPr lang="en-GB">
+                <a:latin typeface="Arial"/>
               </a:rPr>
               <a:t>Fourth Outline Level</a:t>
             </a:r>
@@ -5354,8 +5135,8 @@
               <a:buChar char=""/>
             </a:pPr>
             <a:r>
-              <a:rPr lang="en-GB" sz="2000">
-                <a:latin typeface="Helvetica Light"/>
+              <a:rPr lang="en-GB">
+                <a:latin typeface="Arial"/>
               </a:rPr>
               <a:t>Fifth Outline Level</a:t>
             </a:r>
@@ -5368,8 +5149,8 @@
               <a:buChar char=""/>
             </a:pPr>
             <a:r>
-              <a:rPr lang="en-GB" sz="2000">
-                <a:latin typeface="Helvetica Light"/>
+              <a:rPr lang="en-GB">
+                <a:latin typeface="Arial"/>
               </a:rPr>
               <a:t>Sixth Outline Level</a:t>
             </a:r>
@@ -5382,8 +5163,8 @@
               <a:buChar char=""/>
             </a:pPr>
             <a:r>
-              <a:rPr lang="en-GB" sz="2000">
-                <a:latin typeface="Helvetica Light"/>
+              <a:rPr lang="en-GB">
+                <a:latin typeface="Arial"/>
               </a:rPr>
               <a:t>Seventh Outline Level</a:t>
             </a:r>
@@ -5430,18 +5211,22 @@
       </p:grpSpPr>
       <p:sp>
         <p:nvSpPr>
-          <p:cNvPr id="116" name="TextShape 1"/>
-          <p:cNvSpPr txBox="1"/>
+          <p:cNvPr id="113" name="CustomShape 1"/>
+          <p:cNvSpPr/>
           <p:nvPr/>
         </p:nvSpPr>
         <p:spPr>
           <a:xfrm>
             <a:off x="1270080" y="1638360"/>
-            <a:ext cx="10464480" cy="3301560"/>
-          </a:xfrm>
-          <a:prstGeom prst="rect">
-            <a:avLst/>
-          </a:prstGeom>
+            <a:ext cx="10464120" cy="3301200"/>
+          </a:xfrm>
+          <a:prstGeom prst="rect">
+            <a:avLst/>
+          </a:prstGeom>
+          <a:noFill/>
+          <a:ln>
+            <a:noFill/>
+          </a:ln>
         </p:spPr>
         <p:txBody>
           <a:bodyPr lIns="0" rIns="0" tIns="0" bIns="0" anchor="b"/>
@@ -5464,18 +5249,22 @@
       </p:sp>
       <p:sp>
         <p:nvSpPr>
-          <p:cNvPr id="117" name="TextShape 2"/>
-          <p:cNvSpPr txBox="1"/>
+          <p:cNvPr id="114" name="CustomShape 2"/>
+          <p:cNvSpPr/>
           <p:nvPr/>
         </p:nvSpPr>
         <p:spPr>
           <a:xfrm>
             <a:off x="1270080" y="5029200"/>
-            <a:ext cx="10464480" cy="1130040"/>
-          </a:xfrm>
-          <a:prstGeom prst="rect">
-            <a:avLst/>
-          </a:prstGeom>
+            <a:ext cx="10464120" cy="1129680"/>
+          </a:xfrm>
+          <a:prstGeom prst="rect">
+            <a:avLst/>
+          </a:prstGeom>
+          <a:noFill/>
+          <a:ln>
+            <a:noFill/>
+          </a:ln>
         </p:spPr>
         <p:txBody>
           <a:bodyPr lIns="0" rIns="0" tIns="0" bIns="0"/>
@@ -5498,25 +5287,23 @@
       </p:sp>
       <p:sp>
         <p:nvSpPr>
-          <p:cNvPr id="118" name="TextShape 3"/>
-          <p:cNvSpPr txBox="1"/>
+          <p:cNvPr id="115" name="CustomShape 3"/>
+          <p:cNvSpPr/>
           <p:nvPr/>
         </p:nvSpPr>
         <p:spPr>
           <a:xfrm>
             <a:off x="6375240" y="9252000"/>
-            <a:ext cx="241200" cy="380520"/>
-          </a:xfrm>
-          <a:prstGeom prst="rect">
-            <a:avLst/>
-          </a:prstGeom>
-        </p:spPr>
-        <p:txBody>
-          <a:bodyPr lIns="0" rIns="0" tIns="0" bIns="0"/>
-          <a:p>
-            <a:endParaRPr/>
-          </a:p>
-        </p:txBody>
+            <a:ext cx="240840" cy="380160"/>
+          </a:xfrm>
+          <a:prstGeom prst="rect">
+            <a:avLst/>
+          </a:prstGeom>
+          <a:noFill/>
+          <a:ln>
+            <a:noFill/>
+          </a:ln>
+        </p:spPr>
       </p:sp>
     </p:spTree>
   </p:cSld>
@@ -5569,40 +5356,22 @@
       </p:grpSpPr>
       <p:sp>
         <p:nvSpPr>
-          <p:cNvPr id="144" name="TextShape 1"/>
-          <p:cNvSpPr txBox="1"/>
+          <p:cNvPr id="141" name="CustomShape 1"/>
+          <p:cNvSpPr/>
           <p:nvPr/>
         </p:nvSpPr>
         <p:spPr>
           <a:xfrm>
-            <a:off x="6375240" y="9252000"/>
-            <a:ext cx="241200" cy="380520"/>
-          </a:xfrm>
-          <a:prstGeom prst="rect">
-            <a:avLst/>
-          </a:prstGeom>
-        </p:spPr>
-        <p:txBody>
-          <a:bodyPr lIns="0" rIns="0" tIns="0" bIns="0"/>
-          <a:p>
-            <a:endParaRPr/>
-          </a:p>
-        </p:txBody>
-      </p:sp>
-      <p:sp>
-        <p:nvSpPr>
-          <p:cNvPr id="145" name="TextShape 2"/>
-          <p:cNvSpPr txBox="1"/>
-          <p:nvPr/>
-        </p:nvSpPr>
-        <p:spPr>
-          <a:xfrm>
             <a:off x="952560" y="444600"/>
-            <a:ext cx="11099520" cy="2158560"/>
-          </a:xfrm>
-          <a:prstGeom prst="rect">
-            <a:avLst/>
-          </a:prstGeom>
+            <a:ext cx="11099160" cy="2158200"/>
+          </a:xfrm>
+          <a:prstGeom prst="rect">
+            <a:avLst/>
+          </a:prstGeom>
+          <a:noFill/>
+          <a:ln>
+            <a:noFill/>
+          </a:ln>
         </p:spPr>
         <p:txBody>
           <a:bodyPr lIns="0" rIns="0" tIns="0" bIns="0" anchor="ctr"/>
@@ -5617,15 +5386,85 @@
                 <a:latin typeface="Helvetica Light"/>
                 <a:ea typeface="Helvetica Light"/>
               </a:rPr>
-              <a:t>Caches</a:t>
-            </a:r>
-            <a:endParaRPr/>
-          </a:p>
-        </p:txBody>
+              <a:t>Content</a:t>
+            </a:r>
+            <a:endParaRPr/>
+          </a:p>
+        </p:txBody>
+      </p:sp>
+      <p:sp>
+        <p:nvSpPr>
+          <p:cNvPr id="142" name="CustomShape 2"/>
+          <p:cNvSpPr/>
+          <p:nvPr/>
+        </p:nvSpPr>
+        <p:spPr>
+          <a:xfrm>
+            <a:off x="952560" y="2603520"/>
+            <a:ext cx="11099160" cy="6285960"/>
+          </a:xfrm>
+          <a:prstGeom prst="rect">
+            <a:avLst/>
+          </a:prstGeom>
+          <a:noFill/>
+          <a:ln>
+            <a:noFill/>
+          </a:ln>
+        </p:spPr>
+        <p:txBody>
+          <a:bodyPr lIns="0" rIns="0" tIns="0" bIns="0" anchor="ctr"/>
+          <a:p>
+            <a:pPr>
+              <a:lnSpc>
+                <a:spcPct val="100000"/>
+              </a:lnSpc>
+              <a:buSzPct val="75000"/>
+              <a:buFont typeface="StarSymbol"/>
+              <a:buChar char="l"/>
+            </a:pPr>
+            <a:endParaRPr/>
+          </a:p>
+          <a:p>
+            <a:pPr>
+              <a:lnSpc>
+                <a:spcPct val="100000"/>
+              </a:lnSpc>
+            </a:pPr>
+            <a:endParaRPr/>
+          </a:p>
+          <a:p>
+            <a:pPr>
+              <a:lnSpc>
+                <a:spcPct val="100000"/>
+              </a:lnSpc>
+            </a:pPr>
+            <a:endParaRPr/>
+          </a:p>
+        </p:txBody>
+      </p:sp>
+      <p:sp>
+        <p:nvSpPr>
+          <p:cNvPr id="143" name="CustomShape 3"/>
+          <p:cNvSpPr/>
+          <p:nvPr/>
+        </p:nvSpPr>
+        <p:spPr>
+          <a:xfrm>
+            <a:off x="6375240" y="9252000"/>
+            <a:ext cx="240840" cy="380160"/>
+          </a:xfrm>
+          <a:prstGeom prst="rect">
+            <a:avLst/>
+          </a:prstGeom>
+          <a:noFill/>
+          <a:ln>
+            <a:noFill/>
+          </a:ln>
+        </p:spPr>
       </p:sp>
       <p:pic>
         <p:nvPicPr>
-          <p:cNvPr id="146" name="pasted-image.png" descr=""/>
+          <p:cNvPr id="144" name="" descr=""/>
           <p:cNvPicPr/>
           <p:nvPr/>
         </p:nvPicPr>
@@ -5637,13 +5476,13 @@
         </p:blipFill>
         <p:spPr>
           <a:xfrm>
-            <a:off x="2591640" y="2471400"/>
-            <a:ext cx="8699040" cy="5808240"/>
-          </a:xfrm>
-          <a:prstGeom prst="rect">
-            <a:avLst/>
-          </a:prstGeom>
-          <a:ln w="12600">
+            <a:off x="2232000" y="2722320"/>
+            <a:ext cx="8280000" cy="5341680"/>
+          </a:xfrm>
+          <a:prstGeom prst="rect">
+            <a:avLst/>
+          </a:prstGeom>
+          <a:ln>
             <a:noFill/>
           </a:ln>
         </p:spPr>
@@ -5699,40 +5538,22 @@
       </p:grpSpPr>
       <p:sp>
         <p:nvSpPr>
-          <p:cNvPr id="147" name="TextShape 1"/>
-          <p:cNvSpPr txBox="1"/>
+          <p:cNvPr id="145" name="CustomShape 1"/>
+          <p:cNvSpPr/>
           <p:nvPr/>
         </p:nvSpPr>
         <p:spPr>
           <a:xfrm>
-            <a:off x="6375240" y="9252000"/>
-            <a:ext cx="241200" cy="380520"/>
-          </a:xfrm>
-          <a:prstGeom prst="rect">
-            <a:avLst/>
-          </a:prstGeom>
-        </p:spPr>
-        <p:txBody>
-          <a:bodyPr lIns="0" rIns="0" tIns="0" bIns="0"/>
-          <a:p>
-            <a:endParaRPr/>
-          </a:p>
-        </p:txBody>
-      </p:sp>
-      <p:sp>
-        <p:nvSpPr>
-          <p:cNvPr id="148" name="TextShape 2"/>
-          <p:cNvSpPr txBox="1"/>
-          <p:nvPr/>
-        </p:nvSpPr>
-        <p:spPr>
-          <a:xfrm>
             <a:off x="952560" y="444600"/>
-            <a:ext cx="11099520" cy="2158560"/>
-          </a:xfrm>
-          <a:prstGeom prst="rect">
-            <a:avLst/>
-          </a:prstGeom>
+            <a:ext cx="11099160" cy="2158200"/>
+          </a:xfrm>
+          <a:prstGeom prst="rect">
+            <a:avLst/>
+          </a:prstGeom>
+          <a:noFill/>
+          <a:ln>
+            <a:noFill/>
+          </a:ln>
         </p:spPr>
         <p:txBody>
           <a:bodyPr lIns="0" rIns="0" tIns="0" bIns="0" anchor="ctr"/>
@@ -5747,55 +5568,172 @@
                 <a:latin typeface="Helvetica Light"/>
                 <a:ea typeface="Helvetica Light"/>
               </a:rPr>
-              <a:t>Caches</a:t>
-            </a:r>
-            <a:endParaRPr/>
-          </a:p>
-        </p:txBody>
-      </p:sp>
-      <p:pic>
-        <p:nvPicPr>
-          <p:cNvPr id="149" name="pasted-image.png" descr=""/>
-          <p:cNvPicPr/>
+              <a:t>Service</a:t>
+            </a:r>
+            <a:endParaRPr/>
+          </a:p>
+        </p:txBody>
+      </p:sp>
+      <p:sp>
+        <p:nvSpPr>
+          <p:cNvPr id="146" name="CustomShape 2"/>
+          <p:cNvSpPr/>
           <p:nvPr/>
-        </p:nvPicPr>
-        <p:blipFill>
-          <a:blip r:embed="rId1"/>
-          <a:stretch>
-            <a:fillRect/>
-          </a:stretch>
-        </p:blipFill>
-        <p:spPr>
-          <a:xfrm>
-            <a:off x="3368160" y="2187000"/>
-            <a:ext cx="6267960" cy="6339600"/>
-          </a:xfrm>
-          <a:prstGeom prst="rect">
-            <a:avLst/>
-          </a:prstGeom>
-          <a:ln w="12600">
+        </p:nvSpPr>
+        <p:spPr>
+          <a:xfrm>
+            <a:off x="952560" y="2603520"/>
+            <a:ext cx="11099160" cy="6285960"/>
+          </a:xfrm>
+          <a:prstGeom prst="rect">
+            <a:avLst/>
+          </a:prstGeom>
+          <a:noFill/>
+          <a:ln>
             <a:noFill/>
           </a:ln>
         </p:spPr>
-      </p:pic>
-      <p:sp>
-        <p:nvSpPr>
-          <p:cNvPr id="150" name="CustomShape 3"/>
+        <p:txBody>
+          <a:bodyPr lIns="0" rIns="0" tIns="0" bIns="0" anchor="ctr"/>
+          <a:p>
+            <a:pPr>
+              <a:lnSpc>
+                <a:spcPct val="100000"/>
+              </a:lnSpc>
+              <a:buSzPct val="75000"/>
+              <a:buFont typeface="StarSymbol"/>
+              <a:buChar char="l"/>
+            </a:pPr>
+            <a:r>
+              <a:rPr lang="en-GB" sz="3600">
+                <a:latin typeface="Helvetica Light"/>
+                <a:ea typeface="Helvetica Light"/>
+              </a:rPr>
+              <a:t>See everey component as own service</a:t>
+            </a:r>
+            <a:endParaRPr/>
+          </a:p>
+          <a:p>
+            <a:pPr>
+              <a:lnSpc>
+                <a:spcPct val="100000"/>
+              </a:lnSpc>
+              <a:buSzPct val="75000"/>
+              <a:buFont typeface="StarSymbol"/>
+              <a:buChar char="l"/>
+            </a:pPr>
+            <a:endParaRPr/>
+          </a:p>
+          <a:p>
+            <a:pPr>
+              <a:lnSpc>
+                <a:spcPct val="100000"/>
+              </a:lnSpc>
+              <a:buSzPct val="75000"/>
+              <a:buFont typeface="StarSymbol"/>
+              <a:buChar char="l"/>
+            </a:pPr>
+            <a:r>
+              <a:rPr lang="en-GB" sz="3600">
+                <a:latin typeface="Helvetica Light"/>
+                <a:ea typeface="Helvetica Light"/>
+              </a:rPr>
+              <a:t>Define clear interfaces</a:t>
+            </a:r>
+            <a:endParaRPr/>
+          </a:p>
+          <a:p>
+            <a:pPr>
+              <a:lnSpc>
+                <a:spcPct val="100000"/>
+              </a:lnSpc>
+              <a:buSzPct val="75000"/>
+              <a:buFont typeface="StarSymbol"/>
+              <a:buChar char="l"/>
+            </a:pPr>
+            <a:endParaRPr/>
+          </a:p>
+          <a:p>
+            <a:pPr>
+              <a:lnSpc>
+                <a:spcPct val="100000"/>
+              </a:lnSpc>
+              <a:buSzPct val="75000"/>
+              <a:buFont typeface="StarSymbol"/>
+              <a:buChar char="l"/>
+            </a:pPr>
+            <a:r>
+              <a:rPr lang="en-GB" sz="3600">
+                <a:latin typeface="Helvetica Light"/>
+                <a:ea typeface="Helvetica Light"/>
+              </a:rPr>
+              <a:t>Service Oriented Architectures (SOA)</a:t>
+            </a:r>
+            <a:endParaRPr/>
+          </a:p>
+          <a:p>
+            <a:pPr>
+              <a:lnSpc>
+                <a:spcPct val="100000"/>
+              </a:lnSpc>
+              <a:buSzPct val="75000"/>
+              <a:buFont typeface="StarSymbol"/>
+              <a:buChar char="l"/>
+            </a:pPr>
+            <a:endParaRPr/>
+          </a:p>
+          <a:p>
+            <a:pPr>
+              <a:lnSpc>
+                <a:spcPct val="100000"/>
+              </a:lnSpc>
+              <a:buSzPct val="75000"/>
+              <a:buFont typeface="StarSymbol"/>
+              <a:buChar char="l"/>
+            </a:pPr>
+            <a:r>
+              <a:rPr lang="en-GB" sz="3600">
+                <a:latin typeface="Helvetica Light"/>
+                <a:ea typeface="Helvetica Light"/>
+              </a:rPr>
+              <a:t>Public-Facing API's</a:t>
+            </a:r>
+            <a:endParaRPr/>
+          </a:p>
+          <a:p>
+            <a:pPr>
+              <a:lnSpc>
+                <a:spcPct val="100000"/>
+              </a:lnSpc>
+            </a:pPr>
+            <a:endParaRPr/>
+          </a:p>
+          <a:p>
+            <a:pPr>
+              <a:lnSpc>
+                <a:spcPct val="100000"/>
+              </a:lnSpc>
+            </a:pPr>
+            <a:endParaRPr/>
+          </a:p>
+        </p:txBody>
+      </p:sp>
+      <p:sp>
+        <p:nvSpPr>
+          <p:cNvPr id="147" name="CustomShape 3"/>
           <p:cNvSpPr/>
           <p:nvPr/>
         </p:nvSpPr>
         <p:spPr>
           <a:xfrm>
-            <a:off x="3140640" y="1962000"/>
-            <a:ext cx="3473280" cy="1180440"/>
-          </a:xfrm>
-          <a:prstGeom prst="rect">
-            <a:avLst/>
-          </a:prstGeom>
-          <a:solidFill>
-            <a:srgbClr val="ffffff"/>
-          </a:solidFill>
-          <a:ln w="12600">
+            <a:off x="6375240" y="9252000"/>
+            <a:ext cx="240840" cy="380160"/>
+          </a:xfrm>
+          <a:prstGeom prst="rect">
+            <a:avLst/>
+          </a:prstGeom>
+          <a:noFill/>
+          <a:ln>
             <a:noFill/>
           </a:ln>
         </p:spPr>
@@ -5851,40 +5789,22 @@
       </p:grpSpPr>
       <p:sp>
         <p:nvSpPr>
-          <p:cNvPr id="151" name="TextShape 1"/>
-          <p:cNvSpPr txBox="1"/>
+          <p:cNvPr id="148" name="CustomShape 1"/>
+          <p:cNvSpPr/>
           <p:nvPr/>
         </p:nvSpPr>
         <p:spPr>
           <a:xfrm>
-            <a:off x="6375240" y="9252000"/>
-            <a:ext cx="241200" cy="380520"/>
-          </a:xfrm>
-          <a:prstGeom prst="rect">
-            <a:avLst/>
-          </a:prstGeom>
-        </p:spPr>
-        <p:txBody>
-          <a:bodyPr lIns="0" rIns="0" tIns="0" bIns="0"/>
-          <a:p>
-            <a:endParaRPr/>
-          </a:p>
-        </p:txBody>
-      </p:sp>
-      <p:sp>
-        <p:nvSpPr>
-          <p:cNvPr id="152" name="TextShape 2"/>
-          <p:cNvSpPr txBox="1"/>
-          <p:nvPr/>
-        </p:nvSpPr>
-        <p:spPr>
-          <a:xfrm>
             <a:off x="952560" y="444600"/>
-            <a:ext cx="11099520" cy="2158560"/>
-          </a:xfrm>
-          <a:prstGeom prst="rect">
-            <a:avLst/>
-          </a:prstGeom>
+            <a:ext cx="11099160" cy="2158200"/>
+          </a:xfrm>
+          <a:prstGeom prst="rect">
+            <a:avLst/>
+          </a:prstGeom>
+          <a:noFill/>
+          <a:ln>
+            <a:noFill/>
+          </a:ln>
         </p:spPr>
         <p:txBody>
           <a:bodyPr lIns="0" rIns="0" tIns="0" bIns="0" anchor="ctr"/>
@@ -5899,15 +5819,85 @@
                 <a:latin typeface="Helvetica Light"/>
                 <a:ea typeface="Helvetica Light"/>
               </a:rPr>
-              <a:t>Global Caches</a:t>
-            </a:r>
-            <a:endParaRPr/>
-          </a:p>
-        </p:txBody>
+              <a:t>Service</a:t>
+            </a:r>
+            <a:endParaRPr/>
+          </a:p>
+        </p:txBody>
+      </p:sp>
+      <p:sp>
+        <p:nvSpPr>
+          <p:cNvPr id="149" name="CustomShape 2"/>
+          <p:cNvSpPr/>
+          <p:nvPr/>
+        </p:nvSpPr>
+        <p:spPr>
+          <a:xfrm>
+            <a:off x="952560" y="2603520"/>
+            <a:ext cx="11099160" cy="6285960"/>
+          </a:xfrm>
+          <a:prstGeom prst="rect">
+            <a:avLst/>
+          </a:prstGeom>
+          <a:noFill/>
+          <a:ln>
+            <a:noFill/>
+          </a:ln>
+        </p:spPr>
+        <p:txBody>
+          <a:bodyPr lIns="0" rIns="0" tIns="0" bIns="0" anchor="ctr"/>
+          <a:p>
+            <a:pPr>
+              <a:lnSpc>
+                <a:spcPct val="100000"/>
+              </a:lnSpc>
+              <a:buSzPct val="75000"/>
+              <a:buFont typeface="StarSymbol"/>
+              <a:buChar char="l"/>
+            </a:pPr>
+            <a:endParaRPr/>
+          </a:p>
+          <a:p>
+            <a:pPr>
+              <a:lnSpc>
+                <a:spcPct val="100000"/>
+              </a:lnSpc>
+            </a:pPr>
+            <a:endParaRPr/>
+          </a:p>
+          <a:p>
+            <a:pPr>
+              <a:lnSpc>
+                <a:spcPct val="100000"/>
+              </a:lnSpc>
+            </a:pPr>
+            <a:endParaRPr/>
+          </a:p>
+        </p:txBody>
+      </p:sp>
+      <p:sp>
+        <p:nvSpPr>
+          <p:cNvPr id="150" name="CustomShape 3"/>
+          <p:cNvSpPr/>
+          <p:nvPr/>
+        </p:nvSpPr>
+        <p:spPr>
+          <a:xfrm>
+            <a:off x="6375240" y="9252000"/>
+            <a:ext cx="240840" cy="380160"/>
+          </a:xfrm>
+          <a:prstGeom prst="rect">
+            <a:avLst/>
+          </a:prstGeom>
+          <a:noFill/>
+          <a:ln>
+            <a:noFill/>
+          </a:ln>
+        </p:spPr>
       </p:sp>
       <p:pic>
         <p:nvPicPr>
-          <p:cNvPr id="153" name="pasted-image.png" descr=""/>
+          <p:cNvPr id="151" name="" descr=""/>
           <p:cNvPicPr/>
           <p:nvPr/>
         </p:nvPicPr>
@@ -5919,13 +5909,13 @@
         </p:blipFill>
         <p:spPr>
           <a:xfrm>
-            <a:off x="1473120" y="2749680"/>
-            <a:ext cx="10058040" cy="6006600"/>
-          </a:xfrm>
-          <a:prstGeom prst="rect">
-            <a:avLst/>
-          </a:prstGeom>
-          <a:ln w="12600">
+            <a:off x="2088000" y="2520000"/>
+            <a:ext cx="8674560" cy="5475960"/>
+          </a:xfrm>
+          <a:prstGeom prst="rect">
+            <a:avLst/>
+          </a:prstGeom>
+          <a:ln>
             <a:noFill/>
           </a:ln>
         </p:spPr>
@@ -5981,40 +5971,22 @@
       </p:grpSpPr>
       <p:sp>
         <p:nvSpPr>
-          <p:cNvPr id="154" name="TextShape 1"/>
-          <p:cNvSpPr txBox="1"/>
+          <p:cNvPr id="152" name="CustomShape 1"/>
+          <p:cNvSpPr/>
           <p:nvPr/>
         </p:nvSpPr>
         <p:spPr>
           <a:xfrm>
-            <a:off x="6375240" y="9252000"/>
-            <a:ext cx="241200" cy="380520"/>
-          </a:xfrm>
-          <a:prstGeom prst="rect">
-            <a:avLst/>
-          </a:prstGeom>
-        </p:spPr>
-        <p:txBody>
-          <a:bodyPr lIns="0" rIns="0" tIns="0" bIns="0"/>
-          <a:p>
-            <a:endParaRPr/>
-          </a:p>
-        </p:txBody>
-      </p:sp>
-      <p:sp>
-        <p:nvSpPr>
-          <p:cNvPr id="155" name="TextShape 2"/>
-          <p:cNvSpPr txBox="1"/>
-          <p:nvPr/>
-        </p:nvSpPr>
-        <p:spPr>
-          <a:xfrm>
             <a:off x="952560" y="444600"/>
-            <a:ext cx="11099520" cy="2158560"/>
-          </a:xfrm>
-          <a:prstGeom prst="rect">
-            <a:avLst/>
-          </a:prstGeom>
+            <a:ext cx="11099160" cy="2158200"/>
+          </a:xfrm>
+          <a:prstGeom prst="rect">
+            <a:avLst/>
+          </a:prstGeom>
+          <a:noFill/>
+          <a:ln>
+            <a:noFill/>
+          </a:ln>
         </p:spPr>
         <p:txBody>
           <a:bodyPr lIns="0" rIns="0" tIns="0" bIns="0" anchor="ctr"/>
@@ -6029,37 +6001,163 @@
                 <a:latin typeface="Helvetica Light"/>
                 <a:ea typeface="Helvetica Light"/>
               </a:rPr>
-              <a:t>Global Cache</a:t>
-            </a:r>
-            <a:endParaRPr/>
-          </a:p>
-        </p:txBody>
-      </p:sp>
-      <p:pic>
-        <p:nvPicPr>
-          <p:cNvPr id="156" name="pasted-image.png" descr=""/>
-          <p:cNvPicPr/>
+              <a:t>Scheduling Algorithm</a:t>
+            </a:r>
+            <a:endParaRPr/>
+          </a:p>
+        </p:txBody>
+      </p:sp>
+      <p:sp>
+        <p:nvSpPr>
+          <p:cNvPr id="153" name="CustomShape 2"/>
+          <p:cNvSpPr/>
           <p:nvPr/>
-        </p:nvPicPr>
-        <p:blipFill>
-          <a:blip r:embed="rId1"/>
-          <a:stretch>
-            <a:fillRect/>
-          </a:stretch>
-        </p:blipFill>
-        <p:spPr>
-          <a:xfrm>
-            <a:off x="3206160" y="2326680"/>
-            <a:ext cx="7835400" cy="6006600"/>
-          </a:xfrm>
-          <a:prstGeom prst="rect">
-            <a:avLst/>
-          </a:prstGeom>
-          <a:ln w="12600">
+        </p:nvSpPr>
+        <p:spPr>
+          <a:xfrm>
+            <a:off x="952560" y="2603520"/>
+            <a:ext cx="11099160" cy="6285960"/>
+          </a:xfrm>
+          <a:prstGeom prst="rect">
+            <a:avLst/>
+          </a:prstGeom>
+          <a:noFill/>
+          <a:ln>
             <a:noFill/>
           </a:ln>
         </p:spPr>
-      </p:pic>
+        <p:txBody>
+          <a:bodyPr lIns="0" rIns="0" tIns="0" bIns="0" anchor="ctr"/>
+          <a:p>
+            <a:pPr>
+              <a:lnSpc>
+                <a:spcPct val="100000"/>
+              </a:lnSpc>
+              <a:buSzPct val="75000"/>
+              <a:buFont typeface="StarSymbol"/>
+              <a:buChar char="l"/>
+            </a:pPr>
+            <a:r>
+              <a:rPr lang="en-GB" sz="3600">
+                <a:latin typeface="Helvetica Light"/>
+                <a:ea typeface="Helvetica Light"/>
+              </a:rPr>
+              <a:t>Round Robin</a:t>
+            </a:r>
+            <a:endParaRPr/>
+          </a:p>
+          <a:p>
+            <a:pPr>
+              <a:lnSpc>
+                <a:spcPct val="100000"/>
+              </a:lnSpc>
+              <a:buSzPct val="75000"/>
+              <a:buFont typeface="StarSymbol"/>
+              <a:buChar char="l"/>
+            </a:pPr>
+            <a:r>
+              <a:rPr lang="en-GB" sz="3600">
+                <a:latin typeface="Helvetica Light"/>
+                <a:ea typeface="Helvetica Light"/>
+              </a:rPr>
+              <a:t>Weighed Round Robin</a:t>
+            </a:r>
+            <a:endParaRPr/>
+          </a:p>
+          <a:p>
+            <a:pPr>
+              <a:lnSpc>
+                <a:spcPct val="100000"/>
+              </a:lnSpc>
+              <a:buSzPct val="75000"/>
+              <a:buFont typeface="StarSymbol"/>
+              <a:buChar char="l"/>
+            </a:pPr>
+            <a:r>
+              <a:rPr lang="en-GB" sz="3600">
+                <a:latin typeface="Helvetica Light"/>
+                <a:ea typeface="Helvetica Light"/>
+              </a:rPr>
+              <a:t>Last Connection</a:t>
+            </a:r>
+            <a:endParaRPr/>
+          </a:p>
+          <a:p>
+            <a:pPr>
+              <a:lnSpc>
+                <a:spcPct val="100000"/>
+              </a:lnSpc>
+              <a:buSzPct val="75000"/>
+              <a:buFont typeface="StarSymbol"/>
+              <a:buChar char="l"/>
+            </a:pPr>
+            <a:r>
+              <a:rPr lang="en-GB" sz="3600">
+                <a:latin typeface="Helvetica Light"/>
+                <a:ea typeface="Helvetica Light"/>
+              </a:rPr>
+              <a:t>Least Connected Slow Start Time</a:t>
+            </a:r>
+            <a:endParaRPr/>
+          </a:p>
+          <a:p>
+            <a:pPr>
+              <a:lnSpc>
+                <a:spcPct val="100000"/>
+              </a:lnSpc>
+              <a:buSzPct val="75000"/>
+              <a:buFont typeface="StarSymbol"/>
+              <a:buChar char="l"/>
+            </a:pPr>
+            <a:r>
+              <a:rPr lang="en-GB" sz="3600">
+                <a:latin typeface="Helvetica Light"/>
+                <a:ea typeface="Helvetica Light"/>
+              </a:rPr>
+              <a:t>Weighed Least Connected</a:t>
+            </a:r>
+            <a:endParaRPr/>
+          </a:p>
+          <a:p>
+            <a:pPr>
+              <a:lnSpc>
+                <a:spcPct val="100000"/>
+              </a:lnSpc>
+              <a:buSzPct val="75000"/>
+              <a:buFont typeface="StarSymbol"/>
+              <a:buChar char="l"/>
+            </a:pPr>
+            <a:r>
+              <a:rPr lang="en-GB" sz="3600">
+                <a:latin typeface="Helvetica Light"/>
+                <a:ea typeface="Helvetica Light"/>
+              </a:rPr>
+              <a:t>Agent Based Adaptive </a:t>
+            </a:r>
+            <a:endParaRPr/>
+          </a:p>
+        </p:txBody>
+      </p:sp>
+      <p:sp>
+        <p:nvSpPr>
+          <p:cNvPr id="154" name="CustomShape 3"/>
+          <p:cNvSpPr/>
+          <p:nvPr/>
+        </p:nvSpPr>
+        <p:spPr>
+          <a:xfrm>
+            <a:off x="6375240" y="9252000"/>
+            <a:ext cx="240840" cy="380160"/>
+          </a:xfrm>
+          <a:prstGeom prst="rect">
+            <a:avLst/>
+          </a:prstGeom>
+          <a:noFill/>
+          <a:ln>
+            <a:noFill/>
+          </a:ln>
+        </p:spPr>
+      </p:sp>
     </p:spTree>
   </p:cSld>
   <p:timing>
@@ -6111,40 +6209,42 @@
       </p:grpSpPr>
       <p:sp>
         <p:nvSpPr>
-          <p:cNvPr id="157" name="TextShape 1"/>
-          <p:cNvSpPr txBox="1"/>
+          <p:cNvPr id="155" name="CustomShape 1"/>
+          <p:cNvSpPr/>
           <p:nvPr/>
         </p:nvSpPr>
         <p:spPr>
           <a:xfrm>
-            <a:off x="6311880" y="9252000"/>
-            <a:ext cx="368280" cy="380520"/>
-          </a:xfrm>
-          <a:prstGeom prst="rect">
-            <a:avLst/>
-          </a:prstGeom>
-        </p:spPr>
-        <p:txBody>
-          <a:bodyPr lIns="0" rIns="0" tIns="0" bIns="0"/>
-          <a:p>
-            <a:endParaRPr/>
-          </a:p>
-        </p:txBody>
-      </p:sp>
-      <p:sp>
-        <p:nvSpPr>
-          <p:cNvPr id="158" name="TextShape 2"/>
-          <p:cNvSpPr txBox="1"/>
+            <a:off x="6375240" y="9252000"/>
+            <a:ext cx="240840" cy="380160"/>
+          </a:xfrm>
+          <a:prstGeom prst="rect">
+            <a:avLst/>
+          </a:prstGeom>
+          <a:noFill/>
+          <a:ln>
+            <a:noFill/>
+          </a:ln>
+        </p:spPr>
+      </p:sp>
+      <p:sp>
+        <p:nvSpPr>
+          <p:cNvPr id="156" name="CustomShape 2"/>
+          <p:cNvSpPr/>
           <p:nvPr/>
         </p:nvSpPr>
         <p:spPr>
           <a:xfrm>
             <a:off x="952560" y="444600"/>
-            <a:ext cx="11099520" cy="2158560"/>
-          </a:xfrm>
-          <a:prstGeom prst="rect">
-            <a:avLst/>
-          </a:prstGeom>
+            <a:ext cx="11099160" cy="2158200"/>
+          </a:xfrm>
+          <a:prstGeom prst="rect">
+            <a:avLst/>
+          </a:prstGeom>
+          <a:noFill/>
+          <a:ln>
+            <a:noFill/>
+          </a:ln>
         </p:spPr>
         <p:txBody>
           <a:bodyPr lIns="0" rIns="0" tIns="0" bIns="0" anchor="ctr"/>
@@ -6159,7 +6259,7 @@
                 <a:latin typeface="Helvetica Light"/>
                 <a:ea typeface="Helvetica Light"/>
               </a:rPr>
-              <a:t>Distributed Cache</a:t>
+              <a:t>Caches</a:t>
             </a:r>
             <a:endParaRPr/>
           </a:p>
@@ -6167,7 +6267,7 @@
       </p:sp>
       <p:pic>
         <p:nvPicPr>
-          <p:cNvPr id="159" name="pasted-image.png" descr=""/>
+          <p:cNvPr id="157" name="pasted-image.png" descr=""/>
           <p:cNvPicPr/>
           <p:nvPr/>
         </p:nvPicPr>
@@ -6179,8 +6279,8 @@
         </p:blipFill>
         <p:spPr>
           <a:xfrm>
-            <a:off x="3180600" y="2343600"/>
-            <a:ext cx="6643080" cy="6818400"/>
+            <a:off x="2591640" y="2471400"/>
+            <a:ext cx="8698680" cy="5807880"/>
           </a:xfrm>
           <a:prstGeom prst="rect">
             <a:avLst/>
@@ -6241,40 +6341,42 @@
       </p:grpSpPr>
       <p:sp>
         <p:nvSpPr>
-          <p:cNvPr id="160" name="TextShape 1"/>
-          <p:cNvSpPr txBox="1"/>
+          <p:cNvPr id="158" name="CustomShape 1"/>
+          <p:cNvSpPr/>
           <p:nvPr/>
         </p:nvSpPr>
         <p:spPr>
           <a:xfrm>
-            <a:off x="6311880" y="9252000"/>
-            <a:ext cx="368280" cy="380520"/>
-          </a:xfrm>
-          <a:prstGeom prst="rect">
-            <a:avLst/>
-          </a:prstGeom>
-        </p:spPr>
-        <p:txBody>
-          <a:bodyPr lIns="0" rIns="0" tIns="0" bIns="0"/>
-          <a:p>
-            <a:endParaRPr/>
-          </a:p>
-        </p:txBody>
-      </p:sp>
-      <p:sp>
-        <p:nvSpPr>
-          <p:cNvPr id="161" name="TextShape 2"/>
-          <p:cNvSpPr txBox="1"/>
+            <a:off x="6375240" y="9252000"/>
+            <a:ext cx="240840" cy="380160"/>
+          </a:xfrm>
+          <a:prstGeom prst="rect">
+            <a:avLst/>
+          </a:prstGeom>
+          <a:noFill/>
+          <a:ln>
+            <a:noFill/>
+          </a:ln>
+        </p:spPr>
+      </p:sp>
+      <p:sp>
+        <p:nvSpPr>
+          <p:cNvPr id="159" name="CustomShape 2"/>
+          <p:cNvSpPr/>
           <p:nvPr/>
         </p:nvSpPr>
         <p:spPr>
           <a:xfrm>
             <a:off x="952560" y="444600"/>
-            <a:ext cx="11099520" cy="2158560"/>
-          </a:xfrm>
-          <a:prstGeom prst="rect">
-            <a:avLst/>
-          </a:prstGeom>
+            <a:ext cx="11099160" cy="2158200"/>
+          </a:xfrm>
+          <a:prstGeom prst="rect">
+            <a:avLst/>
+          </a:prstGeom>
+          <a:noFill/>
+          <a:ln>
+            <a:noFill/>
+          </a:ln>
         </p:spPr>
         <p:txBody>
           <a:bodyPr lIns="0" rIns="0" tIns="0" bIns="0" anchor="ctr"/>
@@ -6289,7 +6391,7 @@
                 <a:latin typeface="Helvetica Light"/>
                 <a:ea typeface="Helvetica Light"/>
               </a:rPr>
-              <a:t>Queue</a:t>
+              <a:t>Caches</a:t>
             </a:r>
             <a:endParaRPr/>
           </a:p>
@@ -6297,7 +6399,7 @@
       </p:sp>
       <p:pic>
         <p:nvPicPr>
-          <p:cNvPr id="162" name="queue1.png" descr=""/>
+          <p:cNvPr id="160" name="pasted-image.png" descr=""/>
           <p:cNvPicPr/>
           <p:nvPr/>
         </p:nvPicPr>
@@ -6309,8 +6411,8 @@
         </p:blipFill>
         <p:spPr>
           <a:xfrm>
-            <a:off x="2911320" y="2074320"/>
-            <a:ext cx="8299440" cy="6700320"/>
+            <a:off x="3368160" y="2187000"/>
+            <a:ext cx="6267600" cy="6339240"/>
           </a:xfrm>
           <a:prstGeom prst="rect">
             <a:avLst/>
@@ -6322,14 +6424,14 @@
       </p:pic>
       <p:sp>
         <p:nvSpPr>
-          <p:cNvPr id="163" name="CustomShape 3"/>
+          <p:cNvPr id="161" name="CustomShape 3"/>
           <p:cNvSpPr/>
           <p:nvPr/>
         </p:nvSpPr>
         <p:spPr>
           <a:xfrm>
-            <a:off x="7862040" y="2218320"/>
-            <a:ext cx="3715920" cy="1602720"/>
+            <a:off x="3140640" y="1962000"/>
+            <a:ext cx="3472920" cy="1180080"/>
           </a:xfrm>
           <a:prstGeom prst="rect">
             <a:avLst/>
@@ -6393,40 +6495,42 @@
       </p:grpSpPr>
       <p:sp>
         <p:nvSpPr>
-          <p:cNvPr id="164" name="TextShape 1"/>
-          <p:cNvSpPr txBox="1"/>
+          <p:cNvPr id="162" name="CustomShape 1"/>
+          <p:cNvSpPr/>
           <p:nvPr/>
         </p:nvSpPr>
         <p:spPr>
           <a:xfrm>
-            <a:off x="6311880" y="9252000"/>
-            <a:ext cx="368280" cy="380520"/>
-          </a:xfrm>
-          <a:prstGeom prst="rect">
-            <a:avLst/>
-          </a:prstGeom>
-        </p:spPr>
-        <p:txBody>
-          <a:bodyPr lIns="0" rIns="0" tIns="0" bIns="0"/>
-          <a:p>
-            <a:endParaRPr/>
-          </a:p>
-        </p:txBody>
-      </p:sp>
-      <p:sp>
-        <p:nvSpPr>
-          <p:cNvPr id="165" name="TextShape 2"/>
-          <p:cNvSpPr txBox="1"/>
+            <a:off x="6375240" y="9252000"/>
+            <a:ext cx="240840" cy="380160"/>
+          </a:xfrm>
+          <a:prstGeom prst="rect">
+            <a:avLst/>
+          </a:prstGeom>
+          <a:noFill/>
+          <a:ln>
+            <a:noFill/>
+          </a:ln>
+        </p:spPr>
+      </p:sp>
+      <p:sp>
+        <p:nvSpPr>
+          <p:cNvPr id="163" name="CustomShape 2"/>
+          <p:cNvSpPr/>
           <p:nvPr/>
         </p:nvSpPr>
         <p:spPr>
           <a:xfrm>
             <a:off x="952560" y="444600"/>
-            <a:ext cx="11099520" cy="2158560"/>
-          </a:xfrm>
-          <a:prstGeom prst="rect">
-            <a:avLst/>
-          </a:prstGeom>
+            <a:ext cx="11099160" cy="2158200"/>
+          </a:xfrm>
+          <a:prstGeom prst="rect">
+            <a:avLst/>
+          </a:prstGeom>
+          <a:noFill/>
+          <a:ln>
+            <a:noFill/>
+          </a:ln>
         </p:spPr>
         <p:txBody>
           <a:bodyPr lIns="0" rIns="0" tIns="0" bIns="0" anchor="ctr"/>
@@ -6441,7 +6545,7 @@
                 <a:latin typeface="Helvetica Light"/>
                 <a:ea typeface="Helvetica Light"/>
               </a:rPr>
-              <a:t>Queue</a:t>
+              <a:t>Global Caches</a:t>
             </a:r>
             <a:endParaRPr/>
           </a:p>
@@ -6449,7 +6553,7 @@
       </p:sp>
       <p:pic>
         <p:nvPicPr>
-          <p:cNvPr id="166" name="queue2.png" descr=""/>
+          <p:cNvPr id="164" name="pasted-image.png" descr=""/>
           <p:cNvPicPr/>
           <p:nvPr/>
         </p:nvPicPr>
@@ -6461,8 +6565,8 @@
         </p:blipFill>
         <p:spPr>
           <a:xfrm>
-            <a:off x="2031120" y="2425680"/>
-            <a:ext cx="9498600" cy="5847480"/>
+            <a:off x="1473120" y="2749680"/>
+            <a:ext cx="10057680" cy="6006240"/>
           </a:xfrm>
           <a:prstGeom prst="rect">
             <a:avLst/>
@@ -6523,18 +6627,42 @@
       </p:grpSpPr>
       <p:sp>
         <p:nvSpPr>
-          <p:cNvPr id="167" name="TextShape 1"/>
-          <p:cNvSpPr txBox="1"/>
+          <p:cNvPr id="165" name="CustomShape 1"/>
+          <p:cNvSpPr/>
           <p:nvPr/>
         </p:nvSpPr>
         <p:spPr>
           <a:xfrm>
+            <a:off x="6375240" y="9252000"/>
+            <a:ext cx="240840" cy="380160"/>
+          </a:xfrm>
+          <a:prstGeom prst="rect">
+            <a:avLst/>
+          </a:prstGeom>
+          <a:noFill/>
+          <a:ln>
+            <a:noFill/>
+          </a:ln>
+        </p:spPr>
+      </p:sp>
+      <p:sp>
+        <p:nvSpPr>
+          <p:cNvPr id="166" name="CustomShape 2"/>
+          <p:cNvSpPr/>
+          <p:nvPr/>
+        </p:nvSpPr>
+        <p:spPr>
+          <a:xfrm>
             <a:off x="952560" y="444600"/>
-            <a:ext cx="11099520" cy="2158560"/>
-          </a:xfrm>
-          <a:prstGeom prst="rect">
-            <a:avLst/>
-          </a:prstGeom>
+            <a:ext cx="11099160" cy="2158200"/>
+          </a:xfrm>
+          <a:prstGeom prst="rect">
+            <a:avLst/>
+          </a:prstGeom>
+          <a:noFill/>
+          <a:ln>
+            <a:noFill/>
+          </a:ln>
         </p:spPr>
         <p:txBody>
           <a:bodyPr lIns="0" rIns="0" tIns="0" bIns="0" anchor="ctr"/>
@@ -6549,125 +6677,37 @@
                 <a:latin typeface="Helvetica Light"/>
                 <a:ea typeface="Helvetica Light"/>
               </a:rPr>
-              <a:t>Mega Proxy Problem</a:t>
-            </a:r>
-            <a:endParaRPr/>
-          </a:p>
-        </p:txBody>
-      </p:sp>
-      <p:sp>
-        <p:nvSpPr>
-          <p:cNvPr id="168" name="TextShape 2"/>
-          <p:cNvSpPr txBox="1"/>
+              <a:t>Global Cache</a:t>
+            </a:r>
+            <a:endParaRPr/>
+          </a:p>
+        </p:txBody>
+      </p:sp>
+      <p:pic>
+        <p:nvPicPr>
+          <p:cNvPr id="167" name="pasted-image.png" descr=""/>
+          <p:cNvPicPr/>
           <p:nvPr/>
-        </p:nvSpPr>
-        <p:spPr>
-          <a:xfrm>
-            <a:off x="952560" y="2603520"/>
-            <a:ext cx="11099520" cy="6286320"/>
-          </a:xfrm>
-          <a:prstGeom prst="rect">
-            <a:avLst/>
-          </a:prstGeom>
-        </p:spPr>
-        <p:txBody>
-          <a:bodyPr lIns="0" rIns="0" tIns="0" bIns="0" anchor="ctr"/>
-          <a:p>
-            <a:pPr>
-              <a:lnSpc>
-                <a:spcPct val="100000"/>
-              </a:lnSpc>
-              <a:buSzPct val="75000"/>
-              <a:buFont typeface="StarSymbol"/>
-              <a:buChar char=""/>
-            </a:pPr>
-            <a:r>
-              <a:rPr lang="en-GB" sz="3600">
-                <a:latin typeface="Helvetica Light"/>
-                <a:ea typeface="Helvetica Light"/>
-              </a:rPr>
-              <a:t>Load Balancing Problem</a:t>
-            </a:r>
-            <a:endParaRPr/>
-          </a:p>
-          <a:p>
-            <a:pPr>
-              <a:lnSpc>
-                <a:spcPct val="100000"/>
-              </a:lnSpc>
-              <a:buSzPct val="75000"/>
-              <a:buFont typeface="StarSymbol"/>
-              <a:buChar char=""/>
-            </a:pPr>
-            <a:r>
-              <a:rPr lang="en-GB" sz="3600">
-                <a:latin typeface="Helvetica Light"/>
-                <a:ea typeface="Helvetica Light"/>
-              </a:rPr>
-              <a:t>Proxy Server</a:t>
-            </a:r>
-            <a:endParaRPr/>
-          </a:p>
-          <a:p>
-            <a:pPr>
-              <a:lnSpc>
-                <a:spcPct val="100000"/>
-              </a:lnSpc>
-              <a:buSzPct val="75000"/>
-              <a:buFont typeface="StarSymbol"/>
-              <a:buChar char=""/>
-            </a:pPr>
-            <a:r>
-              <a:rPr lang="en-GB" sz="3600">
-                <a:latin typeface="Helvetica Light"/>
-                <a:ea typeface="Helvetica Light"/>
-              </a:rPr>
-              <a:t>Single source IP</a:t>
-            </a:r>
-            <a:endParaRPr/>
-          </a:p>
-          <a:p>
-            <a:pPr>
-              <a:lnSpc>
-                <a:spcPct val="100000"/>
-              </a:lnSpc>
-              <a:buSzPct val="75000"/>
-              <a:buFont typeface="StarSymbol"/>
-              <a:buChar char=""/>
-            </a:pPr>
-            <a:r>
-              <a:rPr lang="en-GB" sz="3600">
-                <a:latin typeface="Helvetica Light"/>
-                <a:ea typeface="Helvetica Light"/>
-              </a:rPr>
-              <a:t>Group virtual sources</a:t>
-            </a:r>
-            <a:endParaRPr/>
-          </a:p>
-        </p:txBody>
-      </p:sp>
-      <p:sp>
-        <p:nvSpPr>
-          <p:cNvPr id="169" name="TextShape 3"/>
-          <p:cNvSpPr txBox="1"/>
-          <p:nvPr/>
-        </p:nvSpPr>
-        <p:spPr>
-          <a:xfrm>
-            <a:off x="6375240" y="9252000"/>
-            <a:ext cx="241200" cy="380520"/>
-          </a:xfrm>
-          <a:prstGeom prst="rect">
-            <a:avLst/>
-          </a:prstGeom>
-        </p:spPr>
-        <p:txBody>
-          <a:bodyPr lIns="0" rIns="0" tIns="0" bIns="0"/>
-          <a:p>
-            <a:endParaRPr/>
-          </a:p>
-        </p:txBody>
-      </p:sp>
+        </p:nvPicPr>
+        <p:blipFill>
+          <a:blip r:embed="rId1"/>
+          <a:stretch>
+            <a:fillRect/>
+          </a:stretch>
+        </p:blipFill>
+        <p:spPr>
+          <a:xfrm>
+            <a:off x="3206160" y="2326680"/>
+            <a:ext cx="7835040" cy="6006240"/>
+          </a:xfrm>
+          <a:prstGeom prst="rect">
+            <a:avLst/>
+          </a:prstGeom>
+          <a:ln w="12600">
+            <a:noFill/>
+          </a:ln>
+        </p:spPr>
+      </p:pic>
     </p:spTree>
   </p:cSld>
   <p:timing>
@@ -6677,6 +6717,292 @@
           <p:childTnLst>
             <p:seq>
               <p:cTn id="34" nodeType="mainSeq"/>
+              <p:prevCondLst>
+                <p:cond delay="0" evt="onPrev">
+                  <p:tgtEl>
+                    <p:sldTgt/>
+                  </p:tgtEl>
+                </p:cond>
+              </p:prevCondLst>
+              <p:nextCondLst>
+                <p:cond delay="0" evt="onNext">
+                  <p:tgtEl>
+                    <p:sldTgt/>
+                  </p:tgtEl>
+                </p:cond>
+              </p:nextCondLst>
+            </p:seq>
+          </p:childTnLst>
+        </p:cTn>
+      </p:par>
+    </p:tnLst>
+  </p:timing>
+</p:sld>
+</file>
+
+<file path=ppt/slides/slide18.xml><?xml version="1.0" encoding="utf-8"?>
+<p:sld xmlns:a="http://schemas.openxmlformats.org/drawingml/2006/main" xmlns:p="http://schemas.openxmlformats.org/presentationml/2006/main" xmlns:r="http://schemas.openxmlformats.org/officeDocument/2006/relationships">
+  <p:cSld>
+    <p:spTree>
+      <p:nvGrpSpPr>
+        <p:cNvPr id="1" name=""/>
+        <p:cNvGrpSpPr/>
+        <p:nvPr/>
+      </p:nvGrpSpPr>
+      <p:grpSpPr>
+        <a:xfrm>
+          <a:off x="0" y="0"/>
+          <a:ext cx="0" cy="0"/>
+          <a:chOff x="0" y="0"/>
+          <a:chExt cx="0" cy="0"/>
+        </a:xfrm>
+      </p:grpSpPr>
+      <p:sp>
+        <p:nvSpPr>
+          <p:cNvPr id="168" name="CustomShape 1"/>
+          <p:cNvSpPr/>
+          <p:nvPr/>
+        </p:nvSpPr>
+        <p:spPr>
+          <a:xfrm>
+            <a:off x="6311880" y="9252000"/>
+            <a:ext cx="367920" cy="380160"/>
+          </a:xfrm>
+          <a:prstGeom prst="rect">
+            <a:avLst/>
+          </a:prstGeom>
+          <a:noFill/>
+          <a:ln>
+            <a:noFill/>
+          </a:ln>
+        </p:spPr>
+      </p:sp>
+      <p:sp>
+        <p:nvSpPr>
+          <p:cNvPr id="169" name="CustomShape 2"/>
+          <p:cNvSpPr/>
+          <p:nvPr/>
+        </p:nvSpPr>
+        <p:spPr>
+          <a:xfrm>
+            <a:off x="952560" y="444600"/>
+            <a:ext cx="11099160" cy="2158200"/>
+          </a:xfrm>
+          <a:prstGeom prst="rect">
+            <a:avLst/>
+          </a:prstGeom>
+          <a:noFill/>
+          <a:ln>
+            <a:noFill/>
+          </a:ln>
+        </p:spPr>
+        <p:txBody>
+          <a:bodyPr lIns="0" rIns="0" tIns="0" bIns="0" anchor="ctr"/>
+          <a:p>
+            <a:pPr>
+              <a:lnSpc>
+                <a:spcPct val="100000"/>
+              </a:lnSpc>
+            </a:pPr>
+            <a:r>
+              <a:rPr lang="en-GB" sz="8000">
+                <a:latin typeface="Helvetica Light"/>
+                <a:ea typeface="Helvetica Light"/>
+              </a:rPr>
+              <a:t>Distributed Cache</a:t>
+            </a:r>
+            <a:endParaRPr/>
+          </a:p>
+        </p:txBody>
+      </p:sp>
+      <p:pic>
+        <p:nvPicPr>
+          <p:cNvPr id="170" name="pasted-image.png" descr=""/>
+          <p:cNvPicPr/>
+          <p:nvPr/>
+        </p:nvPicPr>
+        <p:blipFill>
+          <a:blip r:embed="rId1"/>
+          <a:stretch>
+            <a:fillRect/>
+          </a:stretch>
+        </p:blipFill>
+        <p:spPr>
+          <a:xfrm>
+            <a:off x="3180600" y="2343600"/>
+            <a:ext cx="6642720" cy="6818040"/>
+          </a:xfrm>
+          <a:prstGeom prst="rect">
+            <a:avLst/>
+          </a:prstGeom>
+          <a:ln w="12600">
+            <a:noFill/>
+          </a:ln>
+        </p:spPr>
+      </p:pic>
+    </p:spTree>
+  </p:cSld>
+  <p:timing>
+    <p:tnLst>
+      <p:par>
+        <p:cTn id="35" dur="indefinite" restart="never" nodeType="tmRoot">
+          <p:childTnLst>
+            <p:seq>
+              <p:cTn id="36" nodeType="mainSeq"/>
+              <p:prevCondLst>
+                <p:cond delay="0" evt="onPrev">
+                  <p:tgtEl>
+                    <p:sldTgt/>
+                  </p:tgtEl>
+                </p:cond>
+              </p:prevCondLst>
+              <p:nextCondLst>
+                <p:cond delay="0" evt="onNext">
+                  <p:tgtEl>
+                    <p:sldTgt/>
+                  </p:tgtEl>
+                </p:cond>
+              </p:nextCondLst>
+            </p:seq>
+          </p:childTnLst>
+        </p:cTn>
+      </p:par>
+    </p:tnLst>
+  </p:timing>
+</p:sld>
+</file>
+
+<file path=ppt/slides/slide19.xml><?xml version="1.0" encoding="utf-8"?>
+<p:sld xmlns:a="http://schemas.openxmlformats.org/drawingml/2006/main" xmlns:p="http://schemas.openxmlformats.org/presentationml/2006/main" xmlns:r="http://schemas.openxmlformats.org/officeDocument/2006/relationships">
+  <p:cSld>
+    <p:spTree>
+      <p:nvGrpSpPr>
+        <p:cNvPr id="1" name=""/>
+        <p:cNvGrpSpPr/>
+        <p:nvPr/>
+      </p:nvGrpSpPr>
+      <p:grpSpPr>
+        <a:xfrm>
+          <a:off x="0" y="0"/>
+          <a:ext cx="0" cy="0"/>
+          <a:chOff x="0" y="0"/>
+          <a:chExt cx="0" cy="0"/>
+        </a:xfrm>
+      </p:grpSpPr>
+      <p:sp>
+        <p:nvSpPr>
+          <p:cNvPr id="171" name="CustomShape 1"/>
+          <p:cNvSpPr/>
+          <p:nvPr/>
+        </p:nvSpPr>
+        <p:spPr>
+          <a:xfrm>
+            <a:off x="6311880" y="9252000"/>
+            <a:ext cx="367920" cy="380160"/>
+          </a:xfrm>
+          <a:prstGeom prst="rect">
+            <a:avLst/>
+          </a:prstGeom>
+          <a:noFill/>
+          <a:ln>
+            <a:noFill/>
+          </a:ln>
+        </p:spPr>
+      </p:sp>
+      <p:sp>
+        <p:nvSpPr>
+          <p:cNvPr id="172" name="CustomShape 2"/>
+          <p:cNvSpPr/>
+          <p:nvPr/>
+        </p:nvSpPr>
+        <p:spPr>
+          <a:xfrm>
+            <a:off x="952560" y="444600"/>
+            <a:ext cx="11099160" cy="2158200"/>
+          </a:xfrm>
+          <a:prstGeom prst="rect">
+            <a:avLst/>
+          </a:prstGeom>
+          <a:noFill/>
+          <a:ln>
+            <a:noFill/>
+          </a:ln>
+        </p:spPr>
+        <p:txBody>
+          <a:bodyPr lIns="0" rIns="0" tIns="0" bIns="0" anchor="ctr"/>
+          <a:p>
+            <a:pPr>
+              <a:lnSpc>
+                <a:spcPct val="100000"/>
+              </a:lnSpc>
+            </a:pPr>
+            <a:r>
+              <a:rPr lang="en-GB" sz="8000">
+                <a:latin typeface="Helvetica Light"/>
+                <a:ea typeface="Helvetica Light"/>
+              </a:rPr>
+              <a:t>Queue</a:t>
+            </a:r>
+            <a:endParaRPr/>
+          </a:p>
+        </p:txBody>
+      </p:sp>
+      <p:pic>
+        <p:nvPicPr>
+          <p:cNvPr id="173" name="queue1.png" descr=""/>
+          <p:cNvPicPr/>
+          <p:nvPr/>
+        </p:nvPicPr>
+        <p:blipFill>
+          <a:blip r:embed="rId1"/>
+          <a:stretch>
+            <a:fillRect/>
+          </a:stretch>
+        </p:blipFill>
+        <p:spPr>
+          <a:xfrm>
+            <a:off x="2911320" y="2074320"/>
+            <a:ext cx="8299080" cy="6699960"/>
+          </a:xfrm>
+          <a:prstGeom prst="rect">
+            <a:avLst/>
+          </a:prstGeom>
+          <a:ln w="12600">
+            <a:noFill/>
+          </a:ln>
+        </p:spPr>
+      </p:pic>
+      <p:sp>
+        <p:nvSpPr>
+          <p:cNvPr id="174" name="CustomShape 3"/>
+          <p:cNvSpPr/>
+          <p:nvPr/>
+        </p:nvSpPr>
+        <p:spPr>
+          <a:xfrm>
+            <a:off x="7862040" y="2218320"/>
+            <a:ext cx="3715560" cy="1602360"/>
+          </a:xfrm>
+          <a:prstGeom prst="rect">
+            <a:avLst/>
+          </a:prstGeom>
+          <a:solidFill>
+            <a:srgbClr val="ffffff"/>
+          </a:solidFill>
+          <a:ln w="12600">
+            <a:noFill/>
+          </a:ln>
+        </p:spPr>
+      </p:sp>
+    </p:spTree>
+  </p:cSld>
+  <p:timing>
+    <p:tnLst>
+      <p:par>
+        <p:cTn id="37" dur="indefinite" restart="never" nodeType="tmRoot">
+          <p:childTnLst>
+            <p:seq>
+              <p:cTn id="38" nodeType="mainSeq"/>
               <p:prevCondLst>
                 <p:cond delay="0" evt="onPrev">
                   <p:tgtEl>
@@ -6719,18 +7045,22 @@
       </p:grpSpPr>
       <p:sp>
         <p:nvSpPr>
-          <p:cNvPr id="119" name="TextShape 1"/>
-          <p:cNvSpPr txBox="1"/>
+          <p:cNvPr id="116" name="CustomShape 1"/>
+          <p:cNvSpPr/>
           <p:nvPr/>
         </p:nvSpPr>
         <p:spPr>
           <a:xfrm>
             <a:off x="952560" y="444600"/>
-            <a:ext cx="11099520" cy="2158560"/>
-          </a:xfrm>
-          <a:prstGeom prst="rect">
-            <a:avLst/>
-          </a:prstGeom>
+            <a:ext cx="11099160" cy="2158200"/>
+          </a:xfrm>
+          <a:prstGeom prst="rect">
+            <a:avLst/>
+          </a:prstGeom>
+          <a:noFill/>
+          <a:ln>
+            <a:noFill/>
+          </a:ln>
         </p:spPr>
         <p:txBody>
           <a:bodyPr lIns="0" rIns="0" tIns="0" bIns="0" anchor="ctr"/>
@@ -6753,18 +7083,22 @@
       </p:sp>
       <p:sp>
         <p:nvSpPr>
-          <p:cNvPr id="120" name="TextShape 2"/>
-          <p:cNvSpPr txBox="1"/>
+          <p:cNvPr id="117" name="CustomShape 2"/>
+          <p:cNvSpPr/>
           <p:nvPr/>
         </p:nvSpPr>
         <p:spPr>
           <a:xfrm>
             <a:off x="952560" y="2603520"/>
-            <a:ext cx="11099520" cy="6286320"/>
-          </a:xfrm>
-          <a:prstGeom prst="rect">
-            <a:avLst/>
-          </a:prstGeom>
+            <a:ext cx="11099160" cy="6285960"/>
+          </a:xfrm>
+          <a:prstGeom prst="rect">
+            <a:avLst/>
+          </a:prstGeom>
+          <a:noFill/>
+          <a:ln>
+            <a:noFill/>
+          </a:ln>
         </p:spPr>
         <p:txBody>
           <a:bodyPr lIns="0" rIns="0" tIns="0" bIns="0" anchor="ctr"/>
@@ -6775,7 +7109,7 @@
               </a:lnSpc>
               <a:buSzPct val="75000"/>
               <a:buFont typeface="StarSymbol"/>
-              <a:buChar char=""/>
+              <a:buChar char="l"/>
             </a:pPr>
             <a:r>
               <a:rPr lang="en-GB" sz="3600">
@@ -6793,7 +7127,7 @@
               </a:lnSpc>
               <a:buSzPct val="75000"/>
               <a:buFont typeface="StarSymbol"/>
-              <a:buChar char=""/>
+              <a:buChar char="l"/>
             </a:pPr>
             <a:r>
               <a:rPr lang="en-GB" sz="3600">
@@ -6811,7 +7145,7 @@
               </a:lnSpc>
               <a:buSzPct val="75000"/>
               <a:buFont typeface="StarSymbol"/>
-              <a:buChar char=""/>
+              <a:buChar char="l"/>
             </a:pPr>
             <a:r>
               <a:rPr lang="en-GB" sz="3600">
@@ -6829,7 +7163,7 @@
               </a:lnSpc>
               <a:buSzPct val="75000"/>
               <a:buFont typeface="StarSymbol"/>
-              <a:buChar char=""/>
+              <a:buChar char="l"/>
             </a:pPr>
             <a:r>
               <a:rPr lang="en-GB" sz="3600">
@@ -6847,7 +7181,7 @@
               </a:lnSpc>
               <a:buSzPct val="75000"/>
               <a:buFont typeface="StarSymbol"/>
-              <a:buChar char=""/>
+              <a:buChar char="l"/>
             </a:pPr>
             <a:r>
               <a:rPr lang="en-GB" sz="3600">
@@ -6865,7 +7199,7 @@
               </a:lnSpc>
               <a:buSzPct val="75000"/>
               <a:buFont typeface="StarSymbol"/>
-              <a:buChar char=""/>
+              <a:buChar char="l"/>
             </a:pPr>
             <a:r>
               <a:rPr lang="en-GB" sz="3600">
@@ -6880,36 +7214,34 @@
       </p:sp>
       <p:sp>
         <p:nvSpPr>
-          <p:cNvPr id="121" name="TextShape 3"/>
-          <p:cNvSpPr txBox="1"/>
-          <p:nvPr/>
-        </p:nvSpPr>
-        <p:spPr>
-          <a:xfrm>
-            <a:off x="6375240" y="9252000"/>
-            <a:ext cx="241200" cy="380520"/>
-          </a:xfrm>
-          <a:prstGeom prst="rect">
-            <a:avLst/>
-          </a:prstGeom>
-        </p:spPr>
-        <p:txBody>
-          <a:bodyPr lIns="0" rIns="0" tIns="0" bIns="0"/>
-          <a:p>
-            <a:endParaRPr/>
-          </a:p>
-        </p:txBody>
-      </p:sp>
-      <p:sp>
-        <p:nvSpPr>
-          <p:cNvPr id="122" name="CustomShape 4"/>
+          <p:cNvPr id="118" name="CustomShape 3"/>
           <p:cNvSpPr/>
           <p:nvPr/>
         </p:nvSpPr>
         <p:spPr>
           <a:xfrm>
+            <a:off x="6375240" y="9252000"/>
+            <a:ext cx="240840" cy="380160"/>
+          </a:xfrm>
+          <a:prstGeom prst="rect">
+            <a:avLst/>
+          </a:prstGeom>
+          <a:noFill/>
+          <a:ln>
+            <a:noFill/>
+          </a:ln>
+        </p:spPr>
+      </p:sp>
+      <p:sp>
+        <p:nvSpPr>
+          <p:cNvPr id="119" name="CustomShape 4"/>
+          <p:cNvSpPr/>
+          <p:nvPr/>
+        </p:nvSpPr>
+        <p:spPr>
+          <a:xfrm>
             <a:off x="9102960" y="8879760"/>
-            <a:ext cx="3081960" cy="649440"/>
+            <a:ext cx="3081600" cy="649080"/>
           </a:xfrm>
           <a:prstGeom prst="rect">
             <a:avLst/>
@@ -6947,6 +7279,737 @@
           <p:childTnLst>
             <p:seq>
               <p:cTn id="4" nodeType="mainSeq"/>
+              <p:prevCondLst>
+                <p:cond delay="0" evt="onPrev">
+                  <p:tgtEl>
+                    <p:sldTgt/>
+                  </p:tgtEl>
+                </p:cond>
+              </p:prevCondLst>
+              <p:nextCondLst>
+                <p:cond delay="0" evt="onNext">
+                  <p:tgtEl>
+                    <p:sldTgt/>
+                  </p:tgtEl>
+                </p:cond>
+              </p:nextCondLst>
+            </p:seq>
+          </p:childTnLst>
+        </p:cTn>
+      </p:par>
+    </p:tnLst>
+  </p:timing>
+</p:sld>
+</file>
+
+<file path=ppt/slides/slide20.xml><?xml version="1.0" encoding="utf-8"?>
+<p:sld xmlns:a="http://schemas.openxmlformats.org/drawingml/2006/main" xmlns:p="http://schemas.openxmlformats.org/presentationml/2006/main" xmlns:r="http://schemas.openxmlformats.org/officeDocument/2006/relationships">
+  <p:cSld>
+    <p:spTree>
+      <p:nvGrpSpPr>
+        <p:cNvPr id="1" name=""/>
+        <p:cNvGrpSpPr/>
+        <p:nvPr/>
+      </p:nvGrpSpPr>
+      <p:grpSpPr>
+        <a:xfrm>
+          <a:off x="0" y="0"/>
+          <a:ext cx="0" cy="0"/>
+          <a:chOff x="0" y="0"/>
+          <a:chExt cx="0" cy="0"/>
+        </a:xfrm>
+      </p:grpSpPr>
+      <p:sp>
+        <p:nvSpPr>
+          <p:cNvPr id="175" name="CustomShape 1"/>
+          <p:cNvSpPr/>
+          <p:nvPr/>
+        </p:nvSpPr>
+        <p:spPr>
+          <a:xfrm>
+            <a:off x="6311880" y="9252000"/>
+            <a:ext cx="367920" cy="380160"/>
+          </a:xfrm>
+          <a:prstGeom prst="rect">
+            <a:avLst/>
+          </a:prstGeom>
+          <a:noFill/>
+          <a:ln>
+            <a:noFill/>
+          </a:ln>
+        </p:spPr>
+      </p:sp>
+      <p:sp>
+        <p:nvSpPr>
+          <p:cNvPr id="176" name="CustomShape 2"/>
+          <p:cNvSpPr/>
+          <p:nvPr/>
+        </p:nvSpPr>
+        <p:spPr>
+          <a:xfrm>
+            <a:off x="952560" y="444600"/>
+            <a:ext cx="11099160" cy="2158200"/>
+          </a:xfrm>
+          <a:prstGeom prst="rect">
+            <a:avLst/>
+          </a:prstGeom>
+          <a:noFill/>
+          <a:ln>
+            <a:noFill/>
+          </a:ln>
+        </p:spPr>
+        <p:txBody>
+          <a:bodyPr lIns="0" rIns="0" tIns="0" bIns="0" anchor="ctr"/>
+          <a:p>
+            <a:pPr>
+              <a:lnSpc>
+                <a:spcPct val="100000"/>
+              </a:lnSpc>
+            </a:pPr>
+            <a:r>
+              <a:rPr lang="en-GB" sz="8000">
+                <a:latin typeface="Helvetica Light"/>
+                <a:ea typeface="Helvetica Light"/>
+              </a:rPr>
+              <a:t>Queue</a:t>
+            </a:r>
+            <a:endParaRPr/>
+          </a:p>
+        </p:txBody>
+      </p:sp>
+      <p:pic>
+        <p:nvPicPr>
+          <p:cNvPr id="177" name="queue2.png" descr=""/>
+          <p:cNvPicPr/>
+          <p:nvPr/>
+        </p:nvPicPr>
+        <p:blipFill>
+          <a:blip r:embed="rId1"/>
+          <a:stretch>
+            <a:fillRect/>
+          </a:stretch>
+        </p:blipFill>
+        <p:spPr>
+          <a:xfrm>
+            <a:off x="2031120" y="2425680"/>
+            <a:ext cx="9498240" cy="5847120"/>
+          </a:xfrm>
+          <a:prstGeom prst="rect">
+            <a:avLst/>
+          </a:prstGeom>
+          <a:ln w="12600">
+            <a:noFill/>
+          </a:ln>
+        </p:spPr>
+      </p:pic>
+    </p:spTree>
+  </p:cSld>
+  <p:timing>
+    <p:tnLst>
+      <p:par>
+        <p:cTn id="39" dur="indefinite" restart="never" nodeType="tmRoot">
+          <p:childTnLst>
+            <p:seq>
+              <p:cTn id="40" nodeType="mainSeq"/>
+              <p:prevCondLst>
+                <p:cond delay="0" evt="onPrev">
+                  <p:tgtEl>
+                    <p:sldTgt/>
+                  </p:tgtEl>
+                </p:cond>
+              </p:prevCondLst>
+              <p:nextCondLst>
+                <p:cond delay="0" evt="onNext">
+                  <p:tgtEl>
+                    <p:sldTgt/>
+                  </p:tgtEl>
+                </p:cond>
+              </p:nextCondLst>
+            </p:seq>
+          </p:childTnLst>
+        </p:cTn>
+      </p:par>
+    </p:tnLst>
+  </p:timing>
+</p:sld>
+</file>
+
+<file path=ppt/slides/slide21.xml><?xml version="1.0" encoding="utf-8"?>
+<p:sld xmlns:a="http://schemas.openxmlformats.org/drawingml/2006/main" xmlns:p="http://schemas.openxmlformats.org/presentationml/2006/main" xmlns:r="http://schemas.openxmlformats.org/officeDocument/2006/relationships">
+  <p:cSld>
+    <p:spTree>
+      <p:nvGrpSpPr>
+        <p:cNvPr id="1" name=""/>
+        <p:cNvGrpSpPr/>
+        <p:nvPr/>
+      </p:nvGrpSpPr>
+      <p:grpSpPr>
+        <a:xfrm>
+          <a:off x="0" y="0"/>
+          <a:ext cx="0" cy="0"/>
+          <a:chOff x="0" y="0"/>
+          <a:chExt cx="0" cy="0"/>
+        </a:xfrm>
+      </p:grpSpPr>
+      <p:sp>
+        <p:nvSpPr>
+          <p:cNvPr id="178" name="CustomShape 1"/>
+          <p:cNvSpPr/>
+          <p:nvPr/>
+        </p:nvSpPr>
+        <p:spPr>
+          <a:xfrm>
+            <a:off x="952560" y="444600"/>
+            <a:ext cx="11099160" cy="2158200"/>
+          </a:xfrm>
+          <a:prstGeom prst="rect">
+            <a:avLst/>
+          </a:prstGeom>
+          <a:noFill/>
+          <a:ln>
+            <a:noFill/>
+          </a:ln>
+        </p:spPr>
+        <p:txBody>
+          <a:bodyPr lIns="0" rIns="0" tIns="0" bIns="0" anchor="ctr"/>
+          <a:p>
+            <a:pPr>
+              <a:lnSpc>
+                <a:spcPct val="100000"/>
+              </a:lnSpc>
+            </a:pPr>
+            <a:r>
+              <a:rPr lang="en-GB" sz="8000">
+                <a:latin typeface="Helvetica Light"/>
+                <a:ea typeface="Helvetica Light"/>
+              </a:rPr>
+              <a:t>Mega Proxy Problem</a:t>
+            </a:r>
+            <a:endParaRPr/>
+          </a:p>
+        </p:txBody>
+      </p:sp>
+      <p:sp>
+        <p:nvSpPr>
+          <p:cNvPr id="179" name="CustomShape 2"/>
+          <p:cNvSpPr/>
+          <p:nvPr/>
+        </p:nvSpPr>
+        <p:spPr>
+          <a:xfrm>
+            <a:off x="952560" y="2603520"/>
+            <a:ext cx="11099160" cy="6285960"/>
+          </a:xfrm>
+          <a:prstGeom prst="rect">
+            <a:avLst/>
+          </a:prstGeom>
+          <a:noFill/>
+          <a:ln>
+            <a:noFill/>
+          </a:ln>
+        </p:spPr>
+        <p:txBody>
+          <a:bodyPr lIns="0" rIns="0" tIns="0" bIns="0" anchor="ctr"/>
+          <a:p>
+            <a:pPr>
+              <a:lnSpc>
+                <a:spcPct val="100000"/>
+              </a:lnSpc>
+              <a:buSzPct val="75000"/>
+              <a:buFont typeface="StarSymbol"/>
+              <a:buChar char="l"/>
+            </a:pPr>
+            <a:r>
+              <a:rPr lang="en-GB" sz="3600">
+                <a:latin typeface="Helvetica Light"/>
+                <a:ea typeface="Helvetica Light"/>
+              </a:rPr>
+              <a:t>Load Balancing Problem</a:t>
+            </a:r>
+            <a:endParaRPr/>
+          </a:p>
+          <a:p>
+            <a:pPr>
+              <a:lnSpc>
+                <a:spcPct val="100000"/>
+              </a:lnSpc>
+              <a:buSzPct val="75000"/>
+              <a:buFont typeface="StarSymbol"/>
+              <a:buChar char="l"/>
+            </a:pPr>
+            <a:endParaRPr/>
+          </a:p>
+          <a:p>
+            <a:pPr>
+              <a:lnSpc>
+                <a:spcPct val="100000"/>
+              </a:lnSpc>
+              <a:buSzPct val="75000"/>
+              <a:buFont typeface="StarSymbol"/>
+              <a:buChar char="l"/>
+            </a:pPr>
+            <a:r>
+              <a:rPr lang="en-GB" sz="3600">
+                <a:latin typeface="Helvetica Light"/>
+                <a:ea typeface="Helvetica Light"/>
+              </a:rPr>
+              <a:t>Proxy Server</a:t>
+            </a:r>
+            <a:endParaRPr/>
+          </a:p>
+          <a:p>
+            <a:pPr>
+              <a:lnSpc>
+                <a:spcPct val="100000"/>
+              </a:lnSpc>
+              <a:buSzPct val="75000"/>
+              <a:buFont typeface="StarSymbol"/>
+              <a:buChar char="l"/>
+            </a:pPr>
+            <a:endParaRPr/>
+          </a:p>
+          <a:p>
+            <a:pPr>
+              <a:lnSpc>
+                <a:spcPct val="100000"/>
+              </a:lnSpc>
+              <a:buSzPct val="75000"/>
+              <a:buFont typeface="StarSymbol"/>
+              <a:buChar char="l"/>
+            </a:pPr>
+            <a:r>
+              <a:rPr lang="en-GB" sz="3600">
+                <a:latin typeface="Helvetica Light"/>
+                <a:ea typeface="Helvetica Light"/>
+              </a:rPr>
+              <a:t>Single source IP</a:t>
+            </a:r>
+            <a:endParaRPr/>
+          </a:p>
+          <a:p>
+            <a:pPr>
+              <a:lnSpc>
+                <a:spcPct val="100000"/>
+              </a:lnSpc>
+              <a:buSzPct val="75000"/>
+              <a:buFont typeface="StarSymbol"/>
+              <a:buChar char="l"/>
+            </a:pPr>
+            <a:endParaRPr/>
+          </a:p>
+          <a:p>
+            <a:pPr>
+              <a:lnSpc>
+                <a:spcPct val="100000"/>
+              </a:lnSpc>
+              <a:buSzPct val="75000"/>
+              <a:buFont typeface="StarSymbol"/>
+              <a:buChar char="l"/>
+            </a:pPr>
+            <a:r>
+              <a:rPr lang="en-GB" sz="3600">
+                <a:latin typeface="Helvetica Light"/>
+                <a:ea typeface="Helvetica Light"/>
+              </a:rPr>
+              <a:t>Group virtual sources</a:t>
+            </a:r>
+            <a:endParaRPr/>
+          </a:p>
+        </p:txBody>
+      </p:sp>
+      <p:sp>
+        <p:nvSpPr>
+          <p:cNvPr id="180" name="CustomShape 3"/>
+          <p:cNvSpPr/>
+          <p:nvPr/>
+        </p:nvSpPr>
+        <p:spPr>
+          <a:xfrm>
+            <a:off x="6375240" y="9252000"/>
+            <a:ext cx="240840" cy="380160"/>
+          </a:xfrm>
+          <a:prstGeom prst="rect">
+            <a:avLst/>
+          </a:prstGeom>
+          <a:noFill/>
+          <a:ln>
+            <a:noFill/>
+          </a:ln>
+        </p:spPr>
+      </p:sp>
+    </p:spTree>
+  </p:cSld>
+  <p:timing>
+    <p:tnLst>
+      <p:par>
+        <p:cTn id="41" dur="indefinite" restart="never" nodeType="tmRoot">
+          <p:childTnLst>
+            <p:seq>
+              <p:cTn id="42" nodeType="mainSeq"/>
+              <p:prevCondLst>
+                <p:cond delay="0" evt="onPrev">
+                  <p:tgtEl>
+                    <p:sldTgt/>
+                  </p:tgtEl>
+                </p:cond>
+              </p:prevCondLst>
+              <p:nextCondLst>
+                <p:cond delay="0" evt="onNext">
+                  <p:tgtEl>
+                    <p:sldTgt/>
+                  </p:tgtEl>
+                </p:cond>
+              </p:nextCondLst>
+            </p:seq>
+          </p:childTnLst>
+        </p:cTn>
+      </p:par>
+    </p:tnLst>
+  </p:timing>
+</p:sld>
+</file>
+
+<file path=ppt/slides/slide22.xml><?xml version="1.0" encoding="utf-8"?>
+<p:sld xmlns:a="http://schemas.openxmlformats.org/drawingml/2006/main" xmlns:p="http://schemas.openxmlformats.org/presentationml/2006/main" xmlns:r="http://schemas.openxmlformats.org/officeDocument/2006/relationships">
+  <p:cSld>
+    <p:spTree>
+      <p:nvGrpSpPr>
+        <p:cNvPr id="1" name=""/>
+        <p:cNvGrpSpPr/>
+        <p:nvPr/>
+      </p:nvGrpSpPr>
+      <p:grpSpPr>
+        <a:xfrm>
+          <a:off x="0" y="0"/>
+          <a:ext cx="0" cy="0"/>
+          <a:chOff x="0" y="0"/>
+          <a:chExt cx="0" cy="0"/>
+        </a:xfrm>
+      </p:grpSpPr>
+      <p:sp>
+        <p:nvSpPr>
+          <p:cNvPr id="181" name="CustomShape 1"/>
+          <p:cNvSpPr/>
+          <p:nvPr/>
+        </p:nvSpPr>
+        <p:spPr>
+          <a:xfrm>
+            <a:off x="952560" y="444600"/>
+            <a:ext cx="11099160" cy="2158200"/>
+          </a:xfrm>
+          <a:prstGeom prst="rect">
+            <a:avLst/>
+          </a:prstGeom>
+          <a:noFill/>
+          <a:ln>
+            <a:noFill/>
+          </a:ln>
+        </p:spPr>
+        <p:txBody>
+          <a:bodyPr lIns="0" rIns="0" tIns="0" bIns="0" anchor="ctr"/>
+          <a:p>
+            <a:pPr>
+              <a:lnSpc>
+                <a:spcPct val="100000"/>
+              </a:lnSpc>
+            </a:pPr>
+            <a:r>
+              <a:rPr lang="en-GB" sz="8000">
+                <a:latin typeface="Helvetica Light"/>
+                <a:ea typeface="Helvetica Light"/>
+              </a:rPr>
+              <a:t>Mega Proxy Problem</a:t>
+            </a:r>
+            <a:endParaRPr/>
+          </a:p>
+        </p:txBody>
+      </p:sp>
+      <p:sp>
+        <p:nvSpPr>
+          <p:cNvPr id="182" name="CustomShape 2"/>
+          <p:cNvSpPr/>
+          <p:nvPr/>
+        </p:nvSpPr>
+        <p:spPr>
+          <a:xfrm>
+            <a:off x="952560" y="2603520"/>
+            <a:ext cx="11099160" cy="6285960"/>
+          </a:xfrm>
+          <a:prstGeom prst="rect">
+            <a:avLst/>
+          </a:prstGeom>
+          <a:noFill/>
+          <a:ln>
+            <a:noFill/>
+          </a:ln>
+        </p:spPr>
+        <p:txBody>
+          <a:bodyPr lIns="0" rIns="0" tIns="0" bIns="0" anchor="ctr"/>
+          <a:p>
+            <a:pPr>
+              <a:lnSpc>
+                <a:spcPct val="100000"/>
+              </a:lnSpc>
+              <a:buSzPct val="75000"/>
+              <a:buFont typeface="StarSymbol"/>
+              <a:buChar char="l"/>
+            </a:pPr>
+            <a:endParaRPr/>
+          </a:p>
+          <a:p>
+            <a:pPr>
+              <a:lnSpc>
+                <a:spcPct val="100000"/>
+              </a:lnSpc>
+            </a:pPr>
+            <a:endParaRPr/>
+          </a:p>
+          <a:p>
+            <a:pPr>
+              <a:lnSpc>
+                <a:spcPct val="100000"/>
+              </a:lnSpc>
+            </a:pPr>
+            <a:endParaRPr/>
+          </a:p>
+        </p:txBody>
+      </p:sp>
+      <p:sp>
+        <p:nvSpPr>
+          <p:cNvPr id="183" name="CustomShape 3"/>
+          <p:cNvSpPr/>
+          <p:nvPr/>
+        </p:nvSpPr>
+        <p:spPr>
+          <a:xfrm>
+            <a:off x="6375240" y="9252000"/>
+            <a:ext cx="240840" cy="380160"/>
+          </a:xfrm>
+          <a:prstGeom prst="rect">
+            <a:avLst/>
+          </a:prstGeom>
+          <a:noFill/>
+          <a:ln>
+            <a:noFill/>
+          </a:ln>
+        </p:spPr>
+      </p:sp>
+      <p:pic>
+        <p:nvPicPr>
+          <p:cNvPr id="184" name="" descr=""/>
+          <p:cNvPicPr/>
+          <p:nvPr/>
+        </p:nvPicPr>
+        <p:blipFill>
+          <a:blip r:embed="rId1"/>
+          <a:stretch>
+            <a:fillRect/>
+          </a:stretch>
+        </p:blipFill>
+        <p:spPr>
+          <a:xfrm>
+            <a:off x="1512000" y="3096000"/>
+            <a:ext cx="10014840" cy="5195880"/>
+          </a:xfrm>
+          <a:prstGeom prst="rect">
+            <a:avLst/>
+          </a:prstGeom>
+          <a:ln>
+            <a:noFill/>
+          </a:ln>
+        </p:spPr>
+      </p:pic>
+    </p:spTree>
+  </p:cSld>
+  <p:timing>
+    <p:tnLst>
+      <p:par>
+        <p:cTn id="43" dur="indefinite" restart="never" nodeType="tmRoot">
+          <p:childTnLst>
+            <p:seq>
+              <p:cTn id="44" nodeType="mainSeq"/>
+              <p:prevCondLst>
+                <p:cond delay="0" evt="onPrev">
+                  <p:tgtEl>
+                    <p:sldTgt/>
+                  </p:tgtEl>
+                </p:cond>
+              </p:prevCondLst>
+              <p:nextCondLst>
+                <p:cond delay="0" evt="onNext">
+                  <p:tgtEl>
+                    <p:sldTgt/>
+                  </p:tgtEl>
+                </p:cond>
+              </p:nextCondLst>
+            </p:seq>
+          </p:childTnLst>
+        </p:cTn>
+      </p:par>
+    </p:tnLst>
+  </p:timing>
+</p:sld>
+</file>
+
+<file path=ppt/slides/slide23.xml><?xml version="1.0" encoding="utf-8"?>
+<p:sld xmlns:a="http://schemas.openxmlformats.org/drawingml/2006/main" xmlns:p="http://schemas.openxmlformats.org/presentationml/2006/main" xmlns:r="http://schemas.openxmlformats.org/officeDocument/2006/relationships">
+  <p:cSld>
+    <p:spTree>
+      <p:nvGrpSpPr>
+        <p:cNvPr id="1" name=""/>
+        <p:cNvGrpSpPr/>
+        <p:nvPr/>
+      </p:nvGrpSpPr>
+      <p:grpSpPr>
+        <a:xfrm>
+          <a:off x="0" y="0"/>
+          <a:ext cx="0" cy="0"/>
+          <a:chOff x="0" y="0"/>
+          <a:chExt cx="0" cy="0"/>
+        </a:xfrm>
+      </p:grpSpPr>
+      <p:sp>
+        <p:nvSpPr>
+          <p:cNvPr id="185" name="CustomShape 1"/>
+          <p:cNvSpPr/>
+          <p:nvPr/>
+        </p:nvSpPr>
+        <p:spPr>
+          <a:xfrm>
+            <a:off x="952560" y="444600"/>
+            <a:ext cx="11099160" cy="2158200"/>
+          </a:xfrm>
+          <a:prstGeom prst="rect">
+            <a:avLst/>
+          </a:prstGeom>
+          <a:noFill/>
+          <a:ln>
+            <a:noFill/>
+          </a:ln>
+        </p:spPr>
+        <p:txBody>
+          <a:bodyPr lIns="0" rIns="0" tIns="0" bIns="0" anchor="ctr"/>
+          <a:p>
+            <a:pPr>
+              <a:lnSpc>
+                <a:spcPct val="100000"/>
+              </a:lnSpc>
+            </a:pPr>
+            <a:r>
+              <a:rPr lang="en-GB" sz="8000">
+                <a:latin typeface="Helvetica Light"/>
+                <a:ea typeface="Helvetica Light"/>
+              </a:rPr>
+              <a:t>Mega Proxy Problem</a:t>
+            </a:r>
+            <a:endParaRPr/>
+          </a:p>
+        </p:txBody>
+      </p:sp>
+      <p:sp>
+        <p:nvSpPr>
+          <p:cNvPr id="186" name="CustomShape 2"/>
+          <p:cNvSpPr/>
+          <p:nvPr/>
+        </p:nvSpPr>
+        <p:spPr>
+          <a:xfrm>
+            <a:off x="952560" y="2603520"/>
+            <a:ext cx="11099160" cy="6285960"/>
+          </a:xfrm>
+          <a:prstGeom prst="rect">
+            <a:avLst/>
+          </a:prstGeom>
+          <a:noFill/>
+          <a:ln>
+            <a:noFill/>
+          </a:ln>
+        </p:spPr>
+        <p:txBody>
+          <a:bodyPr lIns="0" rIns="0" tIns="0" bIns="0" anchor="ctr"/>
+          <a:p>
+            <a:pPr>
+              <a:lnSpc>
+                <a:spcPct val="100000"/>
+              </a:lnSpc>
+              <a:buSzPct val="75000"/>
+              <a:buFont typeface="StarSymbol"/>
+              <a:buChar char="l"/>
+            </a:pPr>
+            <a:endParaRPr/>
+          </a:p>
+          <a:p>
+            <a:pPr>
+              <a:lnSpc>
+                <a:spcPct val="100000"/>
+              </a:lnSpc>
+            </a:pPr>
+            <a:endParaRPr/>
+          </a:p>
+          <a:p>
+            <a:pPr>
+              <a:lnSpc>
+                <a:spcPct val="100000"/>
+              </a:lnSpc>
+            </a:pPr>
+            <a:endParaRPr/>
+          </a:p>
+        </p:txBody>
+      </p:sp>
+      <p:sp>
+        <p:nvSpPr>
+          <p:cNvPr id="187" name="CustomShape 3"/>
+          <p:cNvSpPr/>
+          <p:nvPr/>
+        </p:nvSpPr>
+        <p:spPr>
+          <a:xfrm>
+            <a:off x="6375240" y="9252000"/>
+            <a:ext cx="240840" cy="380160"/>
+          </a:xfrm>
+          <a:prstGeom prst="rect">
+            <a:avLst/>
+          </a:prstGeom>
+          <a:noFill/>
+          <a:ln>
+            <a:noFill/>
+          </a:ln>
+        </p:spPr>
+      </p:sp>
+      <p:pic>
+        <p:nvPicPr>
+          <p:cNvPr id="188" name="" descr=""/>
+          <p:cNvPicPr/>
+          <p:nvPr/>
+        </p:nvPicPr>
+        <p:blipFill>
+          <a:blip r:embed="rId1"/>
+          <a:stretch>
+            <a:fillRect/>
+          </a:stretch>
+        </p:blipFill>
+        <p:spPr>
+          <a:xfrm>
+            <a:off x="1677600" y="2736000"/>
+            <a:ext cx="9482400" cy="5067000"/>
+          </a:xfrm>
+          <a:prstGeom prst="rect">
+            <a:avLst/>
+          </a:prstGeom>
+          <a:ln>
+            <a:noFill/>
+          </a:ln>
+        </p:spPr>
+      </p:pic>
+    </p:spTree>
+  </p:cSld>
+  <p:timing>
+    <p:tnLst>
+      <p:par>
+        <p:cTn id="45" dur="indefinite" restart="never" nodeType="tmRoot">
+          <p:childTnLst>
+            <p:seq>
+              <p:cTn id="46" nodeType="mainSeq"/>
               <p:prevCondLst>
                 <p:cond delay="0" evt="onPrev">
                   <p:tgtEl>
@@ -6989,18 +8052,22 @@
       </p:grpSpPr>
       <p:sp>
         <p:nvSpPr>
-          <p:cNvPr id="123" name="TextShape 1"/>
-          <p:cNvSpPr txBox="1"/>
+          <p:cNvPr id="120" name="CustomShape 1"/>
+          <p:cNvSpPr/>
           <p:nvPr/>
         </p:nvSpPr>
         <p:spPr>
           <a:xfrm>
             <a:off x="952560" y="444600"/>
-            <a:ext cx="11099520" cy="2158560"/>
-          </a:xfrm>
-          <a:prstGeom prst="rect">
-            <a:avLst/>
-          </a:prstGeom>
+            <a:ext cx="11099160" cy="2158200"/>
+          </a:xfrm>
+          <a:prstGeom prst="rect">
+            <a:avLst/>
+          </a:prstGeom>
+          <a:noFill/>
+          <a:ln>
+            <a:noFill/>
+          </a:ln>
         </p:spPr>
         <p:txBody>
           <a:bodyPr lIns="0" rIns="0" tIns="0" bIns="0" anchor="ctr"/>
@@ -7023,18 +8090,22 @@
       </p:sp>
       <p:sp>
         <p:nvSpPr>
-          <p:cNvPr id="124" name="TextShape 2"/>
-          <p:cNvSpPr txBox="1"/>
+          <p:cNvPr id="121" name="CustomShape 2"/>
+          <p:cNvSpPr/>
           <p:nvPr/>
         </p:nvSpPr>
         <p:spPr>
           <a:xfrm>
             <a:off x="952560" y="2603520"/>
-            <a:ext cx="11099520" cy="6286320"/>
-          </a:xfrm>
-          <a:prstGeom prst="rect">
-            <a:avLst/>
-          </a:prstGeom>
+            <a:ext cx="11099160" cy="6285960"/>
+          </a:xfrm>
+          <a:prstGeom prst="rect">
+            <a:avLst/>
+          </a:prstGeom>
+          <a:noFill/>
+          <a:ln>
+            <a:noFill/>
+          </a:ln>
         </p:spPr>
         <p:txBody>
           <a:bodyPr lIns="0" rIns="0" tIns="0" bIns="0" anchor="ctr"/>
@@ -7045,7 +8116,7 @@
               </a:lnSpc>
               <a:buSzPct val="75000"/>
               <a:buFont typeface="StarSymbol"/>
-              <a:buChar char=""/>
+              <a:buChar char="l"/>
             </a:pPr>
             <a:r>
               <a:rPr lang="en-GB" sz="3600">
@@ -7063,7 +8134,7 @@
               </a:lnSpc>
               <a:buSzPct val="75000"/>
               <a:buFont typeface="StarSymbol"/>
-              <a:buChar char=""/>
+              <a:buChar char="l"/>
             </a:pPr>
             <a:r>
               <a:rPr lang="en-GB" sz="3600">
@@ -7081,7 +8152,7 @@
               </a:lnSpc>
               <a:buSzPct val="75000"/>
               <a:buFont typeface="StarSymbol"/>
-              <a:buChar char=""/>
+              <a:buChar char="l"/>
             </a:pPr>
             <a:r>
               <a:rPr lang="en-GB" sz="3600">
@@ -7096,25 +8167,23 @@
       </p:sp>
       <p:sp>
         <p:nvSpPr>
-          <p:cNvPr id="125" name="TextShape 3"/>
-          <p:cNvSpPr txBox="1"/>
+          <p:cNvPr id="122" name="CustomShape 3"/>
+          <p:cNvSpPr/>
           <p:nvPr/>
         </p:nvSpPr>
         <p:spPr>
           <a:xfrm>
             <a:off x="6375240" y="9252000"/>
-            <a:ext cx="241200" cy="380520"/>
-          </a:xfrm>
-          <a:prstGeom prst="rect">
-            <a:avLst/>
-          </a:prstGeom>
-        </p:spPr>
-        <p:txBody>
-          <a:bodyPr lIns="0" rIns="0" tIns="0" bIns="0"/>
-          <a:p>
-            <a:endParaRPr/>
-          </a:p>
-        </p:txBody>
+            <a:ext cx="240840" cy="380160"/>
+          </a:xfrm>
+          <a:prstGeom prst="rect">
+            <a:avLst/>
+          </a:prstGeom>
+          <a:noFill/>
+          <a:ln>
+            <a:noFill/>
+          </a:ln>
+        </p:spPr>
       </p:sp>
     </p:spTree>
   </p:cSld>
@@ -7167,18 +8236,22 @@
       </p:grpSpPr>
       <p:sp>
         <p:nvSpPr>
-          <p:cNvPr id="126" name="TextShape 1"/>
-          <p:cNvSpPr txBox="1"/>
+          <p:cNvPr id="123" name="CustomShape 1"/>
+          <p:cNvSpPr/>
           <p:nvPr/>
         </p:nvSpPr>
         <p:spPr>
           <a:xfrm>
             <a:off x="952560" y="444600"/>
-            <a:ext cx="11099520" cy="2158560"/>
-          </a:xfrm>
-          <a:prstGeom prst="rect">
-            <a:avLst/>
-          </a:prstGeom>
+            <a:ext cx="11099160" cy="2158200"/>
+          </a:xfrm>
+          <a:prstGeom prst="rect">
+            <a:avLst/>
+          </a:prstGeom>
+          <a:noFill/>
+          <a:ln>
+            <a:noFill/>
+          </a:ln>
         </p:spPr>
         <p:txBody>
           <a:bodyPr lIns="0" rIns="0" tIns="0" bIns="0" anchor="ctr"/>
@@ -7201,29 +8274,27 @@
       </p:sp>
       <p:sp>
         <p:nvSpPr>
-          <p:cNvPr id="127" name="TextShape 2"/>
-          <p:cNvSpPr txBox="1"/>
+          <p:cNvPr id="124" name="CustomShape 2"/>
+          <p:cNvSpPr/>
           <p:nvPr/>
         </p:nvSpPr>
         <p:spPr>
           <a:xfrm>
             <a:off x="6375240" y="9252000"/>
-            <a:ext cx="241200" cy="380520"/>
-          </a:xfrm>
-          <a:prstGeom prst="rect">
-            <a:avLst/>
-          </a:prstGeom>
-        </p:spPr>
-        <p:txBody>
-          <a:bodyPr lIns="0" rIns="0" tIns="0" bIns="0"/>
-          <a:p>
-            <a:endParaRPr/>
-          </a:p>
-        </p:txBody>
+            <a:ext cx="240840" cy="380160"/>
+          </a:xfrm>
+          <a:prstGeom prst="rect">
+            <a:avLst/>
+          </a:prstGeom>
+          <a:noFill/>
+          <a:ln>
+            <a:noFill/>
+          </a:ln>
+        </p:spPr>
       </p:sp>
       <p:pic>
         <p:nvPicPr>
-          <p:cNvPr id="128" name="" descr=""/>
+          <p:cNvPr id="125" name="" descr=""/>
           <p:cNvPicPr/>
           <p:nvPr/>
         </p:nvPicPr>
@@ -7236,7 +8307,7 @@
         <p:spPr>
           <a:xfrm>
             <a:off x="3540240" y="3096000"/>
-            <a:ext cx="5891760" cy="4968000"/>
+            <a:ext cx="5891400" cy="4967640"/>
           </a:xfrm>
           <a:prstGeom prst="rect">
             <a:avLst/>
@@ -7297,18 +8368,22 @@
       </p:grpSpPr>
       <p:sp>
         <p:nvSpPr>
-          <p:cNvPr id="129" name="TextShape 1"/>
-          <p:cNvSpPr txBox="1"/>
+          <p:cNvPr id="126" name="CustomShape 1"/>
+          <p:cNvSpPr/>
           <p:nvPr/>
         </p:nvSpPr>
         <p:spPr>
           <a:xfrm>
             <a:off x="952560" y="444600"/>
-            <a:ext cx="11099520" cy="2158560"/>
-          </a:xfrm>
-          <a:prstGeom prst="rect">
-            <a:avLst/>
-          </a:prstGeom>
+            <a:ext cx="11099160" cy="2158200"/>
+          </a:xfrm>
+          <a:prstGeom prst="rect">
+            <a:avLst/>
+          </a:prstGeom>
+          <a:noFill/>
+          <a:ln>
+            <a:noFill/>
+          </a:ln>
         </p:spPr>
         <p:txBody>
           <a:bodyPr lIns="0" rIns="0" tIns="0" bIns="0" anchor="ctr"/>
@@ -7331,18 +8406,22 @@
       </p:sp>
       <p:sp>
         <p:nvSpPr>
-          <p:cNvPr id="130" name="TextShape 2"/>
-          <p:cNvSpPr txBox="1"/>
+          <p:cNvPr id="127" name="CustomShape 2"/>
+          <p:cNvSpPr/>
           <p:nvPr/>
         </p:nvSpPr>
         <p:spPr>
           <a:xfrm>
             <a:off x="952560" y="2603520"/>
-            <a:ext cx="11099520" cy="6286320"/>
-          </a:xfrm>
-          <a:prstGeom prst="rect">
-            <a:avLst/>
-          </a:prstGeom>
+            <a:ext cx="11099160" cy="6285960"/>
+          </a:xfrm>
+          <a:prstGeom prst="rect">
+            <a:avLst/>
+          </a:prstGeom>
+          <a:noFill/>
+          <a:ln>
+            <a:noFill/>
+          </a:ln>
         </p:spPr>
         <p:txBody>
           <a:bodyPr lIns="0" rIns="0" tIns="0" bIns="0" anchor="ctr"/>
@@ -7353,7 +8432,7 @@
               </a:lnSpc>
               <a:buSzPct val="75000"/>
               <a:buFont typeface="StarSymbol"/>
-              <a:buChar char=""/>
+              <a:buChar char="l"/>
             </a:pPr>
             <a:r>
               <a:rPr lang="en-GB" sz="3600">
@@ -7371,7 +8450,7 @@
               </a:lnSpc>
               <a:buSzPct val="75000"/>
               <a:buFont typeface="StarSymbol"/>
-              <a:buChar char=""/>
+              <a:buChar char="l"/>
             </a:pPr>
             <a:r>
               <a:rPr lang="en-GB" sz="3600">
@@ -7389,7 +8468,7 @@
               </a:lnSpc>
               <a:buSzPct val="75000"/>
               <a:buFont typeface="StarSymbol"/>
-              <a:buChar char=""/>
+              <a:buChar char="l"/>
             </a:pPr>
             <a:r>
               <a:rPr lang="en-GB" sz="3600">
@@ -7407,7 +8486,7 @@
               </a:lnSpc>
               <a:buSzPct val="75000"/>
               <a:buFont typeface="StarSymbol"/>
-              <a:buChar char=""/>
+              <a:buChar char="l"/>
             </a:pPr>
             <a:r>
               <a:rPr lang="en-GB" sz="3600">
@@ -7422,25 +8501,23 @@
       </p:sp>
       <p:sp>
         <p:nvSpPr>
-          <p:cNvPr id="131" name="TextShape 3"/>
-          <p:cNvSpPr txBox="1"/>
+          <p:cNvPr id="128" name="CustomShape 3"/>
+          <p:cNvSpPr/>
           <p:nvPr/>
         </p:nvSpPr>
         <p:spPr>
           <a:xfrm>
             <a:off x="6375240" y="9252000"/>
-            <a:ext cx="241200" cy="380520"/>
-          </a:xfrm>
-          <a:prstGeom prst="rect">
-            <a:avLst/>
-          </a:prstGeom>
-        </p:spPr>
-        <p:txBody>
-          <a:bodyPr lIns="0" rIns="0" tIns="0" bIns="0"/>
-          <a:p>
-            <a:endParaRPr/>
-          </a:p>
-        </p:txBody>
+            <a:ext cx="240840" cy="380160"/>
+          </a:xfrm>
+          <a:prstGeom prst="rect">
+            <a:avLst/>
+          </a:prstGeom>
+          <a:noFill/>
+          <a:ln>
+            <a:noFill/>
+          </a:ln>
+        </p:spPr>
       </p:sp>
     </p:spTree>
   </p:cSld>
@@ -7493,18 +8570,22 @@
       </p:grpSpPr>
       <p:sp>
         <p:nvSpPr>
-          <p:cNvPr id="132" name="TextShape 1"/>
-          <p:cNvSpPr txBox="1"/>
+          <p:cNvPr id="129" name="CustomShape 1"/>
+          <p:cNvSpPr/>
           <p:nvPr/>
         </p:nvSpPr>
         <p:spPr>
           <a:xfrm>
             <a:off x="952560" y="444600"/>
-            <a:ext cx="11099520" cy="2158560"/>
-          </a:xfrm>
-          <a:prstGeom prst="rect">
-            <a:avLst/>
-          </a:prstGeom>
+            <a:ext cx="11099160" cy="2158200"/>
+          </a:xfrm>
+          <a:prstGeom prst="rect">
+            <a:avLst/>
+          </a:prstGeom>
+          <a:noFill/>
+          <a:ln>
+            <a:noFill/>
+          </a:ln>
         </p:spPr>
         <p:txBody>
           <a:bodyPr lIns="0" rIns="0" tIns="0" bIns="0" anchor="ctr"/>
@@ -7527,18 +8608,22 @@
       </p:sp>
       <p:sp>
         <p:nvSpPr>
-          <p:cNvPr id="133" name="TextShape 2"/>
-          <p:cNvSpPr txBox="1"/>
+          <p:cNvPr id="130" name="CustomShape 2"/>
+          <p:cNvSpPr/>
           <p:nvPr/>
         </p:nvSpPr>
         <p:spPr>
           <a:xfrm>
             <a:off x="952560" y="2603520"/>
-            <a:ext cx="11099520" cy="6286320"/>
-          </a:xfrm>
-          <a:prstGeom prst="rect">
-            <a:avLst/>
-          </a:prstGeom>
+            <a:ext cx="11099160" cy="6285960"/>
+          </a:xfrm>
+          <a:prstGeom prst="rect">
+            <a:avLst/>
+          </a:prstGeom>
+          <a:noFill/>
+          <a:ln>
+            <a:noFill/>
+          </a:ln>
         </p:spPr>
         <p:txBody>
           <a:bodyPr lIns="0" rIns="0" tIns="0" bIns="0" anchor="ctr"/>
@@ -7549,7 +8634,7 @@
               </a:lnSpc>
               <a:buSzPct val="75000"/>
               <a:buFont typeface="StarSymbol"/>
-              <a:buChar char=""/>
+              <a:buChar char="l"/>
             </a:pPr>
             <a:r>
               <a:rPr lang="en-GB" sz="3600">
@@ -7567,7 +8652,7 @@
               </a:lnSpc>
               <a:buSzPct val="75000"/>
               <a:buFont typeface="StarSymbol"/>
-              <a:buChar char=""/>
+              <a:buChar char="l"/>
             </a:pPr>
             <a:r>
               <a:rPr lang="en-GB" sz="3600">
@@ -7585,7 +8670,7 @@
               </a:lnSpc>
               <a:buSzPct val="75000"/>
               <a:buFont typeface="StarSymbol"/>
-              <a:buChar char=""/>
+              <a:buChar char="l"/>
             </a:pPr>
             <a:r>
               <a:rPr lang="en-GB" sz="3600">
@@ -7603,7 +8688,7 @@
               </a:lnSpc>
               <a:buSzPct val="75000"/>
               <a:buFont typeface="StarSymbol"/>
-              <a:buChar char=""/>
+              <a:buChar char="l"/>
             </a:pPr>
             <a:r>
               <a:rPr lang="en-GB" sz="3600">
@@ -7621,7 +8706,7 @@
               </a:lnSpc>
               <a:buSzPct val="75000"/>
               <a:buFont typeface="StarSymbol"/>
-              <a:buChar char=""/>
+              <a:buChar char="l"/>
             </a:pPr>
             <a:r>
               <a:rPr lang="en-GB" sz="3600">
@@ -7636,25 +8721,23 @@
       </p:sp>
       <p:sp>
         <p:nvSpPr>
-          <p:cNvPr id="134" name="TextShape 3"/>
-          <p:cNvSpPr txBox="1"/>
+          <p:cNvPr id="131" name="CustomShape 3"/>
+          <p:cNvSpPr/>
           <p:nvPr/>
         </p:nvSpPr>
         <p:spPr>
           <a:xfrm>
             <a:off x="6375240" y="9252000"/>
-            <a:ext cx="241200" cy="380520"/>
-          </a:xfrm>
-          <a:prstGeom prst="rect">
-            <a:avLst/>
-          </a:prstGeom>
-        </p:spPr>
-        <p:txBody>
-          <a:bodyPr lIns="0" rIns="0" tIns="0" bIns="0"/>
-          <a:p>
-            <a:endParaRPr/>
-          </a:p>
-        </p:txBody>
+            <a:ext cx="240840" cy="380160"/>
+          </a:xfrm>
+          <a:prstGeom prst="rect">
+            <a:avLst/>
+          </a:prstGeom>
+          <a:noFill/>
+          <a:ln>
+            <a:noFill/>
+          </a:ln>
+        </p:spPr>
       </p:sp>
     </p:spTree>
   </p:cSld>
@@ -7707,18 +8790,22 @@
       </p:grpSpPr>
       <p:sp>
         <p:nvSpPr>
-          <p:cNvPr id="135" name="TextShape 1"/>
-          <p:cNvSpPr txBox="1"/>
+          <p:cNvPr id="132" name="CustomShape 1"/>
+          <p:cNvSpPr/>
           <p:nvPr/>
         </p:nvSpPr>
         <p:spPr>
           <a:xfrm>
             <a:off x="952560" y="444600"/>
-            <a:ext cx="11099520" cy="2158560"/>
-          </a:xfrm>
-          <a:prstGeom prst="rect">
-            <a:avLst/>
-          </a:prstGeom>
+            <a:ext cx="11099160" cy="2158200"/>
+          </a:xfrm>
+          <a:prstGeom prst="rect">
+            <a:avLst/>
+          </a:prstGeom>
+          <a:noFill/>
+          <a:ln>
+            <a:noFill/>
+          </a:ln>
         </p:spPr>
         <p:txBody>
           <a:bodyPr lIns="0" rIns="0" tIns="0" bIns="0" anchor="ctr"/>
@@ -7741,18 +8828,22 @@
       </p:sp>
       <p:sp>
         <p:nvSpPr>
-          <p:cNvPr id="136" name="TextShape 2"/>
-          <p:cNvSpPr txBox="1"/>
+          <p:cNvPr id="133" name="CustomShape 2"/>
+          <p:cNvSpPr/>
           <p:nvPr/>
         </p:nvSpPr>
         <p:spPr>
           <a:xfrm>
             <a:off x="952560" y="2603520"/>
-            <a:ext cx="11099520" cy="6286320"/>
-          </a:xfrm>
-          <a:prstGeom prst="rect">
-            <a:avLst/>
-          </a:prstGeom>
+            <a:ext cx="11099160" cy="6285960"/>
+          </a:xfrm>
+          <a:prstGeom prst="rect">
+            <a:avLst/>
+          </a:prstGeom>
+          <a:noFill/>
+          <a:ln>
+            <a:noFill/>
+          </a:ln>
         </p:spPr>
         <p:txBody>
           <a:bodyPr lIns="0" rIns="0" tIns="0" bIns="0" anchor="ctr"/>
@@ -7763,7 +8854,7 @@
               </a:lnSpc>
               <a:buSzPct val="75000"/>
               <a:buFont typeface="StarSymbol"/>
-              <a:buChar char=""/>
+              <a:buChar char="l"/>
             </a:pPr>
             <a:r>
               <a:rPr lang="en-GB" sz="3600">
@@ -7776,9 +8867,12 @@
           </a:p>
           <a:p>
             <a:pPr lvl="1">
+              <a:lnSpc>
+                <a:spcPct val="100000"/>
+              </a:lnSpc>
               <a:buSzPct val="75000"/>
               <a:buFont typeface="StarSymbol"/>
-              <a:buChar char=""/>
+              <a:buChar char="l"/>
             </a:pPr>
             <a:r>
               <a:rPr lang="en-GB" sz="2800">
@@ -7791,9 +8885,12 @@
           </a:p>
           <a:p>
             <a:pPr lvl="1">
+              <a:lnSpc>
+                <a:spcPct val="100000"/>
+              </a:lnSpc>
               <a:buSzPct val="75000"/>
               <a:buFont typeface="StarSymbol"/>
-              <a:buChar char=""/>
+              <a:buChar char="l"/>
             </a:pPr>
             <a:r>
               <a:rPr lang="en-GB" sz="2800">
@@ -7811,7 +8908,7 @@
               </a:lnSpc>
               <a:buSzPct val="75000"/>
               <a:buFont typeface="StarSymbol"/>
-              <a:buChar char=""/>
+              <a:buChar char="l"/>
             </a:pPr>
             <a:r>
               <a:rPr lang="en-GB" sz="3600">
@@ -7824,9 +8921,12 @@
           </a:p>
           <a:p>
             <a:pPr lvl="1">
+              <a:lnSpc>
+                <a:spcPct val="100000"/>
+              </a:lnSpc>
               <a:buSzPct val="75000"/>
               <a:buFont typeface="StarSymbol"/>
-              <a:buChar char=""/>
+              <a:buChar char="l"/>
             </a:pPr>
             <a:r>
               <a:rPr lang="en-GB" sz="2800">
@@ -7839,9 +8939,12 @@
           </a:p>
           <a:p>
             <a:pPr lvl="1">
+              <a:lnSpc>
+                <a:spcPct val="100000"/>
+              </a:lnSpc>
               <a:buSzPct val="75000"/>
               <a:buFont typeface="StarSymbol"/>
-              <a:buChar char=""/>
+              <a:buChar char="l"/>
             </a:pPr>
             <a:r>
               <a:rPr lang="en-GB" sz="2800">
@@ -7859,7 +8962,7 @@
               </a:lnSpc>
               <a:buSzPct val="75000"/>
               <a:buFont typeface="StarSymbol"/>
-              <a:buChar char=""/>
+              <a:buChar char="l"/>
             </a:pPr>
             <a:r>
               <a:rPr lang="en-GB" sz="3600">
@@ -7871,36 +8974,34 @@
             <a:endParaRPr/>
           </a:p>
           <a:p>
-            <a:pPr lvl="1">
-              <a:buSzPct val="75000"/>
-              <a:buFont typeface="StarSymbol"/>
-              <a:buChar char=""/>
-            </a:pPr>
-            <a:endParaRPr/>
-          </a:p>
-        </p:txBody>
-      </p:sp>
-      <p:sp>
-        <p:nvSpPr>
-          <p:cNvPr id="137" name="TextShape 3"/>
-          <p:cNvSpPr txBox="1"/>
+            <a:pPr>
+              <a:lnSpc>
+                <a:spcPct val="100000"/>
+              </a:lnSpc>
+            </a:pPr>
+            <a:endParaRPr/>
+          </a:p>
+        </p:txBody>
+      </p:sp>
+      <p:sp>
+        <p:nvSpPr>
+          <p:cNvPr id="134" name="CustomShape 3"/>
+          <p:cNvSpPr/>
           <p:nvPr/>
         </p:nvSpPr>
         <p:spPr>
           <a:xfrm>
             <a:off x="6375240" y="9252000"/>
-            <a:ext cx="241200" cy="380520"/>
-          </a:xfrm>
-          <a:prstGeom prst="rect">
-            <a:avLst/>
-          </a:prstGeom>
-        </p:spPr>
-        <p:txBody>
-          <a:bodyPr lIns="0" rIns="0" tIns="0" bIns="0"/>
-          <a:p>
-            <a:endParaRPr/>
-          </a:p>
-        </p:txBody>
+            <a:ext cx="240840" cy="380160"/>
+          </a:xfrm>
+          <a:prstGeom prst="rect">
+            <a:avLst/>
+          </a:prstGeom>
+          <a:noFill/>
+          <a:ln>
+            <a:noFill/>
+          </a:ln>
+        </p:spPr>
       </p:sp>
     </p:spTree>
   </p:cSld>
@@ -7953,18 +9054,22 @@
       </p:grpSpPr>
       <p:sp>
         <p:nvSpPr>
-          <p:cNvPr id="138" name="TextShape 1"/>
-          <p:cNvSpPr txBox="1"/>
+          <p:cNvPr id="135" name="CustomShape 1"/>
+          <p:cNvSpPr/>
           <p:nvPr/>
         </p:nvSpPr>
         <p:spPr>
           <a:xfrm>
             <a:off x="952560" y="444600"/>
-            <a:ext cx="11099520" cy="2158560"/>
-          </a:xfrm>
-          <a:prstGeom prst="rect">
-            <a:avLst/>
-          </a:prstGeom>
+            <a:ext cx="11099160" cy="2158200"/>
+          </a:xfrm>
+          <a:prstGeom prst="rect">
+            <a:avLst/>
+          </a:prstGeom>
+          <a:noFill/>
+          <a:ln>
+            <a:noFill/>
+          </a:ln>
         </p:spPr>
         <p:txBody>
           <a:bodyPr lIns="0" rIns="0" tIns="0" bIns="0" anchor="ctr"/>
@@ -7987,18 +9092,22 @@
       </p:sp>
       <p:sp>
         <p:nvSpPr>
-          <p:cNvPr id="139" name="TextShape 2"/>
-          <p:cNvSpPr txBox="1"/>
+          <p:cNvPr id="136" name="CustomShape 2"/>
+          <p:cNvSpPr/>
           <p:nvPr/>
         </p:nvSpPr>
         <p:spPr>
           <a:xfrm>
             <a:off x="952560" y="2603520"/>
-            <a:ext cx="11099520" cy="6286320"/>
-          </a:xfrm>
-          <a:prstGeom prst="rect">
-            <a:avLst/>
-          </a:prstGeom>
+            <a:ext cx="11099160" cy="6285960"/>
+          </a:xfrm>
+          <a:prstGeom prst="rect">
+            <a:avLst/>
+          </a:prstGeom>
+          <a:noFill/>
+          <a:ln>
+            <a:noFill/>
+          </a:ln>
         </p:spPr>
         <p:txBody>
           <a:bodyPr lIns="0" rIns="0" tIns="0" bIns="0" anchor="ctr"/>
@@ -8009,7 +9118,7 @@
               </a:lnSpc>
               <a:buSzPct val="75000"/>
               <a:buFont typeface="StarSymbol"/>
-              <a:buChar char=""/>
+              <a:buChar char="l"/>
             </a:pPr>
             <a:r>
               <a:rPr lang="en-GB" sz="3600">
@@ -8027,41 +9136,152 @@
               </a:lnSpc>
               <a:buSzPct val="75000"/>
               <a:buFont typeface="StarSymbol"/>
-              <a:buChar char=""/>
-            </a:pPr>
-            <a:endParaRPr/>
-          </a:p>
-          <a:p>
-            <a:pPr lvl="1">
+              <a:buChar char="l"/>
+            </a:pPr>
+            <a:endParaRPr/>
+          </a:p>
+          <a:p>
+            <a:pPr>
+              <a:lnSpc>
+                <a:spcPct val="100000"/>
+              </a:lnSpc>
               <a:buSzPct val="75000"/>
               <a:buFont typeface="StarSymbol"/>
-              <a:buChar char=""/>
-            </a:pPr>
-            <a:endParaRPr/>
-          </a:p>
-        </p:txBody>
-      </p:sp>
-      <p:sp>
-        <p:nvSpPr>
-          <p:cNvPr id="140" name="TextShape 3"/>
-          <p:cNvSpPr txBox="1"/>
+              <a:buChar char="l"/>
+            </a:pPr>
+            <a:r>
+              <a:rPr lang="en-GB" sz="3600">
+                <a:latin typeface="Helvetica Light"/>
+                <a:ea typeface="Helvetica Light"/>
+              </a:rPr>
+              <a:t>Content</a:t>
+            </a:r>
+            <a:endParaRPr/>
+          </a:p>
+          <a:p>
+            <a:pPr>
+              <a:lnSpc>
+                <a:spcPct val="100000"/>
+              </a:lnSpc>
+              <a:buSzPct val="75000"/>
+              <a:buFont typeface="StarSymbol"/>
+              <a:buChar char="l"/>
+            </a:pPr>
+            <a:endParaRPr/>
+          </a:p>
+          <a:p>
+            <a:pPr>
+              <a:lnSpc>
+                <a:spcPct val="100000"/>
+              </a:lnSpc>
+              <a:buSzPct val="75000"/>
+              <a:buFont typeface="StarSymbol"/>
+              <a:buChar char="l"/>
+            </a:pPr>
+            <a:r>
+              <a:rPr lang="en-GB" sz="3600">
+                <a:latin typeface="Helvetica Light"/>
+                <a:ea typeface="Helvetica Light"/>
+              </a:rPr>
+              <a:t>Service</a:t>
+            </a:r>
+            <a:endParaRPr/>
+          </a:p>
+          <a:p>
+            <a:pPr>
+              <a:lnSpc>
+                <a:spcPct val="100000"/>
+              </a:lnSpc>
+              <a:buSzPct val="75000"/>
+              <a:buFont typeface="StarSymbol"/>
+              <a:buChar char="l"/>
+            </a:pPr>
+            <a:endParaRPr/>
+          </a:p>
+          <a:p>
+            <a:pPr>
+              <a:lnSpc>
+                <a:spcPct val="100000"/>
+              </a:lnSpc>
+              <a:buSzPct val="75000"/>
+              <a:buFont typeface="StarSymbol"/>
+              <a:buChar char="l"/>
+            </a:pPr>
+            <a:r>
+              <a:rPr lang="en-GB" sz="3600">
+                <a:latin typeface="Helvetica Light"/>
+                <a:ea typeface="Helvetica Light"/>
+              </a:rPr>
+              <a:t>Redundancy</a:t>
+            </a:r>
+            <a:endParaRPr/>
+          </a:p>
+          <a:p>
+            <a:pPr>
+              <a:lnSpc>
+                <a:spcPct val="100000"/>
+              </a:lnSpc>
+              <a:buSzPct val="75000"/>
+              <a:buFont typeface="StarSymbol"/>
+              <a:buChar char="l"/>
+            </a:pPr>
+            <a:endParaRPr/>
+          </a:p>
+          <a:p>
+            <a:pPr>
+              <a:lnSpc>
+                <a:spcPct val="100000"/>
+              </a:lnSpc>
+              <a:buSzPct val="75000"/>
+              <a:buFont typeface="StarSymbol"/>
+              <a:buChar char="l"/>
+            </a:pPr>
+            <a:r>
+              <a:rPr lang="en-GB" sz="3600">
+                <a:latin typeface="Helvetica Light"/>
+                <a:ea typeface="Helvetica Light"/>
+              </a:rPr>
+              <a:t>Partitions</a:t>
+            </a:r>
+            <a:endParaRPr/>
+          </a:p>
+          <a:p>
+            <a:pPr>
+              <a:lnSpc>
+                <a:spcPct val="100000"/>
+              </a:lnSpc>
+            </a:pPr>
+            <a:endParaRPr/>
+          </a:p>
+          <a:p>
+            <a:pPr>
+              <a:lnSpc>
+                <a:spcPct val="100000"/>
+              </a:lnSpc>
+            </a:pPr>
+            <a:endParaRPr/>
+          </a:p>
+        </p:txBody>
+      </p:sp>
+      <p:sp>
+        <p:nvSpPr>
+          <p:cNvPr id="137" name="CustomShape 3"/>
+          <p:cNvSpPr/>
           <p:nvPr/>
         </p:nvSpPr>
         <p:spPr>
           <a:xfrm>
             <a:off x="6375240" y="9252000"/>
-            <a:ext cx="241200" cy="380520"/>
-          </a:xfrm>
-          <a:prstGeom prst="rect">
-            <a:avLst/>
-          </a:prstGeom>
-        </p:spPr>
-        <p:txBody>
-          <a:bodyPr lIns="0" rIns="0" tIns="0" bIns="0"/>
-          <a:p>
-            <a:endParaRPr/>
-          </a:p>
-        </p:txBody>
+            <a:ext cx="240840" cy="380160"/>
+          </a:xfrm>
+          <a:prstGeom prst="rect">
+            <a:avLst/>
+          </a:prstGeom>
+          <a:noFill/>
+          <a:ln>
+            <a:noFill/>
+          </a:ln>
+        </p:spPr>
       </p:sp>
     </p:spTree>
   </p:cSld>
@@ -8114,18 +9334,22 @@
       </p:grpSpPr>
       <p:sp>
         <p:nvSpPr>
-          <p:cNvPr id="141" name="TextShape 1"/>
-          <p:cNvSpPr txBox="1"/>
+          <p:cNvPr id="138" name="CustomShape 1"/>
+          <p:cNvSpPr/>
           <p:nvPr/>
         </p:nvSpPr>
         <p:spPr>
           <a:xfrm>
             <a:off x="952560" y="444600"/>
-            <a:ext cx="11099520" cy="2158560"/>
-          </a:xfrm>
-          <a:prstGeom prst="rect">
-            <a:avLst/>
-          </a:prstGeom>
+            <a:ext cx="11099160" cy="2158200"/>
+          </a:xfrm>
+          <a:prstGeom prst="rect">
+            <a:avLst/>
+          </a:prstGeom>
+          <a:noFill/>
+          <a:ln>
+            <a:noFill/>
+          </a:ln>
         </p:spPr>
         <p:txBody>
           <a:bodyPr lIns="0" rIns="0" tIns="0" bIns="0" anchor="ctr"/>
@@ -8140,26 +9364,30 @@
                 <a:latin typeface="Helvetica Light"/>
                 <a:ea typeface="Helvetica Light"/>
               </a:rPr>
-              <a:t>Scheduling Algorithm</a:t>
-            </a:r>
-            <a:endParaRPr/>
-          </a:p>
-        </p:txBody>
-      </p:sp>
-      <p:sp>
-        <p:nvSpPr>
-          <p:cNvPr id="142" name="TextShape 2"/>
-          <p:cNvSpPr txBox="1"/>
+              <a:t>Content</a:t>
+            </a:r>
+            <a:endParaRPr/>
+          </a:p>
+        </p:txBody>
+      </p:sp>
+      <p:sp>
+        <p:nvSpPr>
+          <p:cNvPr id="139" name="CustomShape 2"/>
+          <p:cNvSpPr/>
           <p:nvPr/>
         </p:nvSpPr>
         <p:spPr>
           <a:xfrm>
             <a:off x="952560" y="2603520"/>
-            <a:ext cx="11099520" cy="6286320"/>
-          </a:xfrm>
-          <a:prstGeom prst="rect">
-            <a:avLst/>
-          </a:prstGeom>
+            <a:ext cx="11099160" cy="6285960"/>
+          </a:xfrm>
+          <a:prstGeom prst="rect">
+            <a:avLst/>
+          </a:prstGeom>
+          <a:noFill/>
+          <a:ln>
+            <a:noFill/>
+          </a:ln>
         </p:spPr>
         <p:txBody>
           <a:bodyPr lIns="0" rIns="0" tIns="0" bIns="0" anchor="ctr"/>
@@ -8170,14 +9398,14 @@
               </a:lnSpc>
               <a:buSzPct val="75000"/>
               <a:buFont typeface="StarSymbol"/>
-              <a:buChar char=""/>
+              <a:buChar char="l"/>
             </a:pPr>
             <a:r>
               <a:rPr lang="en-GB" sz="3600">
                 <a:latin typeface="Helvetica Light"/>
                 <a:ea typeface="Helvetica Light"/>
               </a:rPr>
-              <a:t>Round Robin</a:t>
+              <a:t>Distribute request handler</a:t>
             </a:r>
             <a:endParaRPr/>
           </a:p>
@@ -8188,14 +9416,25 @@
               </a:lnSpc>
               <a:buSzPct val="75000"/>
               <a:buFont typeface="StarSymbol"/>
-              <a:buChar char=""/>
+              <a:buChar char="l"/>
+            </a:pPr>
+            <a:endParaRPr/>
+          </a:p>
+          <a:p>
+            <a:pPr>
+              <a:lnSpc>
+                <a:spcPct val="100000"/>
+              </a:lnSpc>
+              <a:buSzPct val="75000"/>
+              <a:buFont typeface="StarSymbol"/>
+              <a:buChar char="l"/>
             </a:pPr>
             <a:r>
               <a:rPr lang="en-GB" sz="3600">
                 <a:latin typeface="Helvetica Light"/>
                 <a:ea typeface="Helvetica Light"/>
               </a:rPr>
-              <a:t>Weighed Round Robin</a:t>
+              <a:t>Shorten querying time</a:t>
             </a:r>
             <a:endParaRPr/>
           </a:p>
@@ -8206,94 +9445,65 @@
               </a:lnSpc>
               <a:buSzPct val="75000"/>
               <a:buFont typeface="StarSymbol"/>
-              <a:buChar char=""/>
+              <a:buChar char="l"/>
+            </a:pPr>
+            <a:endParaRPr/>
+          </a:p>
+          <a:p>
+            <a:pPr>
+              <a:lnSpc>
+                <a:spcPct val="100000"/>
+              </a:lnSpc>
+              <a:buSzPct val="75000"/>
+              <a:buFont typeface="StarSymbol"/>
+              <a:buChar char="l"/>
             </a:pPr>
             <a:r>
               <a:rPr lang="en-GB" sz="3600">
                 <a:latin typeface="Helvetica Light"/>
                 <a:ea typeface="Helvetica Light"/>
               </a:rPr>
-              <a:t>Last Connection</a:t>
-            </a:r>
-            <a:endParaRPr/>
-          </a:p>
-          <a:p>
-            <a:pPr>
-              <a:lnSpc>
-                <a:spcPct val="100000"/>
-              </a:lnSpc>
-              <a:buSzPct val="75000"/>
-              <a:buFont typeface="StarSymbol"/>
-              <a:buChar char=""/>
-            </a:pPr>
-            <a:r>
-              <a:rPr lang="en-GB" sz="3600">
-                <a:latin typeface="Helvetica Light"/>
-                <a:ea typeface="Helvetica Light"/>
-              </a:rPr>
-              <a:t>Least Connected Slow Start Time</a:t>
-            </a:r>
-            <a:endParaRPr/>
-          </a:p>
-          <a:p>
-            <a:pPr>
-              <a:lnSpc>
-                <a:spcPct val="100000"/>
-              </a:lnSpc>
-              <a:buSzPct val="75000"/>
-              <a:buFont typeface="StarSymbol"/>
-              <a:buChar char=""/>
-            </a:pPr>
-            <a:r>
-              <a:rPr lang="en-GB" sz="3600">
-                <a:latin typeface="Helvetica Light"/>
-                <a:ea typeface="Helvetica Light"/>
-              </a:rPr>
-              <a:t>Weighed Least Connected</a:t>
-            </a:r>
-            <a:endParaRPr/>
-          </a:p>
-          <a:p>
-            <a:pPr>
-              <a:lnSpc>
-                <a:spcPct val="100000"/>
-              </a:lnSpc>
-              <a:buSzPct val="75000"/>
-              <a:buFont typeface="StarSymbol"/>
-              <a:buChar char=""/>
-            </a:pPr>
-            <a:r>
-              <a:rPr lang="en-GB" sz="3600">
-                <a:latin typeface="Helvetica Light"/>
-                <a:ea typeface="Helvetica Light"/>
-              </a:rPr>
-              <a:t>Agent Based Adaptive </a:t>
-            </a:r>
-            <a:endParaRPr/>
-          </a:p>
-        </p:txBody>
-      </p:sp>
-      <p:sp>
-        <p:nvSpPr>
-          <p:cNvPr id="143" name="TextShape 3"/>
-          <p:cNvSpPr txBox="1"/>
+              <a:t>Raise scalebility</a:t>
+            </a:r>
+            <a:endParaRPr/>
+          </a:p>
+          <a:p>
+            <a:pPr>
+              <a:lnSpc>
+                <a:spcPct val="100000"/>
+              </a:lnSpc>
+            </a:pPr>
+            <a:endParaRPr/>
+          </a:p>
+          <a:p>
+            <a:pPr>
+              <a:lnSpc>
+                <a:spcPct val="100000"/>
+              </a:lnSpc>
+            </a:pPr>
+            <a:endParaRPr/>
+          </a:p>
+        </p:txBody>
+      </p:sp>
+      <p:sp>
+        <p:nvSpPr>
+          <p:cNvPr id="140" name="CustomShape 3"/>
+          <p:cNvSpPr/>
           <p:nvPr/>
         </p:nvSpPr>
         <p:spPr>
           <a:xfrm>
             <a:off x="6375240" y="9252000"/>
-            <a:ext cx="241200" cy="380520"/>
-          </a:xfrm>
-          <a:prstGeom prst="rect">
-            <a:avLst/>
-          </a:prstGeom>
-        </p:spPr>
-        <p:txBody>
-          <a:bodyPr lIns="0" rIns="0" tIns="0" bIns="0"/>
-          <a:p>
-            <a:endParaRPr/>
-          </a:p>
-        </p:txBody>
+            <a:ext cx="240840" cy="380160"/>
+          </a:xfrm>
+          <a:prstGeom prst="rect">
+            <a:avLst/>
+          </a:prstGeom>
+          <a:noFill/>
+          <a:ln>
+            <a:noFill/>
+          </a:ln>
+        </p:spPr>
       </p:sp>
     </p:spTree>
   </p:cSld>
